--- a/poster/poster.pptx
+++ b/poster/poster.pptx
@@ -288,7 +288,7 @@
           <a:p>
             <a:fld id="{24E72DE2-AD54-445F-BDF3-6E766A2209E8}" type="datetimeFigureOut">
               <a:rPr lang="en-US" smtClean="0"/>
-              <a:t>12/3/2013</a:t>
+              <a:t>12/4/2013</a:t>
             </a:fld>
             <a:endParaRPr lang="en-US"/>
           </a:p>
@@ -458,7 +458,7 @@
           <a:p>
             <a:fld id="{24E72DE2-AD54-445F-BDF3-6E766A2209E8}" type="datetimeFigureOut">
               <a:rPr lang="en-US" smtClean="0"/>
-              <a:t>12/3/2013</a:t>
+              <a:t>12/4/2013</a:t>
             </a:fld>
             <a:endParaRPr lang="en-US"/>
           </a:p>
@@ -638,7 +638,7 @@
           <a:p>
             <a:fld id="{24E72DE2-AD54-445F-BDF3-6E766A2209E8}" type="datetimeFigureOut">
               <a:rPr lang="en-US" smtClean="0"/>
-              <a:t>12/3/2013</a:t>
+              <a:t>12/4/2013</a:t>
             </a:fld>
             <a:endParaRPr lang="en-US"/>
           </a:p>
@@ -808,7 +808,7 @@
           <a:p>
             <a:fld id="{24E72DE2-AD54-445F-BDF3-6E766A2209E8}" type="datetimeFigureOut">
               <a:rPr lang="en-US" smtClean="0"/>
-              <a:t>12/3/2013</a:t>
+              <a:t>12/4/2013</a:t>
             </a:fld>
             <a:endParaRPr lang="en-US"/>
           </a:p>
@@ -1054,7 +1054,7 @@
           <a:p>
             <a:fld id="{24E72DE2-AD54-445F-BDF3-6E766A2209E8}" type="datetimeFigureOut">
               <a:rPr lang="en-US" smtClean="0"/>
-              <a:t>12/3/2013</a:t>
+              <a:t>12/4/2013</a:t>
             </a:fld>
             <a:endParaRPr lang="en-US"/>
           </a:p>
@@ -1342,7 +1342,7 @@
           <a:p>
             <a:fld id="{24E72DE2-AD54-445F-BDF3-6E766A2209E8}" type="datetimeFigureOut">
               <a:rPr lang="en-US" smtClean="0"/>
-              <a:t>12/3/2013</a:t>
+              <a:t>12/4/2013</a:t>
             </a:fld>
             <a:endParaRPr lang="en-US"/>
           </a:p>
@@ -1769,7 +1769,7 @@
           <a:p>
             <a:fld id="{24E72DE2-AD54-445F-BDF3-6E766A2209E8}" type="datetimeFigureOut">
               <a:rPr lang="en-US" smtClean="0"/>
-              <a:t>12/3/2013</a:t>
+              <a:t>12/4/2013</a:t>
             </a:fld>
             <a:endParaRPr lang="en-US"/>
           </a:p>
@@ -1887,7 +1887,7 @@
           <a:p>
             <a:fld id="{24E72DE2-AD54-445F-BDF3-6E766A2209E8}" type="datetimeFigureOut">
               <a:rPr lang="en-US" smtClean="0"/>
-              <a:t>12/3/2013</a:t>
+              <a:t>12/4/2013</a:t>
             </a:fld>
             <a:endParaRPr lang="en-US"/>
           </a:p>
@@ -1982,7 +1982,7 @@
           <a:p>
             <a:fld id="{24E72DE2-AD54-445F-BDF3-6E766A2209E8}" type="datetimeFigureOut">
               <a:rPr lang="en-US" smtClean="0"/>
-              <a:t>12/3/2013</a:t>
+              <a:t>12/4/2013</a:t>
             </a:fld>
             <a:endParaRPr lang="en-US"/>
           </a:p>
@@ -2259,7 +2259,7 @@
           <a:p>
             <a:fld id="{24E72DE2-AD54-445F-BDF3-6E766A2209E8}" type="datetimeFigureOut">
               <a:rPr lang="en-US" smtClean="0"/>
-              <a:t>12/3/2013</a:t>
+              <a:t>12/4/2013</a:t>
             </a:fld>
             <a:endParaRPr lang="en-US"/>
           </a:p>
@@ -2512,7 +2512,7 @@
           <a:p>
             <a:fld id="{24E72DE2-AD54-445F-BDF3-6E766A2209E8}" type="datetimeFigureOut">
               <a:rPr lang="en-US" smtClean="0"/>
-              <a:t>12/3/2013</a:t>
+              <a:t>12/4/2013</a:t>
             </a:fld>
             <a:endParaRPr lang="en-US"/>
           </a:p>
@@ -2725,7 +2725,7 @@
           <a:p>
             <a:fld id="{24E72DE2-AD54-445F-BDF3-6E766A2209E8}" type="datetimeFigureOut">
               <a:rPr lang="en-US" smtClean="0"/>
-              <a:t>12/3/2013</a:t>
+              <a:t>12/4/2013</a:t>
             </a:fld>
             <a:endParaRPr lang="en-US"/>
           </a:p>
@@ -3365,7 +3365,7 @@
         </p:nvSpPr>
         <p:spPr>
           <a:xfrm>
-            <a:off x="914400" y="22860000"/>
+            <a:off x="914400" y="26517600"/>
             <a:ext cx="31089600" cy="1828800"/>
           </a:xfrm>
           <a:prstGeom prst="roundRect">
@@ -3428,7 +3428,7 @@
         <p:spPr>
           <a:xfrm>
             <a:off x="914400" y="9144000"/>
-            <a:ext cx="14630400" cy="12801600"/>
+            <a:ext cx="14630400" cy="16459200"/>
           </a:xfrm>
           <a:prstGeom prst="rect">
             <a:avLst/>
@@ -3459,7 +3459,7 @@
           <a:lstStyle/>
           <a:p>
             <a:pPr algn="ctr"/>
-            <a:endParaRPr lang="en-US"/>
+            <a:endParaRPr lang="en-US" sz="4500" dirty="0"/>
           </a:p>
         </p:txBody>
       </p:sp>
@@ -3472,7 +3472,7 @@
         <p:spPr>
           <a:xfrm>
             <a:off x="17373600" y="9144000"/>
-            <a:ext cx="14630400" cy="12801600"/>
+            <a:ext cx="14630400" cy="16459200"/>
           </a:xfrm>
           <a:prstGeom prst="rect">
             <a:avLst/>
@@ -3515,8 +3515,8 @@
         </p:nvSpPr>
         <p:spPr>
           <a:xfrm>
-            <a:off x="914400" y="25603200"/>
-            <a:ext cx="31089600" cy="15544800"/>
+            <a:off x="14630400" y="29260800"/>
+            <a:ext cx="17373600" cy="11887200"/>
           </a:xfrm>
           <a:prstGeom prst="rect">
             <a:avLst/>
@@ -3547,7 +3547,7 @@
           <a:lstStyle/>
           <a:p>
             <a:pPr algn="ctr"/>
-            <a:endParaRPr lang="en-US"/>
+            <a:endParaRPr lang="en-US" dirty="0"/>
           </a:p>
         </p:txBody>
       </p:sp>
@@ -3605,6 +3605,1606 @@
           </a:extLst>
         </p:spPr>
       </p:pic>
+      <p:sp>
+        <p:nvSpPr>
+          <p:cNvPr id="2" name="TextBox 1"/>
+          <p:cNvSpPr txBox="1"/>
+          <p:nvPr/>
+        </p:nvSpPr>
+        <p:spPr>
+          <a:xfrm>
+            <a:off x="914400" y="9144000"/>
+            <a:ext cx="14630400" cy="9941183"/>
+          </a:xfrm>
+          <a:prstGeom prst="rect">
+            <a:avLst/>
+          </a:prstGeom>
+          <a:noFill/>
+        </p:spPr>
+        <p:txBody>
+          <a:bodyPr wrap="square" rtlCol="0">
+            <a:spAutoFit/>
+          </a:bodyPr>
+          <a:lstStyle/>
+          <a:p>
+            <a:r>
+              <a:rPr lang="en-US" sz="4000" dirty="0" smtClean="0">
+                <a:latin typeface="Arial" panose="020B0604020202020204" pitchFamily="34" charset="0"/>
+                <a:cs typeface="Arial" panose="020B0604020202020204" pitchFamily="34" charset="0"/>
+              </a:rPr>
+              <a:t>      In the modern day, airplanes are a frequently-used means of transportation. However, due to many different factors, such as weather, restricted areas, and </a:t>
+            </a:r>
+            <a:r>
+              <a:rPr lang="en-US" sz="4000" dirty="0" err="1" smtClean="0">
+                <a:latin typeface="Arial" panose="020B0604020202020204" pitchFamily="34" charset="0"/>
+                <a:cs typeface="Arial" panose="020B0604020202020204" pitchFamily="34" charset="0"/>
+              </a:rPr>
+              <a:t>jetstreams</a:t>
+            </a:r>
+            <a:r>
+              <a:rPr lang="en-US" sz="4000" dirty="0" smtClean="0">
+                <a:latin typeface="Arial" panose="020B0604020202020204" pitchFamily="34" charset="0"/>
+                <a:cs typeface="Arial" panose="020B0604020202020204" pitchFamily="34" charset="0"/>
+              </a:rPr>
+              <a:t>, it’s very difficult to keep the cost of such transportation at an optimal level. What we aim to do here in Flight Quest is to optimize to the best of our ability the costs of airplane flights using machine learning techniques.</a:t>
+            </a:r>
+          </a:p>
+          <a:p>
+            <a:r>
+              <a:rPr lang="en-US" sz="4000" dirty="0" smtClean="0">
+                <a:latin typeface="Arial" panose="020B0604020202020204" pitchFamily="34" charset="0"/>
+                <a:cs typeface="Arial" panose="020B0604020202020204" pitchFamily="34" charset="0"/>
+              </a:rPr>
+              <a:t>     </a:t>
+            </a:r>
+          </a:p>
+          <a:p>
+            <a:r>
+              <a:rPr lang="en-US" sz="4000" dirty="0">
+                <a:latin typeface="Arial" panose="020B0604020202020204" pitchFamily="34" charset="0"/>
+                <a:cs typeface="Arial" panose="020B0604020202020204" pitchFamily="34" charset="0"/>
+              </a:rPr>
+              <a:t> </a:t>
+            </a:r>
+            <a:r>
+              <a:rPr lang="en-US" sz="4000" dirty="0" smtClean="0">
+                <a:latin typeface="Arial" panose="020B0604020202020204" pitchFamily="34" charset="0"/>
+                <a:cs typeface="Arial" panose="020B0604020202020204" pitchFamily="34" charset="0"/>
+              </a:rPr>
+              <a:t>    Our task consists of using data obtained from previous flights to try and find optimal paths and conditions (e.g. speed, altitude) for new flights to take.</a:t>
+            </a:r>
+            <a:endParaRPr lang="en-US" sz="4000" dirty="0">
+              <a:latin typeface="Arial" panose="020B0604020202020204" pitchFamily="34" charset="0"/>
+              <a:cs typeface="Arial" panose="020B0604020202020204" pitchFamily="34" charset="0"/>
+            </a:endParaRPr>
+          </a:p>
+          <a:p>
+            <a:endParaRPr lang="en-US" sz="4000" dirty="0" smtClean="0">
+              <a:latin typeface="Arial" panose="020B0604020202020204" pitchFamily="34" charset="0"/>
+              <a:cs typeface="Arial" panose="020B0604020202020204" pitchFamily="34" charset="0"/>
+            </a:endParaRPr>
+          </a:p>
+          <a:p>
+            <a:r>
+              <a:rPr lang="en-US" sz="4000" dirty="0">
+                <a:latin typeface="Arial" panose="020B0604020202020204" pitchFamily="34" charset="0"/>
+                <a:cs typeface="Arial" panose="020B0604020202020204" pitchFamily="34" charset="0"/>
+              </a:rPr>
+              <a:t> </a:t>
+            </a:r>
+            <a:r>
+              <a:rPr lang="en-US" sz="4000" dirty="0" smtClean="0">
+                <a:latin typeface="Arial" panose="020B0604020202020204" pitchFamily="34" charset="0"/>
+                <a:cs typeface="Arial" panose="020B0604020202020204" pitchFamily="34" charset="0"/>
+              </a:rPr>
+              <a:t>    Our motivation for undertaking this task came from searching for something that would both challenge us to use what we learned in innovative ways and would have an impact on people’s lives. </a:t>
+            </a:r>
+            <a:endParaRPr lang="en-US" sz="4000" dirty="0">
+              <a:latin typeface="Arial" panose="020B0604020202020204" pitchFamily="34" charset="0"/>
+              <a:cs typeface="Arial" panose="020B0604020202020204" pitchFamily="34" charset="0"/>
+            </a:endParaRPr>
+          </a:p>
+        </p:txBody>
+      </p:sp>
+      <p:sp>
+        <p:nvSpPr>
+          <p:cNvPr id="14" name="TextBox 13"/>
+          <p:cNvSpPr txBox="1"/>
+          <p:nvPr/>
+        </p:nvSpPr>
+        <p:spPr>
+          <a:xfrm>
+            <a:off x="17373600" y="9144000"/>
+            <a:ext cx="14630400" cy="10064294"/>
+          </a:xfrm>
+          <a:prstGeom prst="rect">
+            <a:avLst/>
+          </a:prstGeom>
+          <a:noFill/>
+        </p:spPr>
+        <p:txBody>
+          <a:bodyPr wrap="square" rtlCol="0">
+            <a:spAutoFit/>
+          </a:bodyPr>
+          <a:lstStyle/>
+          <a:p>
+            <a:r>
+              <a:rPr lang="en-US" sz="3600" dirty="0" smtClean="0">
+                <a:latin typeface="Arial" panose="020B0604020202020204" pitchFamily="34" charset="0"/>
+                <a:cs typeface="Arial" panose="020B0604020202020204" pitchFamily="34" charset="0"/>
+              </a:rPr>
+              <a:t>      First, we created a baseline measure that took the most direct distance in between the current and destination points (via great circle calculation) and made that the desired path. </a:t>
+            </a:r>
+          </a:p>
+          <a:p>
+            <a:endParaRPr lang="en-US" sz="3600" dirty="0">
+              <a:latin typeface="Arial" panose="020B0604020202020204" pitchFamily="34" charset="0"/>
+              <a:cs typeface="Arial" panose="020B0604020202020204" pitchFamily="34" charset="0"/>
+            </a:endParaRPr>
+          </a:p>
+          <a:p>
+            <a:r>
+              <a:rPr lang="en-US" sz="3600" dirty="0" smtClean="0">
+                <a:latin typeface="Arial" panose="020B0604020202020204" pitchFamily="34" charset="0"/>
+                <a:cs typeface="Arial" panose="020B0604020202020204" pitchFamily="34" charset="0"/>
+              </a:rPr>
+              <a:t>	Our next step was to identify and work out a path 	around restricted areas, since no flights can pass 	through these areas lest they be shot down. In 	order to account for this, we consider numerous 	points in between our current and destination 	locations and then attempt to construct a path 	going through points that don’t lie in restricted 	areas using an A* search (as shown on left).</a:t>
+            </a:r>
+          </a:p>
+          <a:p>
+            <a:endParaRPr lang="en-US" sz="3600" dirty="0">
+              <a:latin typeface="Arial" panose="020B0604020202020204" pitchFamily="34" charset="0"/>
+              <a:cs typeface="Arial" panose="020B0604020202020204" pitchFamily="34" charset="0"/>
+            </a:endParaRPr>
+          </a:p>
+          <a:p>
+            <a:r>
+              <a:rPr lang="en-US" sz="3600" dirty="0" smtClean="0">
+                <a:latin typeface="Arial" panose="020B0604020202020204" pitchFamily="34" charset="0"/>
+                <a:cs typeface="Arial" panose="020B0604020202020204" pitchFamily="34" charset="0"/>
+              </a:rPr>
+              <a:t>     Afterwards, we focused on finding optimal speeds and altitudes for segments of the flight path in order to find the best balance between fuel consumption and arrival time. In order to do this, we would need to first find the features that would be significant enough to train on and then train our data using a regression model.</a:t>
+            </a:r>
+            <a:endParaRPr lang="en-US" sz="3600" dirty="0">
+              <a:latin typeface="Arial" panose="020B0604020202020204" pitchFamily="34" charset="0"/>
+              <a:cs typeface="Arial" panose="020B0604020202020204" pitchFamily="34" charset="0"/>
+            </a:endParaRPr>
+          </a:p>
+        </p:txBody>
+      </p:sp>
+      <p:pic>
+        <p:nvPicPr>
+          <p:cNvPr id="1027" name="Picture 3"/>
+          <p:cNvPicPr>
+            <a:picLocks noChangeAspect="1" noChangeArrowheads="1"/>
+          </p:cNvPicPr>
+          <p:nvPr/>
+        </p:nvPicPr>
+        <p:blipFill>
+          <a:blip r:embed="rId4">
+            <a:extLst>
+              <a:ext uri="{28A0092B-C50C-407E-A947-70E740481C1C}">
+                <a14:useLocalDpi xmlns:a14="http://schemas.microsoft.com/office/drawing/2010/main" val="0"/>
+              </a:ext>
+            </a:extLst>
+          </a:blip>
+          <a:srcRect/>
+          <a:stretch>
+            <a:fillRect/>
+          </a:stretch>
+        </p:blipFill>
+        <p:spPr bwMode="auto">
+          <a:xfrm>
+            <a:off x="17573625" y="11144251"/>
+            <a:ext cx="3857625" cy="4800599"/>
+          </a:xfrm>
+          <a:prstGeom prst="rect">
+            <a:avLst/>
+          </a:prstGeom>
+          <a:noFill/>
+          <a:ln>
+            <a:noFill/>
+          </a:ln>
+          <a:extLst>
+            <a:ext uri="{909E8E84-426E-40DD-AFC4-6F175D3DCCD1}">
+              <a14:hiddenFill xmlns:a14="http://schemas.microsoft.com/office/drawing/2010/main">
+                <a:solidFill>
+                  <a:schemeClr val="accent1"/>
+                </a:solidFill>
+              </a14:hiddenFill>
+            </a:ext>
+            <a:ext uri="{91240B29-F687-4F45-9708-019B960494DF}">
+              <a14:hiddenLine xmlns:a14="http://schemas.microsoft.com/office/drawing/2010/main" w="9525">
+                <a:solidFill>
+                  <a:schemeClr val="tx1"/>
+                </a:solidFill>
+                <a:miter lim="800000"/>
+                <a:headEnd/>
+                <a:tailEnd/>
+              </a14:hiddenLine>
+            </a:ext>
+          </a:extLst>
+        </p:spPr>
+      </p:pic>
+      <p:sp>
+        <p:nvSpPr>
+          <p:cNvPr id="4" name="TextBox 3"/>
+          <p:cNvSpPr txBox="1"/>
+          <p:nvPr/>
+        </p:nvSpPr>
+        <p:spPr>
+          <a:xfrm>
+            <a:off x="914400" y="29260800"/>
+            <a:ext cx="31089600" cy="646331"/>
+          </a:xfrm>
+          <a:prstGeom prst="rect">
+            <a:avLst/>
+          </a:prstGeom>
+          <a:noFill/>
+        </p:spPr>
+        <p:txBody>
+          <a:bodyPr wrap="square" rtlCol="0">
+            <a:spAutoFit/>
+          </a:bodyPr>
+          <a:lstStyle/>
+          <a:p>
+            <a:r>
+              <a:rPr lang="en-US" sz="3600" dirty="0" smtClean="0"/>
+              <a:t>     </a:t>
+            </a:r>
+            <a:endParaRPr lang="en-US" sz="3600" dirty="0"/>
+          </a:p>
+        </p:txBody>
+      </p:sp>
+      <p:graphicFrame>
+        <p:nvGraphicFramePr>
+          <p:cNvPr id="5" name="Table 4"/>
+          <p:cNvGraphicFramePr>
+            <a:graphicFrameLocks noGrp="1"/>
+          </p:cNvGraphicFramePr>
+          <p:nvPr>
+            <p:extLst>
+              <p:ext uri="{D42A27DB-BD31-4B8C-83A1-F6EECF244321}">
+                <p14:modId xmlns:p14="http://schemas.microsoft.com/office/powerpoint/2010/main" val="542667089"/>
+              </p:ext>
+            </p:extLst>
+          </p:nvPr>
+        </p:nvGraphicFramePr>
+        <p:xfrm>
+          <a:off x="914400" y="29260800"/>
+          <a:ext cx="12801600" cy="11887197"/>
+        </p:xfrm>
+        <a:graphic>
+          <a:graphicData uri="http://schemas.openxmlformats.org/drawingml/2006/table">
+            <a:tbl>
+              <a:tblPr firstRow="1" bandRow="1">
+                <a:tableStyleId>{2A488322-F2BA-4B5B-9748-0D474271808F}</a:tableStyleId>
+              </a:tblPr>
+              <a:tblGrid>
+                <a:gridCol w="4572000"/>
+                <a:gridCol w="4572000"/>
+                <a:gridCol w="3657600"/>
+              </a:tblGrid>
+              <a:tr h="874059">
+                <a:tc>
+                  <a:txBody>
+                    <a:bodyPr/>
+                    <a:lstStyle/>
+                    <a:p>
+                      <a:pPr algn="ctr"/>
+                      <a:r>
+                        <a:rPr lang="en-US" sz="4400" b="1" dirty="0" smtClean="0">
+                          <a:solidFill>
+                            <a:schemeClr val="tx1"/>
+                          </a:solidFill>
+                        </a:rPr>
+                        <a:t>Method</a:t>
+                      </a:r>
+                      <a:endParaRPr lang="en-US" sz="4400" b="1" dirty="0">
+                        <a:solidFill>
+                          <a:schemeClr val="tx1"/>
+                        </a:solidFill>
+                      </a:endParaRPr>
+                    </a:p>
+                  </a:txBody>
+                  <a:tcPr>
+                    <a:lnL w="12700" cap="flat" cmpd="sng" algn="ctr">
+                      <a:noFill/>
+                      <a:prstDash val="solid"/>
+                      <a:round/>
+                      <a:headEnd type="none" w="med" len="med"/>
+                      <a:tailEnd type="none" w="med" len="med"/>
+                    </a:lnL>
+                    <a:lnR w="12700" cap="flat" cmpd="sng" algn="ctr">
+                      <a:noFill/>
+                      <a:prstDash val="solid"/>
+                      <a:round/>
+                      <a:headEnd type="none" w="med" len="med"/>
+                      <a:tailEnd type="none" w="med" len="med"/>
+                    </a:lnR>
+                    <a:lnT w="12700" cap="flat" cmpd="sng" algn="ctr">
+                      <a:noFill/>
+                      <a:prstDash val="solid"/>
+                      <a:round/>
+                      <a:headEnd type="none" w="med" len="med"/>
+                      <a:tailEnd type="none" w="med" len="med"/>
+                    </a:lnT>
+                    <a:lnB w="12700" cap="flat" cmpd="sng" algn="ctr">
+                      <a:noFill/>
+                      <a:prstDash val="solid"/>
+                      <a:round/>
+                      <a:headEnd type="none" w="med" len="med"/>
+                      <a:tailEnd type="none" w="med" len="med"/>
+                    </a:lnB>
+                  </a:tcPr>
+                </a:tc>
+                <a:tc>
+                  <a:txBody>
+                    <a:bodyPr/>
+                    <a:lstStyle/>
+                    <a:p>
+                      <a:pPr algn="ctr"/>
+                      <a:r>
+                        <a:rPr lang="en-US" sz="4400" b="1" dirty="0" smtClean="0">
+                          <a:solidFill>
+                            <a:schemeClr val="tx1"/>
+                          </a:solidFill>
+                        </a:rPr>
+                        <a:t>Features Used</a:t>
+                      </a:r>
+                      <a:endParaRPr lang="en-US" sz="4400" b="1" dirty="0">
+                        <a:solidFill>
+                          <a:schemeClr val="tx1"/>
+                        </a:solidFill>
+                      </a:endParaRPr>
+                    </a:p>
+                  </a:txBody>
+                  <a:tcPr>
+                    <a:lnL w="12700" cap="flat" cmpd="sng" algn="ctr">
+                      <a:noFill/>
+                      <a:prstDash val="solid"/>
+                      <a:round/>
+                      <a:headEnd type="none" w="med" len="med"/>
+                      <a:tailEnd type="none" w="med" len="med"/>
+                    </a:lnL>
+                    <a:lnR w="12700" cap="flat" cmpd="sng" algn="ctr">
+                      <a:noFill/>
+                      <a:prstDash val="solid"/>
+                      <a:round/>
+                      <a:headEnd type="none" w="med" len="med"/>
+                      <a:tailEnd type="none" w="med" len="med"/>
+                    </a:lnR>
+                    <a:lnT w="12700" cap="flat" cmpd="sng" algn="ctr">
+                      <a:noFill/>
+                      <a:prstDash val="solid"/>
+                      <a:round/>
+                      <a:headEnd type="none" w="med" len="med"/>
+                      <a:tailEnd type="none" w="med" len="med"/>
+                    </a:lnT>
+                    <a:lnB w="12700" cap="flat" cmpd="sng" algn="ctr">
+                      <a:noFill/>
+                      <a:prstDash val="solid"/>
+                      <a:round/>
+                      <a:headEnd type="none" w="med" len="med"/>
+                      <a:tailEnd type="none" w="med" len="med"/>
+                    </a:lnB>
+                  </a:tcPr>
+                </a:tc>
+                <a:tc>
+                  <a:txBody>
+                    <a:bodyPr/>
+                    <a:lstStyle/>
+                    <a:p>
+                      <a:pPr algn="ctr"/>
+                      <a:r>
+                        <a:rPr lang="en-US" sz="4400" b="1" dirty="0" smtClean="0">
+                          <a:solidFill>
+                            <a:schemeClr val="tx1"/>
+                          </a:solidFill>
+                        </a:rPr>
+                        <a:t>Cost</a:t>
+                      </a:r>
+                      <a:endParaRPr lang="en-US" sz="4400" b="1" dirty="0">
+                        <a:solidFill>
+                          <a:schemeClr val="tx1"/>
+                        </a:solidFill>
+                      </a:endParaRPr>
+                    </a:p>
+                  </a:txBody>
+                  <a:tcPr>
+                    <a:lnL w="12700" cap="flat" cmpd="sng" algn="ctr">
+                      <a:noFill/>
+                      <a:prstDash val="solid"/>
+                      <a:round/>
+                      <a:headEnd type="none" w="med" len="med"/>
+                      <a:tailEnd type="none" w="med" len="med"/>
+                    </a:lnL>
+                    <a:lnR w="12700" cap="flat" cmpd="sng" algn="ctr">
+                      <a:noFill/>
+                      <a:prstDash val="solid"/>
+                      <a:round/>
+                      <a:headEnd type="none" w="med" len="med"/>
+                      <a:tailEnd type="none" w="med" len="med"/>
+                    </a:lnR>
+                    <a:lnT w="12700" cap="flat" cmpd="sng" algn="ctr">
+                      <a:noFill/>
+                      <a:prstDash val="solid"/>
+                      <a:round/>
+                      <a:headEnd type="none" w="med" len="med"/>
+                      <a:tailEnd type="none" w="med" len="med"/>
+                    </a:lnT>
+                    <a:lnB w="12700" cap="flat" cmpd="sng" algn="ctr">
+                      <a:noFill/>
+                      <a:prstDash val="solid"/>
+                      <a:round/>
+                      <a:headEnd type="none" w="med" len="med"/>
+                      <a:tailEnd type="none" w="med" len="med"/>
+                    </a:lnB>
+                  </a:tcPr>
+                </a:tc>
+              </a:tr>
+              <a:tr h="1223682">
+                <a:tc>
+                  <a:txBody>
+                    <a:bodyPr/>
+                    <a:lstStyle/>
+                    <a:p>
+                      <a:pPr algn="ctr"/>
+                      <a:r>
+                        <a:rPr lang="en-US" sz="4400" b="1" dirty="0" smtClean="0"/>
+                        <a:t>Baseline</a:t>
+                      </a:r>
+                      <a:endParaRPr lang="en-US" sz="4400" b="1" dirty="0"/>
+                    </a:p>
+                  </a:txBody>
+                  <a:tcPr>
+                    <a:lnL w="12700" cap="flat" cmpd="sng" algn="ctr">
+                      <a:noFill/>
+                      <a:prstDash val="solid"/>
+                      <a:round/>
+                      <a:headEnd type="none" w="med" len="med"/>
+                      <a:tailEnd type="none" w="med" len="med"/>
+                    </a:lnL>
+                    <a:lnR w="12700" cap="flat" cmpd="sng" algn="ctr">
+                      <a:noFill/>
+                      <a:prstDash val="solid"/>
+                      <a:round/>
+                      <a:headEnd type="none" w="med" len="med"/>
+                      <a:tailEnd type="none" w="med" len="med"/>
+                    </a:lnR>
+                    <a:lnT w="12700" cap="flat" cmpd="sng" algn="ctr">
+                      <a:noFill/>
+                      <a:prstDash val="solid"/>
+                      <a:round/>
+                      <a:headEnd type="none" w="med" len="med"/>
+                      <a:tailEnd type="none" w="med" len="med"/>
+                    </a:lnT>
+                    <a:lnB w="12700" cap="flat" cmpd="sng" algn="ctr">
+                      <a:noFill/>
+                      <a:prstDash val="solid"/>
+                      <a:round/>
+                      <a:headEnd type="none" w="med" len="med"/>
+                      <a:tailEnd type="none" w="med" len="med"/>
+                    </a:lnB>
+                  </a:tcPr>
+                </a:tc>
+                <a:tc>
+                  <a:txBody>
+                    <a:bodyPr/>
+                    <a:lstStyle/>
+                    <a:p>
+                      <a:pPr algn="ctr"/>
+                      <a:r>
+                        <a:rPr lang="en-US" sz="4400" b="1" dirty="0" smtClean="0"/>
+                        <a:t>None</a:t>
+                      </a:r>
+                      <a:endParaRPr lang="en-US" sz="4400" b="1" dirty="0"/>
+                    </a:p>
+                  </a:txBody>
+                  <a:tcPr>
+                    <a:lnL w="12700" cap="flat" cmpd="sng" algn="ctr">
+                      <a:noFill/>
+                      <a:prstDash val="solid"/>
+                      <a:round/>
+                      <a:headEnd type="none" w="med" len="med"/>
+                      <a:tailEnd type="none" w="med" len="med"/>
+                    </a:lnL>
+                    <a:lnR w="12700" cap="flat" cmpd="sng" algn="ctr">
+                      <a:noFill/>
+                      <a:prstDash val="solid"/>
+                      <a:round/>
+                      <a:headEnd type="none" w="med" len="med"/>
+                      <a:tailEnd type="none" w="med" len="med"/>
+                    </a:lnR>
+                    <a:lnT w="12700" cap="flat" cmpd="sng" algn="ctr">
+                      <a:noFill/>
+                      <a:prstDash val="solid"/>
+                      <a:round/>
+                      <a:headEnd type="none" w="med" len="med"/>
+                      <a:tailEnd type="none" w="med" len="med"/>
+                    </a:lnT>
+                    <a:lnB w="12700" cap="flat" cmpd="sng" algn="ctr">
+                      <a:noFill/>
+                      <a:prstDash val="solid"/>
+                      <a:round/>
+                      <a:headEnd type="none" w="med" len="med"/>
+                      <a:tailEnd type="none" w="med" len="med"/>
+                    </a:lnB>
+                  </a:tcPr>
+                </a:tc>
+                <a:tc>
+                  <a:txBody>
+                    <a:bodyPr/>
+                    <a:lstStyle/>
+                    <a:p>
+                      <a:pPr algn="ctr"/>
+                      <a:endParaRPr lang="en-US" sz="4400" b="1" dirty="0"/>
+                    </a:p>
+                  </a:txBody>
+                  <a:tcPr>
+                    <a:lnL w="12700" cap="flat" cmpd="sng" algn="ctr">
+                      <a:noFill/>
+                      <a:prstDash val="solid"/>
+                      <a:round/>
+                      <a:headEnd type="none" w="med" len="med"/>
+                      <a:tailEnd type="none" w="med" len="med"/>
+                    </a:lnL>
+                    <a:lnR w="12700" cap="flat" cmpd="sng" algn="ctr">
+                      <a:noFill/>
+                      <a:prstDash val="solid"/>
+                      <a:round/>
+                      <a:headEnd type="none" w="med" len="med"/>
+                      <a:tailEnd type="none" w="med" len="med"/>
+                    </a:lnR>
+                    <a:lnT w="12700" cap="flat" cmpd="sng" algn="ctr">
+                      <a:noFill/>
+                      <a:prstDash val="solid"/>
+                      <a:round/>
+                      <a:headEnd type="none" w="med" len="med"/>
+                      <a:tailEnd type="none" w="med" len="med"/>
+                    </a:lnT>
+                    <a:lnB w="12700" cap="flat" cmpd="sng" algn="ctr">
+                      <a:noFill/>
+                      <a:prstDash val="solid"/>
+                      <a:round/>
+                      <a:headEnd type="none" w="med" len="med"/>
+                      <a:tailEnd type="none" w="med" len="med"/>
+                    </a:lnB>
+                  </a:tcPr>
+                </a:tc>
+              </a:tr>
+              <a:tr h="1223682">
+                <a:tc>
+                  <a:txBody>
+                    <a:bodyPr/>
+                    <a:lstStyle/>
+                    <a:p>
+                      <a:pPr algn="ctr"/>
+                      <a:r>
+                        <a:rPr lang="en-US" sz="4400" b="1" dirty="0" smtClean="0"/>
+                        <a:t>A* Area Avoidance</a:t>
+                      </a:r>
+                      <a:endParaRPr lang="en-US" sz="4400" b="1" dirty="0"/>
+                    </a:p>
+                  </a:txBody>
+                  <a:tcPr>
+                    <a:lnL w="12700" cap="flat" cmpd="sng" algn="ctr">
+                      <a:noFill/>
+                      <a:prstDash val="solid"/>
+                      <a:round/>
+                      <a:headEnd type="none" w="med" len="med"/>
+                      <a:tailEnd type="none" w="med" len="med"/>
+                    </a:lnL>
+                    <a:lnR w="12700" cap="flat" cmpd="sng" algn="ctr">
+                      <a:noFill/>
+                      <a:prstDash val="solid"/>
+                      <a:round/>
+                      <a:headEnd type="none" w="med" len="med"/>
+                      <a:tailEnd type="none" w="med" len="med"/>
+                    </a:lnR>
+                    <a:lnT w="12700" cap="flat" cmpd="sng" algn="ctr">
+                      <a:noFill/>
+                      <a:prstDash val="solid"/>
+                      <a:round/>
+                      <a:headEnd type="none" w="med" len="med"/>
+                      <a:tailEnd type="none" w="med" len="med"/>
+                    </a:lnT>
+                    <a:lnB w="12700" cap="flat" cmpd="sng" algn="ctr">
+                      <a:noFill/>
+                      <a:prstDash val="solid"/>
+                      <a:round/>
+                      <a:headEnd type="none" w="med" len="med"/>
+                      <a:tailEnd type="none" w="med" len="med"/>
+                    </a:lnB>
+                  </a:tcPr>
+                </a:tc>
+                <a:tc>
+                  <a:txBody>
+                    <a:bodyPr/>
+                    <a:lstStyle/>
+                    <a:p>
+                      <a:pPr algn="ctr"/>
+                      <a:r>
+                        <a:rPr lang="en-US" sz="4400" b="1" dirty="0" smtClean="0"/>
+                        <a:t>None</a:t>
+                      </a:r>
+                      <a:endParaRPr lang="en-US" sz="4400" b="1" dirty="0"/>
+                    </a:p>
+                  </a:txBody>
+                  <a:tcPr>
+                    <a:lnL w="12700" cap="flat" cmpd="sng" algn="ctr">
+                      <a:noFill/>
+                      <a:prstDash val="solid"/>
+                      <a:round/>
+                      <a:headEnd type="none" w="med" len="med"/>
+                      <a:tailEnd type="none" w="med" len="med"/>
+                    </a:lnL>
+                    <a:lnR w="12700" cap="flat" cmpd="sng" algn="ctr">
+                      <a:noFill/>
+                      <a:prstDash val="solid"/>
+                      <a:round/>
+                      <a:headEnd type="none" w="med" len="med"/>
+                      <a:tailEnd type="none" w="med" len="med"/>
+                    </a:lnR>
+                    <a:lnT w="12700" cap="flat" cmpd="sng" algn="ctr">
+                      <a:noFill/>
+                      <a:prstDash val="solid"/>
+                      <a:round/>
+                      <a:headEnd type="none" w="med" len="med"/>
+                      <a:tailEnd type="none" w="med" len="med"/>
+                    </a:lnT>
+                    <a:lnB w="12700" cap="flat" cmpd="sng" algn="ctr">
+                      <a:noFill/>
+                      <a:prstDash val="solid"/>
+                      <a:round/>
+                      <a:headEnd type="none" w="med" len="med"/>
+                      <a:tailEnd type="none" w="med" len="med"/>
+                    </a:lnB>
+                  </a:tcPr>
+                </a:tc>
+                <a:tc>
+                  <a:txBody>
+                    <a:bodyPr/>
+                    <a:lstStyle/>
+                    <a:p>
+                      <a:pPr algn="ctr"/>
+                      <a:endParaRPr lang="en-US" sz="4400" b="1" dirty="0"/>
+                    </a:p>
+                  </a:txBody>
+                  <a:tcPr>
+                    <a:lnL w="12700" cap="flat" cmpd="sng" algn="ctr">
+                      <a:noFill/>
+                      <a:prstDash val="solid"/>
+                      <a:round/>
+                      <a:headEnd type="none" w="med" len="med"/>
+                      <a:tailEnd type="none" w="med" len="med"/>
+                    </a:lnL>
+                    <a:lnR w="12700" cap="flat" cmpd="sng" algn="ctr">
+                      <a:noFill/>
+                      <a:prstDash val="solid"/>
+                      <a:round/>
+                      <a:headEnd type="none" w="med" len="med"/>
+                      <a:tailEnd type="none" w="med" len="med"/>
+                    </a:lnR>
+                    <a:lnT w="12700" cap="flat" cmpd="sng" algn="ctr">
+                      <a:noFill/>
+                      <a:prstDash val="solid"/>
+                      <a:round/>
+                      <a:headEnd type="none" w="med" len="med"/>
+                      <a:tailEnd type="none" w="med" len="med"/>
+                    </a:lnT>
+                    <a:lnB w="12700" cap="flat" cmpd="sng" algn="ctr">
+                      <a:noFill/>
+                      <a:prstDash val="solid"/>
+                      <a:round/>
+                      <a:headEnd type="none" w="med" len="med"/>
+                      <a:tailEnd type="none" w="med" len="med"/>
+                    </a:lnB>
+                    <a:lnTlToBr w="12700" cmpd="sng">
+                      <a:noFill/>
+                      <a:prstDash val="solid"/>
+                    </a:lnTlToBr>
+                    <a:lnBlToTr w="12700" cmpd="sng">
+                      <a:noFill/>
+                      <a:prstDash val="solid"/>
+                    </a:lnBlToTr>
+                  </a:tcPr>
+                </a:tc>
+              </a:tr>
+              <a:tr h="1223682">
+                <a:tc>
+                  <a:txBody>
+                    <a:bodyPr/>
+                    <a:lstStyle/>
+                    <a:p>
+                      <a:pPr algn="ctr"/>
+                      <a:endParaRPr lang="en-US" sz="4400" b="1" dirty="0"/>
+                    </a:p>
+                  </a:txBody>
+                  <a:tcPr>
+                    <a:lnL w="12700" cap="flat" cmpd="sng" algn="ctr">
+                      <a:noFill/>
+                      <a:prstDash val="solid"/>
+                      <a:round/>
+                      <a:headEnd type="none" w="med" len="med"/>
+                      <a:tailEnd type="none" w="med" len="med"/>
+                    </a:lnL>
+                    <a:lnR w="12700" cap="flat" cmpd="sng" algn="ctr">
+                      <a:noFill/>
+                      <a:prstDash val="solid"/>
+                      <a:round/>
+                      <a:headEnd type="none" w="med" len="med"/>
+                      <a:tailEnd type="none" w="med" len="med"/>
+                    </a:lnR>
+                    <a:lnT w="12700" cap="flat" cmpd="sng" algn="ctr">
+                      <a:noFill/>
+                      <a:prstDash val="solid"/>
+                      <a:round/>
+                      <a:headEnd type="none" w="med" len="med"/>
+                      <a:tailEnd type="none" w="med" len="med"/>
+                    </a:lnT>
+                    <a:lnB w="12700" cap="flat" cmpd="sng" algn="ctr">
+                      <a:noFill/>
+                      <a:prstDash val="solid"/>
+                      <a:round/>
+                      <a:headEnd type="none" w="med" len="med"/>
+                      <a:tailEnd type="none" w="med" len="med"/>
+                    </a:lnB>
+                  </a:tcPr>
+                </a:tc>
+                <a:tc>
+                  <a:txBody>
+                    <a:bodyPr/>
+                    <a:lstStyle/>
+                    <a:p>
+                      <a:pPr algn="ctr"/>
+                      <a:endParaRPr lang="en-US" sz="4400" b="1" dirty="0"/>
+                    </a:p>
+                  </a:txBody>
+                  <a:tcPr>
+                    <a:lnL w="12700" cap="flat" cmpd="sng" algn="ctr">
+                      <a:noFill/>
+                      <a:prstDash val="solid"/>
+                      <a:round/>
+                      <a:headEnd type="none" w="med" len="med"/>
+                      <a:tailEnd type="none" w="med" len="med"/>
+                    </a:lnL>
+                    <a:lnR w="12700" cap="flat" cmpd="sng" algn="ctr">
+                      <a:noFill/>
+                      <a:prstDash val="solid"/>
+                      <a:round/>
+                      <a:headEnd type="none" w="med" len="med"/>
+                      <a:tailEnd type="none" w="med" len="med"/>
+                    </a:lnR>
+                    <a:lnT w="12700" cap="flat" cmpd="sng" algn="ctr">
+                      <a:noFill/>
+                      <a:prstDash val="solid"/>
+                      <a:round/>
+                      <a:headEnd type="none" w="med" len="med"/>
+                      <a:tailEnd type="none" w="med" len="med"/>
+                    </a:lnT>
+                    <a:lnB w="12700" cap="flat" cmpd="sng" algn="ctr">
+                      <a:noFill/>
+                      <a:prstDash val="solid"/>
+                      <a:round/>
+                      <a:headEnd type="none" w="med" len="med"/>
+                      <a:tailEnd type="none" w="med" len="med"/>
+                    </a:lnB>
+                  </a:tcPr>
+                </a:tc>
+                <a:tc>
+                  <a:txBody>
+                    <a:bodyPr/>
+                    <a:lstStyle/>
+                    <a:p>
+                      <a:pPr algn="ctr"/>
+                      <a:endParaRPr lang="en-US" sz="4400" b="1" dirty="0"/>
+                    </a:p>
+                  </a:txBody>
+                  <a:tcPr>
+                    <a:lnL w="12700" cap="flat" cmpd="sng" algn="ctr">
+                      <a:noFill/>
+                      <a:prstDash val="solid"/>
+                      <a:round/>
+                      <a:headEnd type="none" w="med" len="med"/>
+                      <a:tailEnd type="none" w="med" len="med"/>
+                    </a:lnL>
+                    <a:lnR w="12700" cap="flat" cmpd="sng" algn="ctr">
+                      <a:noFill/>
+                      <a:prstDash val="solid"/>
+                      <a:round/>
+                      <a:headEnd type="none" w="med" len="med"/>
+                      <a:tailEnd type="none" w="med" len="med"/>
+                    </a:lnR>
+                    <a:lnT w="12700" cap="flat" cmpd="sng" algn="ctr">
+                      <a:noFill/>
+                      <a:prstDash val="solid"/>
+                      <a:round/>
+                      <a:headEnd type="none" w="med" len="med"/>
+                      <a:tailEnd type="none" w="med" len="med"/>
+                    </a:lnT>
+                    <a:lnB w="12700" cap="flat" cmpd="sng" algn="ctr">
+                      <a:noFill/>
+                      <a:prstDash val="solid"/>
+                      <a:round/>
+                      <a:headEnd type="none" w="med" len="med"/>
+                      <a:tailEnd type="none" w="med" len="med"/>
+                    </a:lnB>
+                  </a:tcPr>
+                </a:tc>
+              </a:tr>
+              <a:tr h="1223682">
+                <a:tc>
+                  <a:txBody>
+                    <a:bodyPr/>
+                    <a:lstStyle/>
+                    <a:p>
+                      <a:pPr algn="ctr"/>
+                      <a:endParaRPr lang="en-US" sz="4400" b="1" dirty="0"/>
+                    </a:p>
+                  </a:txBody>
+                  <a:tcPr>
+                    <a:lnL w="12700" cap="flat" cmpd="sng" algn="ctr">
+                      <a:noFill/>
+                      <a:prstDash val="solid"/>
+                      <a:round/>
+                      <a:headEnd type="none" w="med" len="med"/>
+                      <a:tailEnd type="none" w="med" len="med"/>
+                    </a:lnL>
+                    <a:lnR w="12700" cap="flat" cmpd="sng" algn="ctr">
+                      <a:noFill/>
+                      <a:prstDash val="solid"/>
+                      <a:round/>
+                      <a:headEnd type="none" w="med" len="med"/>
+                      <a:tailEnd type="none" w="med" len="med"/>
+                    </a:lnR>
+                    <a:lnT w="12700" cap="flat" cmpd="sng" algn="ctr">
+                      <a:noFill/>
+                      <a:prstDash val="solid"/>
+                      <a:round/>
+                      <a:headEnd type="none" w="med" len="med"/>
+                      <a:tailEnd type="none" w="med" len="med"/>
+                    </a:lnT>
+                    <a:lnB w="12700" cap="flat" cmpd="sng" algn="ctr">
+                      <a:noFill/>
+                      <a:prstDash val="solid"/>
+                      <a:round/>
+                      <a:headEnd type="none" w="med" len="med"/>
+                      <a:tailEnd type="none" w="med" len="med"/>
+                    </a:lnB>
+                  </a:tcPr>
+                </a:tc>
+                <a:tc>
+                  <a:txBody>
+                    <a:bodyPr/>
+                    <a:lstStyle/>
+                    <a:p>
+                      <a:pPr algn="ctr"/>
+                      <a:endParaRPr lang="en-US" sz="4400" b="1" dirty="0"/>
+                    </a:p>
+                  </a:txBody>
+                  <a:tcPr>
+                    <a:lnL w="12700" cap="flat" cmpd="sng" algn="ctr">
+                      <a:noFill/>
+                      <a:prstDash val="solid"/>
+                      <a:round/>
+                      <a:headEnd type="none" w="med" len="med"/>
+                      <a:tailEnd type="none" w="med" len="med"/>
+                    </a:lnL>
+                    <a:lnR w="12700" cap="flat" cmpd="sng" algn="ctr">
+                      <a:noFill/>
+                      <a:prstDash val="solid"/>
+                      <a:round/>
+                      <a:headEnd type="none" w="med" len="med"/>
+                      <a:tailEnd type="none" w="med" len="med"/>
+                    </a:lnR>
+                    <a:lnT w="12700" cap="flat" cmpd="sng" algn="ctr">
+                      <a:noFill/>
+                      <a:prstDash val="solid"/>
+                      <a:round/>
+                      <a:headEnd type="none" w="med" len="med"/>
+                      <a:tailEnd type="none" w="med" len="med"/>
+                    </a:lnT>
+                    <a:lnB w="12700" cap="flat" cmpd="sng" algn="ctr">
+                      <a:noFill/>
+                      <a:prstDash val="solid"/>
+                      <a:round/>
+                      <a:headEnd type="none" w="med" len="med"/>
+                      <a:tailEnd type="none" w="med" len="med"/>
+                    </a:lnB>
+                  </a:tcPr>
+                </a:tc>
+                <a:tc>
+                  <a:txBody>
+                    <a:bodyPr/>
+                    <a:lstStyle/>
+                    <a:p>
+                      <a:pPr algn="ctr"/>
+                      <a:endParaRPr lang="en-US" sz="4400" b="1" dirty="0"/>
+                    </a:p>
+                  </a:txBody>
+                  <a:tcPr>
+                    <a:lnL w="12700" cap="flat" cmpd="sng" algn="ctr">
+                      <a:noFill/>
+                      <a:prstDash val="solid"/>
+                      <a:round/>
+                      <a:headEnd type="none" w="med" len="med"/>
+                      <a:tailEnd type="none" w="med" len="med"/>
+                    </a:lnL>
+                    <a:lnR w="12700" cap="flat" cmpd="sng" algn="ctr">
+                      <a:noFill/>
+                      <a:prstDash val="solid"/>
+                      <a:round/>
+                      <a:headEnd type="none" w="med" len="med"/>
+                      <a:tailEnd type="none" w="med" len="med"/>
+                    </a:lnR>
+                    <a:lnT w="12700" cap="flat" cmpd="sng" algn="ctr">
+                      <a:noFill/>
+                      <a:prstDash val="solid"/>
+                      <a:round/>
+                      <a:headEnd type="none" w="med" len="med"/>
+                      <a:tailEnd type="none" w="med" len="med"/>
+                    </a:lnT>
+                    <a:lnB w="12700" cap="flat" cmpd="sng" algn="ctr">
+                      <a:noFill/>
+                      <a:prstDash val="solid"/>
+                      <a:round/>
+                      <a:headEnd type="none" w="med" len="med"/>
+                      <a:tailEnd type="none" w="med" len="med"/>
+                    </a:lnB>
+                  </a:tcPr>
+                </a:tc>
+              </a:tr>
+              <a:tr h="1223682">
+                <a:tc>
+                  <a:txBody>
+                    <a:bodyPr/>
+                    <a:lstStyle/>
+                    <a:p>
+                      <a:pPr algn="ctr"/>
+                      <a:endParaRPr lang="en-US" sz="4400" b="1" dirty="0"/>
+                    </a:p>
+                  </a:txBody>
+                  <a:tcPr>
+                    <a:lnL w="12700" cap="flat" cmpd="sng" algn="ctr">
+                      <a:noFill/>
+                      <a:prstDash val="solid"/>
+                      <a:round/>
+                      <a:headEnd type="none" w="med" len="med"/>
+                      <a:tailEnd type="none" w="med" len="med"/>
+                    </a:lnL>
+                    <a:lnR w="12700" cap="flat" cmpd="sng" algn="ctr">
+                      <a:noFill/>
+                      <a:prstDash val="solid"/>
+                      <a:round/>
+                      <a:headEnd type="none" w="med" len="med"/>
+                      <a:tailEnd type="none" w="med" len="med"/>
+                    </a:lnR>
+                    <a:lnT w="12700" cap="flat" cmpd="sng" algn="ctr">
+                      <a:noFill/>
+                      <a:prstDash val="solid"/>
+                      <a:round/>
+                      <a:headEnd type="none" w="med" len="med"/>
+                      <a:tailEnd type="none" w="med" len="med"/>
+                    </a:lnT>
+                    <a:lnB w="12700" cap="flat" cmpd="sng" algn="ctr">
+                      <a:noFill/>
+                      <a:prstDash val="solid"/>
+                      <a:round/>
+                      <a:headEnd type="none" w="med" len="med"/>
+                      <a:tailEnd type="none" w="med" len="med"/>
+                    </a:lnB>
+                  </a:tcPr>
+                </a:tc>
+                <a:tc>
+                  <a:txBody>
+                    <a:bodyPr/>
+                    <a:lstStyle/>
+                    <a:p>
+                      <a:pPr algn="ctr"/>
+                      <a:endParaRPr lang="en-US" sz="4400" b="1" dirty="0"/>
+                    </a:p>
+                  </a:txBody>
+                  <a:tcPr>
+                    <a:lnL w="12700" cap="flat" cmpd="sng" algn="ctr">
+                      <a:noFill/>
+                      <a:prstDash val="solid"/>
+                      <a:round/>
+                      <a:headEnd type="none" w="med" len="med"/>
+                      <a:tailEnd type="none" w="med" len="med"/>
+                    </a:lnL>
+                    <a:lnR w="12700" cap="flat" cmpd="sng" algn="ctr">
+                      <a:noFill/>
+                      <a:prstDash val="solid"/>
+                      <a:round/>
+                      <a:headEnd type="none" w="med" len="med"/>
+                      <a:tailEnd type="none" w="med" len="med"/>
+                    </a:lnR>
+                    <a:lnT w="12700" cap="flat" cmpd="sng" algn="ctr">
+                      <a:noFill/>
+                      <a:prstDash val="solid"/>
+                      <a:round/>
+                      <a:headEnd type="none" w="med" len="med"/>
+                      <a:tailEnd type="none" w="med" len="med"/>
+                    </a:lnT>
+                    <a:lnB w="12700" cap="flat" cmpd="sng" algn="ctr">
+                      <a:noFill/>
+                      <a:prstDash val="solid"/>
+                      <a:round/>
+                      <a:headEnd type="none" w="med" len="med"/>
+                      <a:tailEnd type="none" w="med" len="med"/>
+                    </a:lnB>
+                  </a:tcPr>
+                </a:tc>
+                <a:tc>
+                  <a:txBody>
+                    <a:bodyPr/>
+                    <a:lstStyle/>
+                    <a:p>
+                      <a:pPr algn="ctr"/>
+                      <a:endParaRPr lang="en-US" sz="4400" b="1" dirty="0"/>
+                    </a:p>
+                  </a:txBody>
+                  <a:tcPr>
+                    <a:lnL w="12700" cap="flat" cmpd="sng" algn="ctr">
+                      <a:noFill/>
+                      <a:prstDash val="solid"/>
+                      <a:round/>
+                      <a:headEnd type="none" w="med" len="med"/>
+                      <a:tailEnd type="none" w="med" len="med"/>
+                    </a:lnL>
+                    <a:lnR w="12700" cap="flat" cmpd="sng" algn="ctr">
+                      <a:noFill/>
+                      <a:prstDash val="solid"/>
+                      <a:round/>
+                      <a:headEnd type="none" w="med" len="med"/>
+                      <a:tailEnd type="none" w="med" len="med"/>
+                    </a:lnR>
+                    <a:lnT w="12700" cap="flat" cmpd="sng" algn="ctr">
+                      <a:noFill/>
+                      <a:prstDash val="solid"/>
+                      <a:round/>
+                      <a:headEnd type="none" w="med" len="med"/>
+                      <a:tailEnd type="none" w="med" len="med"/>
+                    </a:lnT>
+                    <a:lnB w="12700" cap="flat" cmpd="sng" algn="ctr">
+                      <a:noFill/>
+                      <a:prstDash val="solid"/>
+                      <a:round/>
+                      <a:headEnd type="none" w="med" len="med"/>
+                      <a:tailEnd type="none" w="med" len="med"/>
+                    </a:lnB>
+                  </a:tcPr>
+                </a:tc>
+              </a:tr>
+              <a:tr h="1223682">
+                <a:tc>
+                  <a:txBody>
+                    <a:bodyPr/>
+                    <a:lstStyle/>
+                    <a:p>
+                      <a:pPr algn="ctr"/>
+                      <a:endParaRPr lang="en-US" sz="4400" b="1" dirty="0"/>
+                    </a:p>
+                  </a:txBody>
+                  <a:tcPr>
+                    <a:lnL w="12700" cap="flat" cmpd="sng" algn="ctr">
+                      <a:noFill/>
+                      <a:prstDash val="solid"/>
+                      <a:round/>
+                      <a:headEnd type="none" w="med" len="med"/>
+                      <a:tailEnd type="none" w="med" len="med"/>
+                    </a:lnL>
+                    <a:lnR w="12700" cap="flat" cmpd="sng" algn="ctr">
+                      <a:noFill/>
+                      <a:prstDash val="solid"/>
+                      <a:round/>
+                      <a:headEnd type="none" w="med" len="med"/>
+                      <a:tailEnd type="none" w="med" len="med"/>
+                    </a:lnR>
+                    <a:lnT w="12700" cap="flat" cmpd="sng" algn="ctr">
+                      <a:noFill/>
+                      <a:prstDash val="solid"/>
+                      <a:round/>
+                      <a:headEnd type="none" w="med" len="med"/>
+                      <a:tailEnd type="none" w="med" len="med"/>
+                    </a:lnT>
+                    <a:lnB w="12700" cap="flat" cmpd="sng" algn="ctr">
+                      <a:noFill/>
+                      <a:prstDash val="solid"/>
+                      <a:round/>
+                      <a:headEnd type="none" w="med" len="med"/>
+                      <a:tailEnd type="none" w="med" len="med"/>
+                    </a:lnB>
+                  </a:tcPr>
+                </a:tc>
+                <a:tc>
+                  <a:txBody>
+                    <a:bodyPr/>
+                    <a:lstStyle/>
+                    <a:p>
+                      <a:pPr algn="ctr"/>
+                      <a:endParaRPr lang="en-US" sz="4400" b="1" dirty="0"/>
+                    </a:p>
+                  </a:txBody>
+                  <a:tcPr>
+                    <a:lnL w="12700" cap="flat" cmpd="sng" algn="ctr">
+                      <a:noFill/>
+                      <a:prstDash val="solid"/>
+                      <a:round/>
+                      <a:headEnd type="none" w="med" len="med"/>
+                      <a:tailEnd type="none" w="med" len="med"/>
+                    </a:lnL>
+                    <a:lnR w="12700" cap="flat" cmpd="sng" algn="ctr">
+                      <a:noFill/>
+                      <a:prstDash val="solid"/>
+                      <a:round/>
+                      <a:headEnd type="none" w="med" len="med"/>
+                      <a:tailEnd type="none" w="med" len="med"/>
+                    </a:lnR>
+                    <a:lnT w="12700" cap="flat" cmpd="sng" algn="ctr">
+                      <a:noFill/>
+                      <a:prstDash val="solid"/>
+                      <a:round/>
+                      <a:headEnd type="none" w="med" len="med"/>
+                      <a:tailEnd type="none" w="med" len="med"/>
+                    </a:lnT>
+                    <a:lnB w="12700" cap="flat" cmpd="sng" algn="ctr">
+                      <a:noFill/>
+                      <a:prstDash val="solid"/>
+                      <a:round/>
+                      <a:headEnd type="none" w="med" len="med"/>
+                      <a:tailEnd type="none" w="med" len="med"/>
+                    </a:lnB>
+                  </a:tcPr>
+                </a:tc>
+                <a:tc>
+                  <a:txBody>
+                    <a:bodyPr/>
+                    <a:lstStyle/>
+                    <a:p>
+                      <a:pPr algn="ctr"/>
+                      <a:endParaRPr lang="en-US" sz="4400" b="1" dirty="0"/>
+                    </a:p>
+                  </a:txBody>
+                  <a:tcPr>
+                    <a:lnL w="12700" cap="flat" cmpd="sng" algn="ctr">
+                      <a:noFill/>
+                      <a:prstDash val="solid"/>
+                      <a:round/>
+                      <a:headEnd type="none" w="med" len="med"/>
+                      <a:tailEnd type="none" w="med" len="med"/>
+                    </a:lnL>
+                    <a:lnR w="12700" cap="flat" cmpd="sng" algn="ctr">
+                      <a:noFill/>
+                      <a:prstDash val="solid"/>
+                      <a:round/>
+                      <a:headEnd type="none" w="med" len="med"/>
+                      <a:tailEnd type="none" w="med" len="med"/>
+                    </a:lnR>
+                    <a:lnT w="12700" cap="flat" cmpd="sng" algn="ctr">
+                      <a:noFill/>
+                      <a:prstDash val="solid"/>
+                      <a:round/>
+                      <a:headEnd type="none" w="med" len="med"/>
+                      <a:tailEnd type="none" w="med" len="med"/>
+                    </a:lnT>
+                    <a:lnB w="12700" cap="flat" cmpd="sng" algn="ctr">
+                      <a:noFill/>
+                      <a:prstDash val="solid"/>
+                      <a:round/>
+                      <a:headEnd type="none" w="med" len="med"/>
+                      <a:tailEnd type="none" w="med" len="med"/>
+                    </a:lnB>
+                  </a:tcPr>
+                </a:tc>
+              </a:tr>
+              <a:tr h="1223682">
+                <a:tc>
+                  <a:txBody>
+                    <a:bodyPr/>
+                    <a:lstStyle/>
+                    <a:p>
+                      <a:pPr algn="ctr"/>
+                      <a:endParaRPr lang="en-US" sz="4400" b="1" dirty="0"/>
+                    </a:p>
+                  </a:txBody>
+                  <a:tcPr>
+                    <a:lnL w="12700" cap="flat" cmpd="sng" algn="ctr">
+                      <a:noFill/>
+                      <a:prstDash val="solid"/>
+                      <a:round/>
+                      <a:headEnd type="none" w="med" len="med"/>
+                      <a:tailEnd type="none" w="med" len="med"/>
+                    </a:lnL>
+                    <a:lnR w="12700" cap="flat" cmpd="sng" algn="ctr">
+                      <a:noFill/>
+                      <a:prstDash val="solid"/>
+                      <a:round/>
+                      <a:headEnd type="none" w="med" len="med"/>
+                      <a:tailEnd type="none" w="med" len="med"/>
+                    </a:lnR>
+                    <a:lnT w="12700" cap="flat" cmpd="sng" algn="ctr">
+                      <a:noFill/>
+                      <a:prstDash val="solid"/>
+                      <a:round/>
+                      <a:headEnd type="none" w="med" len="med"/>
+                      <a:tailEnd type="none" w="med" len="med"/>
+                    </a:lnT>
+                    <a:lnB w="12700" cap="flat" cmpd="sng" algn="ctr">
+                      <a:noFill/>
+                      <a:prstDash val="solid"/>
+                      <a:round/>
+                      <a:headEnd type="none" w="med" len="med"/>
+                      <a:tailEnd type="none" w="med" len="med"/>
+                    </a:lnB>
+                  </a:tcPr>
+                </a:tc>
+                <a:tc>
+                  <a:txBody>
+                    <a:bodyPr/>
+                    <a:lstStyle/>
+                    <a:p>
+                      <a:pPr algn="ctr"/>
+                      <a:endParaRPr lang="en-US" sz="4400" b="1" dirty="0"/>
+                    </a:p>
+                  </a:txBody>
+                  <a:tcPr>
+                    <a:lnL w="12700" cap="flat" cmpd="sng" algn="ctr">
+                      <a:noFill/>
+                      <a:prstDash val="solid"/>
+                      <a:round/>
+                      <a:headEnd type="none" w="med" len="med"/>
+                      <a:tailEnd type="none" w="med" len="med"/>
+                    </a:lnL>
+                    <a:lnR w="12700" cap="flat" cmpd="sng" algn="ctr">
+                      <a:noFill/>
+                      <a:prstDash val="solid"/>
+                      <a:round/>
+                      <a:headEnd type="none" w="med" len="med"/>
+                      <a:tailEnd type="none" w="med" len="med"/>
+                    </a:lnR>
+                    <a:lnT w="12700" cap="flat" cmpd="sng" algn="ctr">
+                      <a:noFill/>
+                      <a:prstDash val="solid"/>
+                      <a:round/>
+                      <a:headEnd type="none" w="med" len="med"/>
+                      <a:tailEnd type="none" w="med" len="med"/>
+                    </a:lnT>
+                    <a:lnB w="12700" cap="flat" cmpd="sng" algn="ctr">
+                      <a:noFill/>
+                      <a:prstDash val="solid"/>
+                      <a:round/>
+                      <a:headEnd type="none" w="med" len="med"/>
+                      <a:tailEnd type="none" w="med" len="med"/>
+                    </a:lnB>
+                  </a:tcPr>
+                </a:tc>
+                <a:tc>
+                  <a:txBody>
+                    <a:bodyPr/>
+                    <a:lstStyle/>
+                    <a:p>
+                      <a:pPr algn="ctr"/>
+                      <a:endParaRPr lang="en-US" sz="4400" b="1" dirty="0"/>
+                    </a:p>
+                  </a:txBody>
+                  <a:tcPr>
+                    <a:lnL w="12700" cap="flat" cmpd="sng" algn="ctr">
+                      <a:noFill/>
+                      <a:prstDash val="solid"/>
+                      <a:round/>
+                      <a:headEnd type="none" w="med" len="med"/>
+                      <a:tailEnd type="none" w="med" len="med"/>
+                    </a:lnL>
+                    <a:lnR w="12700" cap="flat" cmpd="sng" algn="ctr">
+                      <a:noFill/>
+                      <a:prstDash val="solid"/>
+                      <a:round/>
+                      <a:headEnd type="none" w="med" len="med"/>
+                      <a:tailEnd type="none" w="med" len="med"/>
+                    </a:lnR>
+                    <a:lnT w="12700" cap="flat" cmpd="sng" algn="ctr">
+                      <a:noFill/>
+                      <a:prstDash val="solid"/>
+                      <a:round/>
+                      <a:headEnd type="none" w="med" len="med"/>
+                      <a:tailEnd type="none" w="med" len="med"/>
+                    </a:lnT>
+                    <a:lnB w="12700" cap="flat" cmpd="sng" algn="ctr">
+                      <a:noFill/>
+                      <a:prstDash val="solid"/>
+                      <a:round/>
+                      <a:headEnd type="none" w="med" len="med"/>
+                      <a:tailEnd type="none" w="med" len="med"/>
+                    </a:lnB>
+                  </a:tcPr>
+                </a:tc>
+              </a:tr>
+              <a:tr h="1223682">
+                <a:tc>
+                  <a:txBody>
+                    <a:bodyPr/>
+                    <a:lstStyle/>
+                    <a:p>
+                      <a:pPr algn="ctr"/>
+                      <a:endParaRPr lang="en-US" sz="4400" b="1" dirty="0"/>
+                    </a:p>
+                  </a:txBody>
+                  <a:tcPr>
+                    <a:lnL w="12700" cap="flat" cmpd="sng" algn="ctr">
+                      <a:noFill/>
+                      <a:prstDash val="solid"/>
+                      <a:round/>
+                      <a:headEnd type="none" w="med" len="med"/>
+                      <a:tailEnd type="none" w="med" len="med"/>
+                    </a:lnL>
+                    <a:lnR w="12700" cap="flat" cmpd="sng" algn="ctr">
+                      <a:noFill/>
+                      <a:prstDash val="solid"/>
+                      <a:round/>
+                      <a:headEnd type="none" w="med" len="med"/>
+                      <a:tailEnd type="none" w="med" len="med"/>
+                    </a:lnR>
+                    <a:lnT w="12700" cap="flat" cmpd="sng" algn="ctr">
+                      <a:noFill/>
+                      <a:prstDash val="solid"/>
+                      <a:round/>
+                      <a:headEnd type="none" w="med" len="med"/>
+                      <a:tailEnd type="none" w="med" len="med"/>
+                    </a:lnT>
+                    <a:lnB w="12700" cap="flat" cmpd="sng" algn="ctr">
+                      <a:noFill/>
+                      <a:prstDash val="solid"/>
+                      <a:round/>
+                      <a:headEnd type="none" w="med" len="med"/>
+                      <a:tailEnd type="none" w="med" len="med"/>
+                    </a:lnB>
+                  </a:tcPr>
+                </a:tc>
+                <a:tc>
+                  <a:txBody>
+                    <a:bodyPr/>
+                    <a:lstStyle/>
+                    <a:p>
+                      <a:pPr algn="ctr"/>
+                      <a:endParaRPr lang="en-US" sz="4400" b="1" dirty="0"/>
+                    </a:p>
+                  </a:txBody>
+                  <a:tcPr>
+                    <a:lnL w="12700" cap="flat" cmpd="sng" algn="ctr">
+                      <a:noFill/>
+                      <a:prstDash val="solid"/>
+                      <a:round/>
+                      <a:headEnd type="none" w="med" len="med"/>
+                      <a:tailEnd type="none" w="med" len="med"/>
+                    </a:lnL>
+                    <a:lnR w="12700" cap="flat" cmpd="sng" algn="ctr">
+                      <a:noFill/>
+                      <a:prstDash val="solid"/>
+                      <a:round/>
+                      <a:headEnd type="none" w="med" len="med"/>
+                      <a:tailEnd type="none" w="med" len="med"/>
+                    </a:lnR>
+                    <a:lnT w="12700" cap="flat" cmpd="sng" algn="ctr">
+                      <a:noFill/>
+                      <a:prstDash val="solid"/>
+                      <a:round/>
+                      <a:headEnd type="none" w="med" len="med"/>
+                      <a:tailEnd type="none" w="med" len="med"/>
+                    </a:lnT>
+                    <a:lnB w="12700" cap="flat" cmpd="sng" algn="ctr">
+                      <a:noFill/>
+                      <a:prstDash val="solid"/>
+                      <a:round/>
+                      <a:headEnd type="none" w="med" len="med"/>
+                      <a:tailEnd type="none" w="med" len="med"/>
+                    </a:lnB>
+                  </a:tcPr>
+                </a:tc>
+                <a:tc>
+                  <a:txBody>
+                    <a:bodyPr/>
+                    <a:lstStyle/>
+                    <a:p>
+                      <a:pPr algn="ctr"/>
+                      <a:endParaRPr lang="en-US" sz="4400" b="1"/>
+                    </a:p>
+                  </a:txBody>
+                  <a:tcPr>
+                    <a:lnL w="12700" cap="flat" cmpd="sng" algn="ctr">
+                      <a:noFill/>
+                      <a:prstDash val="solid"/>
+                      <a:round/>
+                      <a:headEnd type="none" w="med" len="med"/>
+                      <a:tailEnd type="none" w="med" len="med"/>
+                    </a:lnL>
+                    <a:lnR w="12700" cap="flat" cmpd="sng" algn="ctr">
+                      <a:noFill/>
+                      <a:prstDash val="solid"/>
+                      <a:round/>
+                      <a:headEnd type="none" w="med" len="med"/>
+                      <a:tailEnd type="none" w="med" len="med"/>
+                    </a:lnR>
+                    <a:lnT w="12700" cap="flat" cmpd="sng" algn="ctr">
+                      <a:noFill/>
+                      <a:prstDash val="solid"/>
+                      <a:round/>
+                      <a:headEnd type="none" w="med" len="med"/>
+                      <a:tailEnd type="none" w="med" len="med"/>
+                    </a:lnT>
+                    <a:lnB w="12700" cap="flat" cmpd="sng" algn="ctr">
+                      <a:noFill/>
+                      <a:prstDash val="solid"/>
+                      <a:round/>
+                      <a:headEnd type="none" w="med" len="med"/>
+                      <a:tailEnd type="none" w="med" len="med"/>
+                    </a:lnB>
+                  </a:tcPr>
+                </a:tc>
+              </a:tr>
+              <a:tr h="1223682">
+                <a:tc>
+                  <a:txBody>
+                    <a:bodyPr/>
+                    <a:lstStyle/>
+                    <a:p>
+                      <a:pPr algn="ctr"/>
+                      <a:endParaRPr lang="en-US" sz="4400" b="1"/>
+                    </a:p>
+                  </a:txBody>
+                  <a:tcPr>
+                    <a:lnL w="12700" cap="flat" cmpd="sng" algn="ctr">
+                      <a:noFill/>
+                      <a:prstDash val="solid"/>
+                      <a:round/>
+                      <a:headEnd type="none" w="med" len="med"/>
+                      <a:tailEnd type="none" w="med" len="med"/>
+                    </a:lnL>
+                    <a:lnR w="12700" cap="flat" cmpd="sng" algn="ctr">
+                      <a:noFill/>
+                      <a:prstDash val="solid"/>
+                      <a:round/>
+                      <a:headEnd type="none" w="med" len="med"/>
+                      <a:tailEnd type="none" w="med" len="med"/>
+                    </a:lnR>
+                    <a:lnT w="12700" cap="flat" cmpd="sng" algn="ctr">
+                      <a:noFill/>
+                      <a:prstDash val="solid"/>
+                      <a:round/>
+                      <a:headEnd type="none" w="med" len="med"/>
+                      <a:tailEnd type="none" w="med" len="med"/>
+                    </a:lnT>
+                    <a:lnB w="12700" cap="flat" cmpd="sng" algn="ctr">
+                      <a:noFill/>
+                      <a:prstDash val="solid"/>
+                      <a:round/>
+                      <a:headEnd type="none" w="med" len="med"/>
+                      <a:tailEnd type="none" w="med" len="med"/>
+                    </a:lnB>
+                  </a:tcPr>
+                </a:tc>
+                <a:tc>
+                  <a:txBody>
+                    <a:bodyPr/>
+                    <a:lstStyle/>
+                    <a:p>
+                      <a:pPr algn="ctr"/>
+                      <a:endParaRPr lang="en-US" sz="4400" b="1" dirty="0"/>
+                    </a:p>
+                  </a:txBody>
+                  <a:tcPr>
+                    <a:lnL w="12700" cap="flat" cmpd="sng" algn="ctr">
+                      <a:noFill/>
+                      <a:prstDash val="solid"/>
+                      <a:round/>
+                      <a:headEnd type="none" w="med" len="med"/>
+                      <a:tailEnd type="none" w="med" len="med"/>
+                    </a:lnL>
+                    <a:lnR w="12700" cap="flat" cmpd="sng" algn="ctr">
+                      <a:noFill/>
+                      <a:prstDash val="solid"/>
+                      <a:round/>
+                      <a:headEnd type="none" w="med" len="med"/>
+                      <a:tailEnd type="none" w="med" len="med"/>
+                    </a:lnR>
+                    <a:lnT w="12700" cap="flat" cmpd="sng" algn="ctr">
+                      <a:noFill/>
+                      <a:prstDash val="solid"/>
+                      <a:round/>
+                      <a:headEnd type="none" w="med" len="med"/>
+                      <a:tailEnd type="none" w="med" len="med"/>
+                    </a:lnT>
+                    <a:lnB w="12700" cap="flat" cmpd="sng" algn="ctr">
+                      <a:noFill/>
+                      <a:prstDash val="solid"/>
+                      <a:round/>
+                      <a:headEnd type="none" w="med" len="med"/>
+                      <a:tailEnd type="none" w="med" len="med"/>
+                    </a:lnB>
+                  </a:tcPr>
+                </a:tc>
+                <a:tc>
+                  <a:txBody>
+                    <a:bodyPr/>
+                    <a:lstStyle/>
+                    <a:p>
+                      <a:pPr algn="ctr"/>
+                      <a:endParaRPr lang="en-US" sz="4400" b="1" dirty="0"/>
+                    </a:p>
+                  </a:txBody>
+                  <a:tcPr>
+                    <a:lnL w="12700" cap="flat" cmpd="sng" algn="ctr">
+                      <a:noFill/>
+                      <a:prstDash val="solid"/>
+                      <a:round/>
+                      <a:headEnd type="none" w="med" len="med"/>
+                      <a:tailEnd type="none" w="med" len="med"/>
+                    </a:lnL>
+                    <a:lnR w="12700" cap="flat" cmpd="sng" algn="ctr">
+                      <a:noFill/>
+                      <a:prstDash val="solid"/>
+                      <a:round/>
+                      <a:headEnd type="none" w="med" len="med"/>
+                      <a:tailEnd type="none" w="med" len="med"/>
+                    </a:lnR>
+                    <a:lnT w="12700" cap="flat" cmpd="sng" algn="ctr">
+                      <a:noFill/>
+                      <a:prstDash val="solid"/>
+                      <a:round/>
+                      <a:headEnd type="none" w="med" len="med"/>
+                      <a:tailEnd type="none" w="med" len="med"/>
+                    </a:lnT>
+                    <a:lnB w="12700" cap="flat" cmpd="sng" algn="ctr">
+                      <a:noFill/>
+                      <a:prstDash val="solid"/>
+                      <a:round/>
+                      <a:headEnd type="none" w="med" len="med"/>
+                      <a:tailEnd type="none" w="med" len="med"/>
+                    </a:lnB>
+                  </a:tcPr>
+                </a:tc>
+              </a:tr>
+            </a:tbl>
+          </a:graphicData>
+        </a:graphic>
+      </p:graphicFrame>
+      <p:sp>
+        <p:nvSpPr>
+          <p:cNvPr id="8" name="TextBox 7"/>
+          <p:cNvSpPr txBox="1"/>
+          <p:nvPr/>
+        </p:nvSpPr>
+        <p:spPr>
+          <a:xfrm>
+            <a:off x="14630400" y="29260800"/>
+            <a:ext cx="17373600" cy="2554545"/>
+          </a:xfrm>
+          <a:prstGeom prst="rect">
+            <a:avLst/>
+          </a:prstGeom>
+          <a:noFill/>
+        </p:spPr>
+        <p:txBody>
+          <a:bodyPr wrap="square" rtlCol="0">
+            <a:spAutoFit/>
+          </a:bodyPr>
+          <a:lstStyle/>
+          <a:p>
+            <a:r>
+              <a:rPr lang="en-US" sz="4000" dirty="0" smtClean="0">
+                <a:latin typeface="Arial" panose="020B0604020202020204" pitchFamily="34" charset="0"/>
+                <a:cs typeface="Arial" panose="020B0604020202020204" pitchFamily="34" charset="0"/>
+              </a:rPr>
+              <a:t>     We were provided a cost calculator that determined the total cost accumulated through by all of the test flights that we found paths for. We ran several solutions and compared them to each other, as shown in the table to the left.</a:t>
+            </a:r>
+            <a:endParaRPr lang="en-US" sz="4000" dirty="0">
+              <a:latin typeface="Arial" panose="020B0604020202020204" pitchFamily="34" charset="0"/>
+              <a:cs typeface="Arial" panose="020B0604020202020204" pitchFamily="34" charset="0"/>
+            </a:endParaRPr>
+          </a:p>
+        </p:txBody>
+      </p:sp>
     </p:spTree>
     <p:extLst>
       <p:ext uri="{BB962C8B-B14F-4D97-AF65-F5344CB8AC3E}">

--- a/poster/poster.pptx
+++ b/poster/poster.pptx
@@ -7,14 +7,14 @@
   <p:sldIdLst>
     <p:sldId id="256" r:id="rId2"/>
   </p:sldIdLst>
-  <p:sldSz cx="32918400" cy="43891200"/>
+  <p:sldSz cx="30267275" cy="42794238"/>
   <p:notesSz cx="6858000" cy="9144000"/>
   <p:defaultTextStyle>
     <a:defPPr>
       <a:defRPr lang="en-US"/>
     </a:defPPr>
-    <a:lvl1pPr marL="0" algn="l" defTabSz="4388594" rtl="0" eaLnBrk="1" latinLnBrk="0" hangingPunct="1">
-      <a:defRPr sz="8500" kern="1200">
+    <a:lvl1pPr marL="0" algn="l" defTabSz="4174431" rtl="0" eaLnBrk="1" latinLnBrk="0" hangingPunct="1">
+      <a:defRPr sz="8100" kern="1200">
         <a:solidFill>
           <a:schemeClr val="tx1"/>
         </a:solidFill>
@@ -23,8 +23,8 @@
         <a:cs typeface="+mn-cs"/>
       </a:defRPr>
     </a:lvl1pPr>
-    <a:lvl2pPr marL="2194297" algn="l" defTabSz="4388594" rtl="0" eaLnBrk="1" latinLnBrk="0" hangingPunct="1">
-      <a:defRPr sz="8500" kern="1200">
+    <a:lvl2pPr marL="2087215" algn="l" defTabSz="4174431" rtl="0" eaLnBrk="1" latinLnBrk="0" hangingPunct="1">
+      <a:defRPr sz="8100" kern="1200">
         <a:solidFill>
           <a:schemeClr val="tx1"/>
         </a:solidFill>
@@ -33,8 +33,8 @@
         <a:cs typeface="+mn-cs"/>
       </a:defRPr>
     </a:lvl2pPr>
-    <a:lvl3pPr marL="4388594" algn="l" defTabSz="4388594" rtl="0" eaLnBrk="1" latinLnBrk="0" hangingPunct="1">
-      <a:defRPr sz="8500" kern="1200">
+    <a:lvl3pPr marL="4174431" algn="l" defTabSz="4174431" rtl="0" eaLnBrk="1" latinLnBrk="0" hangingPunct="1">
+      <a:defRPr sz="8100" kern="1200">
         <a:solidFill>
           <a:schemeClr val="tx1"/>
         </a:solidFill>
@@ -43,8 +43,8 @@
         <a:cs typeface="+mn-cs"/>
       </a:defRPr>
     </a:lvl3pPr>
-    <a:lvl4pPr marL="6582890" algn="l" defTabSz="4388594" rtl="0" eaLnBrk="1" latinLnBrk="0" hangingPunct="1">
-      <a:defRPr sz="8500" kern="1200">
+    <a:lvl4pPr marL="6261645" algn="l" defTabSz="4174431" rtl="0" eaLnBrk="1" latinLnBrk="0" hangingPunct="1">
+      <a:defRPr sz="8100" kern="1200">
         <a:solidFill>
           <a:schemeClr val="tx1"/>
         </a:solidFill>
@@ -53,8 +53,8 @@
         <a:cs typeface="+mn-cs"/>
       </a:defRPr>
     </a:lvl4pPr>
-    <a:lvl5pPr marL="8777187" algn="l" defTabSz="4388594" rtl="0" eaLnBrk="1" latinLnBrk="0" hangingPunct="1">
-      <a:defRPr sz="8500" kern="1200">
+    <a:lvl5pPr marL="8348860" algn="l" defTabSz="4174431" rtl="0" eaLnBrk="1" latinLnBrk="0" hangingPunct="1">
+      <a:defRPr sz="8100" kern="1200">
         <a:solidFill>
           <a:schemeClr val="tx1"/>
         </a:solidFill>
@@ -63,8 +63,8 @@
         <a:cs typeface="+mn-cs"/>
       </a:defRPr>
     </a:lvl5pPr>
-    <a:lvl6pPr marL="10971484" algn="l" defTabSz="4388594" rtl="0" eaLnBrk="1" latinLnBrk="0" hangingPunct="1">
-      <a:defRPr sz="8500" kern="1200">
+    <a:lvl6pPr marL="10436076" algn="l" defTabSz="4174431" rtl="0" eaLnBrk="1" latinLnBrk="0" hangingPunct="1">
+      <a:defRPr sz="8100" kern="1200">
         <a:solidFill>
           <a:schemeClr val="tx1"/>
         </a:solidFill>
@@ -73,8 +73,8 @@
         <a:cs typeface="+mn-cs"/>
       </a:defRPr>
     </a:lvl6pPr>
-    <a:lvl7pPr marL="13165781" algn="l" defTabSz="4388594" rtl="0" eaLnBrk="1" latinLnBrk="0" hangingPunct="1">
-      <a:defRPr sz="8500" kern="1200">
+    <a:lvl7pPr marL="12523291" algn="l" defTabSz="4174431" rtl="0" eaLnBrk="1" latinLnBrk="0" hangingPunct="1">
+      <a:defRPr sz="8100" kern="1200">
         <a:solidFill>
           <a:schemeClr val="tx1"/>
         </a:solidFill>
@@ -83,8 +83,8 @@
         <a:cs typeface="+mn-cs"/>
       </a:defRPr>
     </a:lvl7pPr>
-    <a:lvl8pPr marL="15360076" algn="l" defTabSz="4388594" rtl="0" eaLnBrk="1" latinLnBrk="0" hangingPunct="1">
-      <a:defRPr sz="8500" kern="1200">
+    <a:lvl8pPr marL="14610504" algn="l" defTabSz="4174431" rtl="0" eaLnBrk="1" latinLnBrk="0" hangingPunct="1">
+      <a:defRPr sz="8100" kern="1200">
         <a:solidFill>
           <a:schemeClr val="tx1"/>
         </a:solidFill>
@@ -93,8 +93,8 @@
         <a:cs typeface="+mn-cs"/>
       </a:defRPr>
     </a:lvl8pPr>
-    <a:lvl9pPr marL="17554373" algn="l" defTabSz="4388594" rtl="0" eaLnBrk="1" latinLnBrk="0" hangingPunct="1">
-      <a:defRPr sz="8500" kern="1200">
+    <a:lvl9pPr marL="16697720" algn="l" defTabSz="4174431" rtl="0" eaLnBrk="1" latinLnBrk="0" hangingPunct="1">
+      <a:defRPr sz="8100" kern="1200">
         <a:solidFill>
           <a:schemeClr val="tx1"/>
         </a:solidFill>
@@ -136,8 +136,8 @@
         </p:nvSpPr>
         <p:spPr>
           <a:xfrm>
-            <a:off x="2468880" y="13634730"/>
-            <a:ext cx="27980640" cy="9408159"/>
+            <a:off x="2270046" y="13293961"/>
+            <a:ext cx="25727184" cy="9173023"/>
           </a:xfrm>
         </p:spPr>
         <p:txBody>
@@ -164,8 +164,8 @@
         </p:nvSpPr>
         <p:spPr>
           <a:xfrm>
-            <a:off x="4937760" y="24871680"/>
-            <a:ext cx="23042880" cy="11216640"/>
+            <a:off x="4540091" y="24250068"/>
+            <a:ext cx="21187093" cy="10936305"/>
           </a:xfrm>
         </p:spPr>
         <p:txBody>
@@ -181,7 +181,7 @@
                 </a:solidFill>
               </a:defRPr>
             </a:lvl1pPr>
-            <a:lvl2pPr marL="2194297" indent="0" algn="ctr">
+            <a:lvl2pPr marL="2087215" indent="0" algn="ctr">
               <a:buNone/>
               <a:defRPr>
                 <a:solidFill>
@@ -191,7 +191,7 @@
                 </a:solidFill>
               </a:defRPr>
             </a:lvl2pPr>
-            <a:lvl3pPr marL="4388594" indent="0" algn="ctr">
+            <a:lvl3pPr marL="4174431" indent="0" algn="ctr">
               <a:buNone/>
               <a:defRPr>
                 <a:solidFill>
@@ -201,7 +201,7 @@
                 </a:solidFill>
               </a:defRPr>
             </a:lvl3pPr>
-            <a:lvl4pPr marL="6582890" indent="0" algn="ctr">
+            <a:lvl4pPr marL="6261645" indent="0" algn="ctr">
               <a:buNone/>
               <a:defRPr>
                 <a:solidFill>
@@ -211,7 +211,7 @@
                 </a:solidFill>
               </a:defRPr>
             </a:lvl4pPr>
-            <a:lvl5pPr marL="8777187" indent="0" algn="ctr">
+            <a:lvl5pPr marL="8348860" indent="0" algn="ctr">
               <a:buNone/>
               <a:defRPr>
                 <a:solidFill>
@@ -221,7 +221,7 @@
                 </a:solidFill>
               </a:defRPr>
             </a:lvl5pPr>
-            <a:lvl6pPr marL="10971484" indent="0" algn="ctr">
+            <a:lvl6pPr marL="10436076" indent="0" algn="ctr">
               <a:buNone/>
               <a:defRPr>
                 <a:solidFill>
@@ -231,7 +231,7 @@
                 </a:solidFill>
               </a:defRPr>
             </a:lvl6pPr>
-            <a:lvl7pPr marL="13165781" indent="0" algn="ctr">
+            <a:lvl7pPr marL="12523291" indent="0" algn="ctr">
               <a:buNone/>
               <a:defRPr>
                 <a:solidFill>
@@ -241,7 +241,7 @@
                 </a:solidFill>
               </a:defRPr>
             </a:lvl7pPr>
-            <a:lvl8pPr marL="15360076" indent="0" algn="ctr">
+            <a:lvl8pPr marL="14610504" indent="0" algn="ctr">
               <a:buNone/>
               <a:defRPr>
                 <a:solidFill>
@@ -251,7 +251,7 @@
                 </a:solidFill>
               </a:defRPr>
             </a:lvl8pPr>
-            <a:lvl9pPr marL="17554373" indent="0" algn="ctr">
+            <a:lvl9pPr marL="16697720" indent="0" algn="ctr">
               <a:buNone/>
               <a:defRPr>
                 <a:solidFill>
@@ -288,7 +288,8 @@
           <a:p>
             <a:fld id="{24E72DE2-AD54-445F-BDF3-6E766A2209E8}" type="datetimeFigureOut">
               <a:rPr lang="en-US" smtClean="0"/>
-              <a:t>12/4/2013</a:t>
+              <a:pPr/>
+              <a:t>12/5/2013</a:t>
             </a:fld>
             <a:endParaRPr lang="en-US"/>
           </a:p>
@@ -330,6 +331,7 @@
           <a:p>
             <a:fld id="{10FE7EAB-BFD0-4A9F-BAEB-4E62E394700E}" type="slidenum">
               <a:rPr lang="en-US" smtClean="0"/>
+              <a:pPr/>
               <a:t>‹#›</a:t>
             </a:fld>
             <a:endParaRPr lang="en-US"/>
@@ -339,7 +341,7 @@
     </p:spTree>
     <p:extLst>
       <p:ext uri="{BB962C8B-B14F-4D97-AF65-F5344CB8AC3E}">
-        <p14:creationId xmlns:p14="http://schemas.microsoft.com/office/powerpoint/2010/main" val="2603857336"/>
+        <p14:creationId xmlns:p14="http://schemas.microsoft.com/office/powerpoint/2010/main" xmlns="" val="2603857336"/>
       </p:ext>
     </p:extLst>
   </p:cSld>
@@ -458,7 +460,8 @@
           <a:p>
             <a:fld id="{24E72DE2-AD54-445F-BDF3-6E766A2209E8}" type="datetimeFigureOut">
               <a:rPr lang="en-US" smtClean="0"/>
-              <a:t>12/4/2013</a:t>
+              <a:pPr/>
+              <a:t>12/5/2013</a:t>
             </a:fld>
             <a:endParaRPr lang="en-US"/>
           </a:p>
@@ -500,6 +503,7 @@
           <a:p>
             <a:fld id="{10FE7EAB-BFD0-4A9F-BAEB-4E62E394700E}" type="slidenum">
               <a:rPr lang="en-US" smtClean="0"/>
+              <a:pPr/>
               <a:t>‹#›</a:t>
             </a:fld>
             <a:endParaRPr lang="en-US"/>
@@ -509,7 +513,7 @@
     </p:spTree>
     <p:extLst>
       <p:ext uri="{BB962C8B-B14F-4D97-AF65-F5344CB8AC3E}">
-        <p14:creationId xmlns:p14="http://schemas.microsoft.com/office/powerpoint/2010/main" val="1190444423"/>
+        <p14:creationId xmlns:p14="http://schemas.microsoft.com/office/powerpoint/2010/main" xmlns="" val="1190444423"/>
       </p:ext>
     </p:extLst>
   </p:cSld>
@@ -548,8 +552,8 @@
         </p:nvSpPr>
         <p:spPr>
           <a:xfrm>
-            <a:off x="17899379" y="2346965"/>
-            <a:ext cx="5554982" cy="49926240"/>
+            <a:off x="16457830" y="2288308"/>
+            <a:ext cx="5107604" cy="48678446"/>
           </a:xfrm>
         </p:spPr>
         <p:txBody>
@@ -576,8 +580,8 @@
         </p:nvSpPr>
         <p:spPr>
           <a:xfrm>
-            <a:off x="1234444" y="2346965"/>
-            <a:ext cx="16116302" cy="49926240"/>
+            <a:off x="1135027" y="2288308"/>
+            <a:ext cx="14818355" cy="48678446"/>
           </a:xfrm>
         </p:spPr>
         <p:txBody>
@@ -638,7 +642,8 @@
           <a:p>
             <a:fld id="{24E72DE2-AD54-445F-BDF3-6E766A2209E8}" type="datetimeFigureOut">
               <a:rPr lang="en-US" smtClean="0"/>
-              <a:t>12/4/2013</a:t>
+              <a:pPr/>
+              <a:t>12/5/2013</a:t>
             </a:fld>
             <a:endParaRPr lang="en-US"/>
           </a:p>
@@ -680,6 +685,7 @@
           <a:p>
             <a:fld id="{10FE7EAB-BFD0-4A9F-BAEB-4E62E394700E}" type="slidenum">
               <a:rPr lang="en-US" smtClean="0"/>
+              <a:pPr/>
               <a:t>‹#›</a:t>
             </a:fld>
             <a:endParaRPr lang="en-US"/>
@@ -689,7 +695,7 @@
     </p:spTree>
     <p:extLst>
       <p:ext uri="{BB962C8B-B14F-4D97-AF65-F5344CB8AC3E}">
-        <p14:creationId xmlns:p14="http://schemas.microsoft.com/office/powerpoint/2010/main" val="1091754751"/>
+        <p14:creationId xmlns:p14="http://schemas.microsoft.com/office/powerpoint/2010/main" xmlns="" val="1091754751"/>
       </p:ext>
     </p:extLst>
   </p:cSld>
@@ -808,7 +814,8 @@
           <a:p>
             <a:fld id="{24E72DE2-AD54-445F-BDF3-6E766A2209E8}" type="datetimeFigureOut">
               <a:rPr lang="en-US" smtClean="0"/>
-              <a:t>12/4/2013</a:t>
+              <a:pPr/>
+              <a:t>12/5/2013</a:t>
             </a:fld>
             <a:endParaRPr lang="en-US"/>
           </a:p>
@@ -850,6 +857,7 @@
           <a:p>
             <a:fld id="{10FE7EAB-BFD0-4A9F-BAEB-4E62E394700E}" type="slidenum">
               <a:rPr lang="en-US" smtClean="0"/>
+              <a:pPr/>
               <a:t>‹#›</a:t>
             </a:fld>
             <a:endParaRPr lang="en-US"/>
@@ -859,7 +867,7 @@
     </p:spTree>
     <p:extLst>
       <p:ext uri="{BB962C8B-B14F-4D97-AF65-F5344CB8AC3E}">
-        <p14:creationId xmlns:p14="http://schemas.microsoft.com/office/powerpoint/2010/main" val="2780456844"/>
+        <p14:creationId xmlns:p14="http://schemas.microsoft.com/office/powerpoint/2010/main" xmlns="" val="2780456844"/>
       </p:ext>
     </p:extLst>
   </p:cSld>
@@ -898,15 +906,15 @@
         </p:nvSpPr>
         <p:spPr>
           <a:xfrm>
-            <a:off x="2600328" y="28204163"/>
-            <a:ext cx="27980640" cy="8717280"/>
+            <a:off x="2390907" y="27499263"/>
+            <a:ext cx="25727184" cy="8499411"/>
           </a:xfrm>
         </p:spPr>
         <p:txBody>
           <a:bodyPr anchor="t"/>
           <a:lstStyle>
             <a:lvl1pPr algn="l">
-              <a:defRPr sz="19200" b="1" cap="all"/>
+              <a:defRPr sz="18300" b="1" cap="all"/>
             </a:lvl1pPr>
           </a:lstStyle>
           <a:p>
@@ -930,8 +938,8 @@
         </p:nvSpPr>
         <p:spPr>
           <a:xfrm>
-            <a:off x="2600328" y="18602969"/>
-            <a:ext cx="27980640" cy="9601195"/>
+            <a:off x="2390907" y="18138030"/>
+            <a:ext cx="25727184" cy="9361235"/>
           </a:xfrm>
         </p:spPr>
         <p:txBody>
@@ -939,7 +947,7 @@
           <a:lstStyle>
             <a:lvl1pPr marL="0" indent="0">
               <a:buNone/>
-              <a:defRPr sz="9700">
+              <a:defRPr sz="9200">
                 <a:solidFill>
                   <a:schemeClr val="tx1">
                     <a:tint val="75000"/>
@@ -947,9 +955,9 @@
                 </a:solidFill>
               </a:defRPr>
             </a:lvl1pPr>
-            <a:lvl2pPr marL="2194297" indent="0">
-              <a:buNone/>
-              <a:defRPr sz="8500">
+            <a:lvl2pPr marL="2087215" indent="0">
+              <a:buNone/>
+              <a:defRPr sz="8100">
                 <a:solidFill>
                   <a:schemeClr val="tx1">
                     <a:tint val="75000"/>
@@ -957,9 +965,9 @@
                 </a:solidFill>
               </a:defRPr>
             </a:lvl2pPr>
-            <a:lvl3pPr marL="4388594" indent="0">
-              <a:buNone/>
-              <a:defRPr sz="7700">
+            <a:lvl3pPr marL="4174431" indent="0">
+              <a:buNone/>
+              <a:defRPr sz="7300">
                 <a:solidFill>
                   <a:schemeClr val="tx1">
                     <a:tint val="75000"/>
@@ -967,9 +975,9 @@
                 </a:solidFill>
               </a:defRPr>
             </a:lvl3pPr>
-            <a:lvl4pPr marL="6582890" indent="0">
-              <a:buNone/>
-              <a:defRPr sz="6700">
+            <a:lvl4pPr marL="6261645" indent="0">
+              <a:buNone/>
+              <a:defRPr sz="6400">
                 <a:solidFill>
                   <a:schemeClr val="tx1">
                     <a:tint val="75000"/>
@@ -977,9 +985,9 @@
                 </a:solidFill>
               </a:defRPr>
             </a:lvl4pPr>
-            <a:lvl5pPr marL="8777187" indent="0">
-              <a:buNone/>
-              <a:defRPr sz="6700">
+            <a:lvl5pPr marL="8348860" indent="0">
+              <a:buNone/>
+              <a:defRPr sz="6400">
                 <a:solidFill>
                   <a:schemeClr val="tx1">
                     <a:tint val="75000"/>
@@ -987,9 +995,9 @@
                 </a:solidFill>
               </a:defRPr>
             </a:lvl5pPr>
-            <a:lvl6pPr marL="10971484" indent="0">
-              <a:buNone/>
-              <a:defRPr sz="6700">
+            <a:lvl6pPr marL="10436076" indent="0">
+              <a:buNone/>
+              <a:defRPr sz="6400">
                 <a:solidFill>
                   <a:schemeClr val="tx1">
                     <a:tint val="75000"/>
@@ -997,9 +1005,9 @@
                 </a:solidFill>
               </a:defRPr>
             </a:lvl6pPr>
-            <a:lvl7pPr marL="13165781" indent="0">
-              <a:buNone/>
-              <a:defRPr sz="6700">
+            <a:lvl7pPr marL="12523291" indent="0">
+              <a:buNone/>
+              <a:defRPr sz="6400">
                 <a:solidFill>
                   <a:schemeClr val="tx1">
                     <a:tint val="75000"/>
@@ -1007,9 +1015,9 @@
                 </a:solidFill>
               </a:defRPr>
             </a:lvl7pPr>
-            <a:lvl8pPr marL="15360076" indent="0">
-              <a:buNone/>
-              <a:defRPr sz="6700">
+            <a:lvl8pPr marL="14610504" indent="0">
+              <a:buNone/>
+              <a:defRPr sz="6400">
                 <a:solidFill>
                   <a:schemeClr val="tx1">
                     <a:tint val="75000"/>
@@ -1017,9 +1025,9 @@
                 </a:solidFill>
               </a:defRPr>
             </a:lvl8pPr>
-            <a:lvl9pPr marL="17554373" indent="0">
-              <a:buNone/>
-              <a:defRPr sz="6700">
+            <a:lvl9pPr marL="16697720" indent="0">
+              <a:buNone/>
+              <a:defRPr sz="6400">
                 <a:solidFill>
                   <a:schemeClr val="tx1">
                     <a:tint val="75000"/>
@@ -1054,7 +1062,8 @@
           <a:p>
             <a:fld id="{24E72DE2-AD54-445F-BDF3-6E766A2209E8}" type="datetimeFigureOut">
               <a:rPr lang="en-US" smtClean="0"/>
-              <a:t>12/4/2013</a:t>
+              <a:pPr/>
+              <a:t>12/5/2013</a:t>
             </a:fld>
             <a:endParaRPr lang="en-US"/>
           </a:p>
@@ -1096,6 +1105,7 @@
           <a:p>
             <a:fld id="{10FE7EAB-BFD0-4A9F-BAEB-4E62E394700E}" type="slidenum">
               <a:rPr lang="en-US" smtClean="0"/>
+              <a:pPr/>
               <a:t>‹#›</a:t>
             </a:fld>
             <a:endParaRPr lang="en-US"/>
@@ -1105,7 +1115,7 @@
     </p:spTree>
     <p:extLst>
       <p:ext uri="{BB962C8B-B14F-4D97-AF65-F5344CB8AC3E}">
-        <p14:creationId xmlns:p14="http://schemas.microsoft.com/office/powerpoint/2010/main" val="1203075770"/>
+        <p14:creationId xmlns:p14="http://schemas.microsoft.com/office/powerpoint/2010/main" xmlns="" val="1203075770"/>
       </p:ext>
     </p:extLst>
   </p:cSld>
@@ -1167,39 +1177,39 @@
         </p:nvSpPr>
         <p:spPr>
           <a:xfrm>
-            <a:off x="1234442" y="13655043"/>
-            <a:ext cx="10835640" cy="38618165"/>
+            <a:off x="1135025" y="13313766"/>
+            <a:ext cx="9962978" cy="37652991"/>
           </a:xfrm>
         </p:spPr>
         <p:txBody>
           <a:bodyPr/>
           <a:lstStyle>
             <a:lvl1pPr>
-              <a:defRPr sz="13400"/>
+              <a:defRPr sz="12700"/>
             </a:lvl1pPr>
             <a:lvl2pPr>
-              <a:defRPr sz="11500"/>
+              <a:defRPr sz="10900"/>
             </a:lvl2pPr>
             <a:lvl3pPr>
-              <a:defRPr sz="9700"/>
+              <a:defRPr sz="9200"/>
             </a:lvl3pPr>
             <a:lvl4pPr>
-              <a:defRPr sz="8500"/>
+              <a:defRPr sz="8100"/>
             </a:lvl4pPr>
             <a:lvl5pPr>
-              <a:defRPr sz="8500"/>
+              <a:defRPr sz="8100"/>
             </a:lvl5pPr>
             <a:lvl6pPr>
-              <a:defRPr sz="8500"/>
+              <a:defRPr sz="8100"/>
             </a:lvl6pPr>
             <a:lvl7pPr>
-              <a:defRPr sz="8500"/>
+              <a:defRPr sz="8100"/>
             </a:lvl7pPr>
             <a:lvl8pPr>
-              <a:defRPr sz="8500"/>
+              <a:defRPr sz="8100"/>
             </a:lvl8pPr>
             <a:lvl9pPr>
-              <a:defRPr sz="8500"/>
+              <a:defRPr sz="8100"/>
             </a:lvl9pPr>
           </a:lstStyle>
           <a:p>
@@ -1252,39 +1262,39 @@
         </p:nvSpPr>
         <p:spPr>
           <a:xfrm>
-            <a:off x="12618722" y="13655043"/>
-            <a:ext cx="10835640" cy="38618165"/>
+            <a:off x="11602457" y="13313766"/>
+            <a:ext cx="9962978" cy="37652991"/>
           </a:xfrm>
         </p:spPr>
         <p:txBody>
           <a:bodyPr/>
           <a:lstStyle>
             <a:lvl1pPr>
-              <a:defRPr sz="13400"/>
+              <a:defRPr sz="12700"/>
             </a:lvl1pPr>
             <a:lvl2pPr>
-              <a:defRPr sz="11500"/>
+              <a:defRPr sz="10900"/>
             </a:lvl2pPr>
             <a:lvl3pPr>
-              <a:defRPr sz="9700"/>
+              <a:defRPr sz="9200"/>
             </a:lvl3pPr>
             <a:lvl4pPr>
-              <a:defRPr sz="8500"/>
+              <a:defRPr sz="8100"/>
             </a:lvl4pPr>
             <a:lvl5pPr>
-              <a:defRPr sz="8500"/>
+              <a:defRPr sz="8100"/>
             </a:lvl5pPr>
             <a:lvl6pPr>
-              <a:defRPr sz="8500"/>
+              <a:defRPr sz="8100"/>
             </a:lvl6pPr>
             <a:lvl7pPr>
-              <a:defRPr sz="8500"/>
+              <a:defRPr sz="8100"/>
             </a:lvl7pPr>
             <a:lvl8pPr>
-              <a:defRPr sz="8500"/>
+              <a:defRPr sz="8100"/>
             </a:lvl8pPr>
             <a:lvl9pPr>
-              <a:defRPr sz="8500"/>
+              <a:defRPr sz="8100"/>
             </a:lvl9pPr>
           </a:lstStyle>
           <a:p>
@@ -1342,7 +1352,8 @@
           <a:p>
             <a:fld id="{24E72DE2-AD54-445F-BDF3-6E766A2209E8}" type="datetimeFigureOut">
               <a:rPr lang="en-US" smtClean="0"/>
-              <a:t>12/4/2013</a:t>
+              <a:pPr/>
+              <a:t>12/5/2013</a:t>
             </a:fld>
             <a:endParaRPr lang="en-US"/>
           </a:p>
@@ -1384,6 +1395,7 @@
           <a:p>
             <a:fld id="{10FE7EAB-BFD0-4A9F-BAEB-4E62E394700E}" type="slidenum">
               <a:rPr lang="en-US" smtClean="0"/>
+              <a:pPr/>
               <a:t>‹#›</a:t>
             </a:fld>
             <a:endParaRPr lang="en-US"/>
@@ -1393,7 +1405,7 @@
     </p:spTree>
     <p:extLst>
       <p:ext uri="{BB962C8B-B14F-4D97-AF65-F5344CB8AC3E}">
-        <p14:creationId xmlns:p14="http://schemas.microsoft.com/office/powerpoint/2010/main" val="23827340"/>
+        <p14:creationId xmlns:p14="http://schemas.microsoft.com/office/powerpoint/2010/main" xmlns="" val="23827340"/>
       </p:ext>
     </p:extLst>
   </p:cSld>
@@ -1432,8 +1444,8 @@
         </p:nvSpPr>
         <p:spPr>
           <a:xfrm>
-            <a:off x="1645920" y="1757683"/>
-            <a:ext cx="29626560" cy="7315200"/>
+            <a:off x="1513364" y="1713754"/>
+            <a:ext cx="27240548" cy="7132373"/>
           </a:xfrm>
         </p:spPr>
         <p:txBody>
@@ -1464,8 +1476,8 @@
         </p:nvSpPr>
         <p:spPr>
           <a:xfrm>
-            <a:off x="1645924" y="9824723"/>
-            <a:ext cx="14544677" cy="4094477"/>
+            <a:off x="1513368" y="9579176"/>
+            <a:ext cx="13373303" cy="3992145"/>
           </a:xfrm>
         </p:spPr>
         <p:txBody>
@@ -1473,39 +1485,39 @@
           <a:lstStyle>
             <a:lvl1pPr marL="0" indent="0">
               <a:buNone/>
-              <a:defRPr sz="11500" b="1"/>
+              <a:defRPr sz="10900" b="1"/>
             </a:lvl1pPr>
-            <a:lvl2pPr marL="2194297" indent="0">
-              <a:buNone/>
-              <a:defRPr sz="9700" b="1"/>
+            <a:lvl2pPr marL="2087215" indent="0">
+              <a:buNone/>
+              <a:defRPr sz="9200" b="1"/>
             </a:lvl2pPr>
-            <a:lvl3pPr marL="4388594" indent="0">
-              <a:buNone/>
-              <a:defRPr sz="8500" b="1"/>
+            <a:lvl3pPr marL="4174431" indent="0">
+              <a:buNone/>
+              <a:defRPr sz="8100" b="1"/>
             </a:lvl3pPr>
-            <a:lvl4pPr marL="6582890" indent="0">
-              <a:buNone/>
-              <a:defRPr sz="7700" b="1"/>
+            <a:lvl4pPr marL="6261645" indent="0">
+              <a:buNone/>
+              <a:defRPr sz="7300" b="1"/>
             </a:lvl4pPr>
-            <a:lvl5pPr marL="8777187" indent="0">
-              <a:buNone/>
-              <a:defRPr sz="7700" b="1"/>
+            <a:lvl5pPr marL="8348860" indent="0">
+              <a:buNone/>
+              <a:defRPr sz="7300" b="1"/>
             </a:lvl5pPr>
-            <a:lvl6pPr marL="10971484" indent="0">
-              <a:buNone/>
-              <a:defRPr sz="7700" b="1"/>
+            <a:lvl6pPr marL="10436076" indent="0">
+              <a:buNone/>
+              <a:defRPr sz="7300" b="1"/>
             </a:lvl6pPr>
-            <a:lvl7pPr marL="13165781" indent="0">
-              <a:buNone/>
-              <a:defRPr sz="7700" b="1"/>
+            <a:lvl7pPr marL="12523291" indent="0">
+              <a:buNone/>
+              <a:defRPr sz="7300" b="1"/>
             </a:lvl7pPr>
-            <a:lvl8pPr marL="15360076" indent="0">
-              <a:buNone/>
-              <a:defRPr sz="7700" b="1"/>
+            <a:lvl8pPr marL="14610504" indent="0">
+              <a:buNone/>
+              <a:defRPr sz="7300" b="1"/>
             </a:lvl8pPr>
-            <a:lvl9pPr marL="17554373" indent="0">
-              <a:buNone/>
-              <a:defRPr sz="7700" b="1"/>
+            <a:lvl9pPr marL="16697720" indent="0">
+              <a:buNone/>
+              <a:defRPr sz="7300" b="1"/>
             </a:lvl9pPr>
           </a:lstStyle>
           <a:p>
@@ -1529,39 +1541,39 @@
         </p:nvSpPr>
         <p:spPr>
           <a:xfrm>
-            <a:off x="1645924" y="13919200"/>
-            <a:ext cx="14544677" cy="25288243"/>
+            <a:off x="1513368" y="13571321"/>
+            <a:ext cx="13373303" cy="24656220"/>
           </a:xfrm>
         </p:spPr>
         <p:txBody>
           <a:bodyPr/>
           <a:lstStyle>
             <a:lvl1pPr>
-              <a:defRPr sz="11500"/>
+              <a:defRPr sz="10900"/>
             </a:lvl1pPr>
             <a:lvl2pPr>
-              <a:defRPr sz="9700"/>
+              <a:defRPr sz="9200"/>
             </a:lvl2pPr>
             <a:lvl3pPr>
-              <a:defRPr sz="8500"/>
+              <a:defRPr sz="8100"/>
             </a:lvl3pPr>
             <a:lvl4pPr>
-              <a:defRPr sz="7700"/>
+              <a:defRPr sz="7300"/>
             </a:lvl4pPr>
             <a:lvl5pPr>
-              <a:defRPr sz="7700"/>
+              <a:defRPr sz="7300"/>
             </a:lvl5pPr>
             <a:lvl6pPr>
-              <a:defRPr sz="7700"/>
+              <a:defRPr sz="7300"/>
             </a:lvl6pPr>
             <a:lvl7pPr>
-              <a:defRPr sz="7700"/>
+              <a:defRPr sz="7300"/>
             </a:lvl7pPr>
             <a:lvl8pPr>
-              <a:defRPr sz="7700"/>
+              <a:defRPr sz="7300"/>
             </a:lvl8pPr>
             <a:lvl9pPr>
-              <a:defRPr sz="7700"/>
+              <a:defRPr sz="7300"/>
             </a:lvl9pPr>
           </a:lstStyle>
           <a:p>
@@ -1614,8 +1626,8 @@
         </p:nvSpPr>
         <p:spPr>
           <a:xfrm>
-            <a:off x="16722095" y="9824723"/>
-            <a:ext cx="14550389" cy="4094477"/>
+            <a:off x="15375360" y="9579176"/>
+            <a:ext cx="13378555" cy="3992145"/>
           </a:xfrm>
         </p:spPr>
         <p:txBody>
@@ -1623,39 +1635,39 @@
           <a:lstStyle>
             <a:lvl1pPr marL="0" indent="0">
               <a:buNone/>
-              <a:defRPr sz="11500" b="1"/>
+              <a:defRPr sz="10900" b="1"/>
             </a:lvl1pPr>
-            <a:lvl2pPr marL="2194297" indent="0">
-              <a:buNone/>
-              <a:defRPr sz="9700" b="1"/>
+            <a:lvl2pPr marL="2087215" indent="0">
+              <a:buNone/>
+              <a:defRPr sz="9200" b="1"/>
             </a:lvl2pPr>
-            <a:lvl3pPr marL="4388594" indent="0">
-              <a:buNone/>
-              <a:defRPr sz="8500" b="1"/>
+            <a:lvl3pPr marL="4174431" indent="0">
+              <a:buNone/>
+              <a:defRPr sz="8100" b="1"/>
             </a:lvl3pPr>
-            <a:lvl4pPr marL="6582890" indent="0">
-              <a:buNone/>
-              <a:defRPr sz="7700" b="1"/>
+            <a:lvl4pPr marL="6261645" indent="0">
+              <a:buNone/>
+              <a:defRPr sz="7300" b="1"/>
             </a:lvl4pPr>
-            <a:lvl5pPr marL="8777187" indent="0">
-              <a:buNone/>
-              <a:defRPr sz="7700" b="1"/>
+            <a:lvl5pPr marL="8348860" indent="0">
+              <a:buNone/>
+              <a:defRPr sz="7300" b="1"/>
             </a:lvl5pPr>
-            <a:lvl6pPr marL="10971484" indent="0">
-              <a:buNone/>
-              <a:defRPr sz="7700" b="1"/>
+            <a:lvl6pPr marL="10436076" indent="0">
+              <a:buNone/>
+              <a:defRPr sz="7300" b="1"/>
             </a:lvl6pPr>
-            <a:lvl7pPr marL="13165781" indent="0">
-              <a:buNone/>
-              <a:defRPr sz="7700" b="1"/>
+            <a:lvl7pPr marL="12523291" indent="0">
+              <a:buNone/>
+              <a:defRPr sz="7300" b="1"/>
             </a:lvl7pPr>
-            <a:lvl8pPr marL="15360076" indent="0">
-              <a:buNone/>
-              <a:defRPr sz="7700" b="1"/>
+            <a:lvl8pPr marL="14610504" indent="0">
+              <a:buNone/>
+              <a:defRPr sz="7300" b="1"/>
             </a:lvl8pPr>
-            <a:lvl9pPr marL="17554373" indent="0">
-              <a:buNone/>
-              <a:defRPr sz="7700" b="1"/>
+            <a:lvl9pPr marL="16697720" indent="0">
+              <a:buNone/>
+              <a:defRPr sz="7300" b="1"/>
             </a:lvl9pPr>
           </a:lstStyle>
           <a:p>
@@ -1679,39 +1691,39 @@
         </p:nvSpPr>
         <p:spPr>
           <a:xfrm>
-            <a:off x="16722095" y="13919200"/>
-            <a:ext cx="14550389" cy="25288243"/>
+            <a:off x="15375360" y="13571321"/>
+            <a:ext cx="13378555" cy="24656220"/>
           </a:xfrm>
         </p:spPr>
         <p:txBody>
           <a:bodyPr/>
           <a:lstStyle>
             <a:lvl1pPr>
-              <a:defRPr sz="11500"/>
+              <a:defRPr sz="10900"/>
             </a:lvl1pPr>
             <a:lvl2pPr>
-              <a:defRPr sz="9700"/>
+              <a:defRPr sz="9200"/>
             </a:lvl2pPr>
             <a:lvl3pPr>
-              <a:defRPr sz="8500"/>
+              <a:defRPr sz="8100"/>
             </a:lvl3pPr>
             <a:lvl4pPr>
-              <a:defRPr sz="7700"/>
+              <a:defRPr sz="7300"/>
             </a:lvl4pPr>
             <a:lvl5pPr>
-              <a:defRPr sz="7700"/>
+              <a:defRPr sz="7300"/>
             </a:lvl5pPr>
             <a:lvl6pPr>
-              <a:defRPr sz="7700"/>
+              <a:defRPr sz="7300"/>
             </a:lvl6pPr>
             <a:lvl7pPr>
-              <a:defRPr sz="7700"/>
+              <a:defRPr sz="7300"/>
             </a:lvl7pPr>
             <a:lvl8pPr>
-              <a:defRPr sz="7700"/>
+              <a:defRPr sz="7300"/>
             </a:lvl8pPr>
             <a:lvl9pPr>
-              <a:defRPr sz="7700"/>
+              <a:defRPr sz="7300"/>
             </a:lvl9pPr>
           </a:lstStyle>
           <a:p>
@@ -1769,7 +1781,8 @@
           <a:p>
             <a:fld id="{24E72DE2-AD54-445F-BDF3-6E766A2209E8}" type="datetimeFigureOut">
               <a:rPr lang="en-US" smtClean="0"/>
-              <a:t>12/4/2013</a:t>
+              <a:pPr/>
+              <a:t>12/5/2013</a:t>
             </a:fld>
             <a:endParaRPr lang="en-US"/>
           </a:p>
@@ -1811,6 +1824,7 @@
           <a:p>
             <a:fld id="{10FE7EAB-BFD0-4A9F-BAEB-4E62E394700E}" type="slidenum">
               <a:rPr lang="en-US" smtClean="0"/>
+              <a:pPr/>
               <a:t>‹#›</a:t>
             </a:fld>
             <a:endParaRPr lang="en-US"/>
@@ -1820,7 +1834,7 @@
     </p:spTree>
     <p:extLst>
       <p:ext uri="{BB962C8B-B14F-4D97-AF65-F5344CB8AC3E}">
-        <p14:creationId xmlns:p14="http://schemas.microsoft.com/office/powerpoint/2010/main" val="1304650489"/>
+        <p14:creationId xmlns:p14="http://schemas.microsoft.com/office/powerpoint/2010/main" xmlns="" val="1304650489"/>
       </p:ext>
     </p:extLst>
   </p:cSld>
@@ -1887,7 +1901,8 @@
           <a:p>
             <a:fld id="{24E72DE2-AD54-445F-BDF3-6E766A2209E8}" type="datetimeFigureOut">
               <a:rPr lang="en-US" smtClean="0"/>
-              <a:t>12/4/2013</a:t>
+              <a:pPr/>
+              <a:t>12/5/2013</a:t>
             </a:fld>
             <a:endParaRPr lang="en-US"/>
           </a:p>
@@ -1929,6 +1944,7 @@
           <a:p>
             <a:fld id="{10FE7EAB-BFD0-4A9F-BAEB-4E62E394700E}" type="slidenum">
               <a:rPr lang="en-US" smtClean="0"/>
+              <a:pPr/>
               <a:t>‹#›</a:t>
             </a:fld>
             <a:endParaRPr lang="en-US"/>
@@ -1938,7 +1954,7 @@
     </p:spTree>
     <p:extLst>
       <p:ext uri="{BB962C8B-B14F-4D97-AF65-F5344CB8AC3E}">
-        <p14:creationId xmlns:p14="http://schemas.microsoft.com/office/powerpoint/2010/main" val="2817406021"/>
+        <p14:creationId xmlns:p14="http://schemas.microsoft.com/office/powerpoint/2010/main" xmlns="" val="2817406021"/>
       </p:ext>
     </p:extLst>
   </p:cSld>
@@ -1982,7 +1998,8 @@
           <a:p>
             <a:fld id="{24E72DE2-AD54-445F-BDF3-6E766A2209E8}" type="datetimeFigureOut">
               <a:rPr lang="en-US" smtClean="0"/>
-              <a:t>12/4/2013</a:t>
+              <a:pPr/>
+              <a:t>12/5/2013</a:t>
             </a:fld>
             <a:endParaRPr lang="en-US"/>
           </a:p>
@@ -2024,6 +2041,7 @@
           <a:p>
             <a:fld id="{10FE7EAB-BFD0-4A9F-BAEB-4E62E394700E}" type="slidenum">
               <a:rPr lang="en-US" smtClean="0"/>
+              <a:pPr/>
               <a:t>‹#›</a:t>
             </a:fld>
             <a:endParaRPr lang="en-US"/>
@@ -2033,7 +2051,7 @@
     </p:spTree>
     <p:extLst>
       <p:ext uri="{BB962C8B-B14F-4D97-AF65-F5344CB8AC3E}">
-        <p14:creationId xmlns:p14="http://schemas.microsoft.com/office/powerpoint/2010/main" val="2016218180"/>
+        <p14:creationId xmlns:p14="http://schemas.microsoft.com/office/powerpoint/2010/main" xmlns="" val="2016218180"/>
       </p:ext>
     </p:extLst>
   </p:cSld>
@@ -2072,15 +2090,15 @@
         </p:nvSpPr>
         <p:spPr>
           <a:xfrm>
-            <a:off x="1645922" y="1747523"/>
-            <a:ext cx="10829928" cy="7437120"/>
+            <a:off x="1513366" y="1703848"/>
+            <a:ext cx="9957726" cy="7251246"/>
           </a:xfrm>
         </p:spPr>
         <p:txBody>
           <a:bodyPr anchor="b"/>
           <a:lstStyle>
             <a:lvl1pPr algn="l">
-              <a:defRPr sz="9700" b="1"/>
+              <a:defRPr sz="9200" b="1"/>
             </a:lvl1pPr>
           </a:lstStyle>
           <a:p>
@@ -2104,39 +2122,39 @@
         </p:nvSpPr>
         <p:spPr>
           <a:xfrm>
-            <a:off x="12870181" y="1747524"/>
-            <a:ext cx="18402302" cy="37459925"/>
+            <a:off x="11833665" y="1703849"/>
+            <a:ext cx="16920249" cy="36523698"/>
           </a:xfrm>
         </p:spPr>
         <p:txBody>
           <a:bodyPr/>
           <a:lstStyle>
             <a:lvl1pPr>
-              <a:defRPr sz="15400"/>
+              <a:defRPr sz="14600"/>
             </a:lvl1pPr>
             <a:lvl2pPr>
-              <a:defRPr sz="13400"/>
+              <a:defRPr sz="12700"/>
             </a:lvl2pPr>
             <a:lvl3pPr>
-              <a:defRPr sz="11500"/>
+              <a:defRPr sz="10900"/>
             </a:lvl3pPr>
             <a:lvl4pPr>
-              <a:defRPr sz="9700"/>
+              <a:defRPr sz="9200"/>
             </a:lvl4pPr>
             <a:lvl5pPr>
-              <a:defRPr sz="9700"/>
+              <a:defRPr sz="9200"/>
             </a:lvl5pPr>
             <a:lvl6pPr>
-              <a:defRPr sz="9700"/>
+              <a:defRPr sz="9200"/>
             </a:lvl6pPr>
             <a:lvl7pPr>
-              <a:defRPr sz="9700"/>
+              <a:defRPr sz="9200"/>
             </a:lvl7pPr>
             <a:lvl8pPr>
-              <a:defRPr sz="9700"/>
+              <a:defRPr sz="9200"/>
             </a:lvl8pPr>
             <a:lvl9pPr>
-              <a:defRPr sz="9700"/>
+              <a:defRPr sz="9200"/>
             </a:lvl9pPr>
           </a:lstStyle>
           <a:p>
@@ -2189,8 +2207,8 @@
         </p:nvSpPr>
         <p:spPr>
           <a:xfrm>
-            <a:off x="1645922" y="9184644"/>
-            <a:ext cx="10829928" cy="30022805"/>
+            <a:off x="1513366" y="8955095"/>
+            <a:ext cx="9957726" cy="29272452"/>
           </a:xfrm>
         </p:spPr>
         <p:txBody>
@@ -2198,39 +2216,39 @@
           <a:lstStyle>
             <a:lvl1pPr marL="0" indent="0">
               <a:buNone/>
-              <a:defRPr sz="6700"/>
+              <a:defRPr sz="6400"/>
             </a:lvl1pPr>
-            <a:lvl2pPr marL="2194297" indent="0">
-              <a:buNone/>
-              <a:defRPr sz="5700"/>
+            <a:lvl2pPr marL="2087215" indent="0">
+              <a:buNone/>
+              <a:defRPr sz="5400"/>
             </a:lvl2pPr>
-            <a:lvl3pPr marL="4388594" indent="0">
-              <a:buNone/>
-              <a:defRPr sz="4800"/>
+            <a:lvl3pPr marL="4174431" indent="0">
+              <a:buNone/>
+              <a:defRPr sz="4600"/>
             </a:lvl3pPr>
-            <a:lvl4pPr marL="6582890" indent="0">
-              <a:buNone/>
-              <a:defRPr sz="4300"/>
+            <a:lvl4pPr marL="6261645" indent="0">
+              <a:buNone/>
+              <a:defRPr sz="4100"/>
             </a:lvl4pPr>
-            <a:lvl5pPr marL="8777187" indent="0">
-              <a:buNone/>
-              <a:defRPr sz="4300"/>
+            <a:lvl5pPr marL="8348860" indent="0">
+              <a:buNone/>
+              <a:defRPr sz="4100"/>
             </a:lvl5pPr>
-            <a:lvl6pPr marL="10971484" indent="0">
-              <a:buNone/>
-              <a:defRPr sz="4300"/>
+            <a:lvl6pPr marL="10436076" indent="0">
+              <a:buNone/>
+              <a:defRPr sz="4100"/>
             </a:lvl6pPr>
-            <a:lvl7pPr marL="13165781" indent="0">
-              <a:buNone/>
-              <a:defRPr sz="4300"/>
+            <a:lvl7pPr marL="12523291" indent="0">
+              <a:buNone/>
+              <a:defRPr sz="4100"/>
             </a:lvl7pPr>
-            <a:lvl8pPr marL="15360076" indent="0">
-              <a:buNone/>
-              <a:defRPr sz="4300"/>
+            <a:lvl8pPr marL="14610504" indent="0">
+              <a:buNone/>
+              <a:defRPr sz="4100"/>
             </a:lvl8pPr>
-            <a:lvl9pPr marL="17554373" indent="0">
-              <a:buNone/>
-              <a:defRPr sz="4300"/>
+            <a:lvl9pPr marL="16697720" indent="0">
+              <a:buNone/>
+              <a:defRPr sz="4100"/>
             </a:lvl9pPr>
           </a:lstStyle>
           <a:p>
@@ -2259,7 +2277,8 @@
           <a:p>
             <a:fld id="{24E72DE2-AD54-445F-BDF3-6E766A2209E8}" type="datetimeFigureOut">
               <a:rPr lang="en-US" smtClean="0"/>
-              <a:t>12/4/2013</a:t>
+              <a:pPr/>
+              <a:t>12/5/2013</a:t>
             </a:fld>
             <a:endParaRPr lang="en-US"/>
           </a:p>
@@ -2301,6 +2320,7 @@
           <a:p>
             <a:fld id="{10FE7EAB-BFD0-4A9F-BAEB-4E62E394700E}" type="slidenum">
               <a:rPr lang="en-US" smtClean="0"/>
+              <a:pPr/>
               <a:t>‹#›</a:t>
             </a:fld>
             <a:endParaRPr lang="en-US"/>
@@ -2310,7 +2330,7 @@
     </p:spTree>
     <p:extLst>
       <p:ext uri="{BB962C8B-B14F-4D97-AF65-F5344CB8AC3E}">
-        <p14:creationId xmlns:p14="http://schemas.microsoft.com/office/powerpoint/2010/main" val="1955102808"/>
+        <p14:creationId xmlns:p14="http://schemas.microsoft.com/office/powerpoint/2010/main" xmlns="" val="1955102808"/>
       </p:ext>
     </p:extLst>
   </p:cSld>
@@ -2349,15 +2369,15 @@
         </p:nvSpPr>
         <p:spPr>
           <a:xfrm>
-            <a:off x="6452237" y="30723843"/>
-            <a:ext cx="19751040" cy="3627125"/>
+            <a:off x="5932598" y="29955970"/>
+            <a:ext cx="18160365" cy="3536473"/>
           </a:xfrm>
         </p:spPr>
         <p:txBody>
           <a:bodyPr anchor="b"/>
           <a:lstStyle>
             <a:lvl1pPr algn="l">
-              <a:defRPr sz="9700" b="1"/>
+              <a:defRPr sz="9200" b="1"/>
             </a:lvl1pPr>
           </a:lstStyle>
           <a:p>
@@ -2381,8 +2401,8 @@
         </p:nvSpPr>
         <p:spPr>
           <a:xfrm>
-            <a:off x="6452237" y="3921759"/>
-            <a:ext cx="19751040" cy="26334720"/>
+            <a:off x="5932598" y="3823743"/>
+            <a:ext cx="18160365" cy="25676543"/>
           </a:xfrm>
         </p:spPr>
         <p:txBody>
@@ -2390,39 +2410,39 @@
           <a:lstStyle>
             <a:lvl1pPr marL="0" indent="0">
               <a:buNone/>
-              <a:defRPr sz="15400"/>
+              <a:defRPr sz="14600"/>
             </a:lvl1pPr>
-            <a:lvl2pPr marL="2194297" indent="0">
-              <a:buNone/>
-              <a:defRPr sz="13400"/>
+            <a:lvl2pPr marL="2087215" indent="0">
+              <a:buNone/>
+              <a:defRPr sz="12700"/>
             </a:lvl2pPr>
-            <a:lvl3pPr marL="4388594" indent="0">
-              <a:buNone/>
-              <a:defRPr sz="11500"/>
+            <a:lvl3pPr marL="4174431" indent="0">
+              <a:buNone/>
+              <a:defRPr sz="10900"/>
             </a:lvl3pPr>
-            <a:lvl4pPr marL="6582890" indent="0">
-              <a:buNone/>
-              <a:defRPr sz="9700"/>
+            <a:lvl4pPr marL="6261645" indent="0">
+              <a:buNone/>
+              <a:defRPr sz="9200"/>
             </a:lvl4pPr>
-            <a:lvl5pPr marL="8777187" indent="0">
-              <a:buNone/>
-              <a:defRPr sz="9700"/>
+            <a:lvl5pPr marL="8348860" indent="0">
+              <a:buNone/>
+              <a:defRPr sz="9200"/>
             </a:lvl5pPr>
-            <a:lvl6pPr marL="10971484" indent="0">
-              <a:buNone/>
-              <a:defRPr sz="9700"/>
+            <a:lvl6pPr marL="10436076" indent="0">
+              <a:buNone/>
+              <a:defRPr sz="9200"/>
             </a:lvl6pPr>
-            <a:lvl7pPr marL="13165781" indent="0">
-              <a:buNone/>
-              <a:defRPr sz="9700"/>
+            <a:lvl7pPr marL="12523291" indent="0">
+              <a:buNone/>
+              <a:defRPr sz="9200"/>
             </a:lvl7pPr>
-            <a:lvl8pPr marL="15360076" indent="0">
-              <a:buNone/>
-              <a:defRPr sz="9700"/>
+            <a:lvl8pPr marL="14610504" indent="0">
+              <a:buNone/>
+              <a:defRPr sz="9200"/>
             </a:lvl8pPr>
-            <a:lvl9pPr marL="17554373" indent="0">
-              <a:buNone/>
-              <a:defRPr sz="9700"/>
+            <a:lvl9pPr marL="16697720" indent="0">
+              <a:buNone/>
+              <a:defRPr sz="9200"/>
             </a:lvl9pPr>
           </a:lstStyle>
           <a:p>
@@ -2442,8 +2462,8 @@
         </p:nvSpPr>
         <p:spPr>
           <a:xfrm>
-            <a:off x="6452237" y="34350968"/>
-            <a:ext cx="19751040" cy="5151115"/>
+            <a:off x="5932598" y="33492443"/>
+            <a:ext cx="18160365" cy="5022374"/>
           </a:xfrm>
         </p:spPr>
         <p:txBody>
@@ -2451,39 +2471,39 @@
           <a:lstStyle>
             <a:lvl1pPr marL="0" indent="0">
               <a:buNone/>
-              <a:defRPr sz="6700"/>
+              <a:defRPr sz="6400"/>
             </a:lvl1pPr>
-            <a:lvl2pPr marL="2194297" indent="0">
-              <a:buNone/>
-              <a:defRPr sz="5700"/>
+            <a:lvl2pPr marL="2087215" indent="0">
+              <a:buNone/>
+              <a:defRPr sz="5400"/>
             </a:lvl2pPr>
-            <a:lvl3pPr marL="4388594" indent="0">
-              <a:buNone/>
-              <a:defRPr sz="4800"/>
+            <a:lvl3pPr marL="4174431" indent="0">
+              <a:buNone/>
+              <a:defRPr sz="4600"/>
             </a:lvl3pPr>
-            <a:lvl4pPr marL="6582890" indent="0">
-              <a:buNone/>
-              <a:defRPr sz="4300"/>
+            <a:lvl4pPr marL="6261645" indent="0">
+              <a:buNone/>
+              <a:defRPr sz="4100"/>
             </a:lvl4pPr>
-            <a:lvl5pPr marL="8777187" indent="0">
-              <a:buNone/>
-              <a:defRPr sz="4300"/>
+            <a:lvl5pPr marL="8348860" indent="0">
+              <a:buNone/>
+              <a:defRPr sz="4100"/>
             </a:lvl5pPr>
-            <a:lvl6pPr marL="10971484" indent="0">
-              <a:buNone/>
-              <a:defRPr sz="4300"/>
+            <a:lvl6pPr marL="10436076" indent="0">
+              <a:buNone/>
+              <a:defRPr sz="4100"/>
             </a:lvl6pPr>
-            <a:lvl7pPr marL="13165781" indent="0">
-              <a:buNone/>
-              <a:defRPr sz="4300"/>
+            <a:lvl7pPr marL="12523291" indent="0">
+              <a:buNone/>
+              <a:defRPr sz="4100"/>
             </a:lvl7pPr>
-            <a:lvl8pPr marL="15360076" indent="0">
-              <a:buNone/>
-              <a:defRPr sz="4300"/>
+            <a:lvl8pPr marL="14610504" indent="0">
+              <a:buNone/>
+              <a:defRPr sz="4100"/>
             </a:lvl8pPr>
-            <a:lvl9pPr marL="17554373" indent="0">
-              <a:buNone/>
-              <a:defRPr sz="4300"/>
+            <a:lvl9pPr marL="16697720" indent="0">
+              <a:buNone/>
+              <a:defRPr sz="4100"/>
             </a:lvl9pPr>
           </a:lstStyle>
           <a:p>
@@ -2512,7 +2532,8 @@
           <a:p>
             <a:fld id="{24E72DE2-AD54-445F-BDF3-6E766A2209E8}" type="datetimeFigureOut">
               <a:rPr lang="en-US" smtClean="0"/>
-              <a:t>12/4/2013</a:t>
+              <a:pPr/>
+              <a:t>12/5/2013</a:t>
             </a:fld>
             <a:endParaRPr lang="en-US"/>
           </a:p>
@@ -2554,6 +2575,7 @@
           <a:p>
             <a:fld id="{10FE7EAB-BFD0-4A9F-BAEB-4E62E394700E}" type="slidenum">
               <a:rPr lang="en-US" smtClean="0"/>
+              <a:pPr/>
               <a:t>‹#›</a:t>
             </a:fld>
             <a:endParaRPr lang="en-US"/>
@@ -2563,7 +2585,7 @@
     </p:spTree>
     <p:extLst>
       <p:ext uri="{BB962C8B-B14F-4D97-AF65-F5344CB8AC3E}">
-        <p14:creationId xmlns:p14="http://schemas.microsoft.com/office/powerpoint/2010/main" val="3862665668"/>
+        <p14:creationId xmlns:p14="http://schemas.microsoft.com/office/powerpoint/2010/main" xmlns="" val="3862665668"/>
       </p:ext>
     </p:extLst>
   </p:cSld>
@@ -2607,15 +2629,15 @@
         </p:nvSpPr>
         <p:spPr>
           <a:xfrm>
-            <a:off x="1645920" y="1757683"/>
-            <a:ext cx="29626560" cy="7315200"/>
+            <a:off x="1513364" y="1713754"/>
+            <a:ext cx="27240548" cy="7132373"/>
           </a:xfrm>
           <a:prstGeom prst="rect">
             <a:avLst/>
           </a:prstGeom>
         </p:spPr>
         <p:txBody>
-          <a:bodyPr vert="horz" lIns="438859" tIns="219429" rIns="438859" bIns="219429" rtlCol="0" anchor="ctr">
+          <a:bodyPr vert="horz" lIns="417443" tIns="208721" rIns="417443" bIns="208721" rtlCol="0" anchor="ctr">
             <a:normAutofit/>
           </a:bodyPr>
           <a:lstStyle/>
@@ -2640,15 +2662,15 @@
         </p:nvSpPr>
         <p:spPr>
           <a:xfrm>
-            <a:off x="1645920" y="10241287"/>
-            <a:ext cx="29626560" cy="28966163"/>
+            <a:off x="1513364" y="9985329"/>
+            <a:ext cx="27240548" cy="28242219"/>
           </a:xfrm>
           <a:prstGeom prst="rect">
             <a:avLst/>
           </a:prstGeom>
         </p:spPr>
         <p:txBody>
-          <a:bodyPr vert="horz" lIns="438859" tIns="219429" rIns="438859" bIns="219429" rtlCol="0">
+          <a:bodyPr vert="horz" lIns="417443" tIns="208721" rIns="417443" bIns="208721" rtlCol="0">
             <a:normAutofit/>
           </a:bodyPr>
           <a:lstStyle/>
@@ -2702,18 +2724,18 @@
         </p:nvSpPr>
         <p:spPr>
           <a:xfrm>
-            <a:off x="1645920" y="40680646"/>
-            <a:ext cx="7680960" cy="2336799"/>
+            <a:off x="1513364" y="39663925"/>
+            <a:ext cx="7062364" cy="2278396"/>
           </a:xfrm>
           <a:prstGeom prst="rect">
             <a:avLst/>
           </a:prstGeom>
         </p:spPr>
         <p:txBody>
-          <a:bodyPr vert="horz" lIns="438859" tIns="219429" rIns="438859" bIns="219429" rtlCol="0" anchor="ctr"/>
+          <a:bodyPr vert="horz" lIns="417443" tIns="208721" rIns="417443" bIns="208721" rtlCol="0" anchor="ctr"/>
           <a:lstStyle>
             <a:lvl1pPr algn="l">
-              <a:defRPr sz="5700">
+              <a:defRPr sz="5400">
                 <a:solidFill>
                   <a:schemeClr val="tx1">
                     <a:tint val="75000"/>
@@ -2725,7 +2747,8 @@
           <a:p>
             <a:fld id="{24E72DE2-AD54-445F-BDF3-6E766A2209E8}" type="datetimeFigureOut">
               <a:rPr lang="en-US" smtClean="0"/>
-              <a:t>12/4/2013</a:t>
+              <a:pPr/>
+              <a:t>12/5/2013</a:t>
             </a:fld>
             <a:endParaRPr lang="en-US"/>
           </a:p>
@@ -2743,18 +2766,18 @@
         </p:nvSpPr>
         <p:spPr>
           <a:xfrm>
-            <a:off x="11247120" y="40680646"/>
-            <a:ext cx="10424160" cy="2336799"/>
+            <a:off x="10341319" y="39663925"/>
+            <a:ext cx="9584637" cy="2278396"/>
           </a:xfrm>
           <a:prstGeom prst="rect">
             <a:avLst/>
           </a:prstGeom>
         </p:spPr>
         <p:txBody>
-          <a:bodyPr vert="horz" lIns="438859" tIns="219429" rIns="438859" bIns="219429" rtlCol="0" anchor="ctr"/>
+          <a:bodyPr vert="horz" lIns="417443" tIns="208721" rIns="417443" bIns="208721" rtlCol="0" anchor="ctr"/>
           <a:lstStyle>
             <a:lvl1pPr algn="ctr">
-              <a:defRPr sz="5700">
+              <a:defRPr sz="5400">
                 <a:solidFill>
                   <a:schemeClr val="tx1">
                     <a:tint val="75000"/>
@@ -2780,18 +2803,18 @@
         </p:nvSpPr>
         <p:spPr>
           <a:xfrm>
-            <a:off x="23591520" y="40680646"/>
-            <a:ext cx="7680960" cy="2336799"/>
+            <a:off x="21691547" y="39663925"/>
+            <a:ext cx="7062364" cy="2278396"/>
           </a:xfrm>
           <a:prstGeom prst="rect">
             <a:avLst/>
           </a:prstGeom>
         </p:spPr>
         <p:txBody>
-          <a:bodyPr vert="horz" lIns="438859" tIns="219429" rIns="438859" bIns="219429" rtlCol="0" anchor="ctr"/>
+          <a:bodyPr vert="horz" lIns="417443" tIns="208721" rIns="417443" bIns="208721" rtlCol="0" anchor="ctr"/>
           <a:lstStyle>
             <a:lvl1pPr algn="r">
-              <a:defRPr sz="5700">
+              <a:defRPr sz="5400">
                 <a:solidFill>
                   <a:schemeClr val="tx1">
                     <a:tint val="75000"/>
@@ -2803,6 +2826,7 @@
           <a:p>
             <a:fld id="{10FE7EAB-BFD0-4A9F-BAEB-4E62E394700E}" type="slidenum">
               <a:rPr lang="en-US" smtClean="0"/>
+              <a:pPr/>
               <a:t>‹#›</a:t>
             </a:fld>
             <a:endParaRPr lang="en-US"/>
@@ -2812,7 +2836,7 @@
     </p:spTree>
     <p:extLst>
       <p:ext uri="{BB962C8B-B14F-4D97-AF65-F5344CB8AC3E}">
-        <p14:creationId xmlns:p14="http://schemas.microsoft.com/office/powerpoint/2010/main" val="3142861604"/>
+        <p14:creationId xmlns:p14="http://schemas.microsoft.com/office/powerpoint/2010/main" xmlns="" val="3142861604"/>
       </p:ext>
     </p:extLst>
   </p:cSld>
@@ -2832,12 +2856,12 @@
   </p:sldLayoutIdLst>
   <p:txStyles>
     <p:titleStyle>
-      <a:lvl1pPr algn="ctr" defTabSz="4388594" rtl="0" eaLnBrk="1" latinLnBrk="0" hangingPunct="1">
+      <a:lvl1pPr algn="ctr" defTabSz="4174431" rtl="0" eaLnBrk="1" latinLnBrk="0" hangingPunct="1">
         <a:spcBef>
           <a:spcPct val="0"/>
         </a:spcBef>
         <a:buNone/>
-        <a:defRPr sz="21100" kern="1200">
+        <a:defRPr sz="20100" kern="1200">
           <a:solidFill>
             <a:schemeClr val="tx1"/>
           </a:solidFill>
@@ -2848,13 +2872,13 @@
       </a:lvl1pPr>
     </p:titleStyle>
     <p:bodyStyle>
-      <a:lvl1pPr marL="1645722" indent="-1645722" algn="l" defTabSz="4388594" rtl="0" eaLnBrk="1" latinLnBrk="0" hangingPunct="1">
+      <a:lvl1pPr marL="1565411" indent="-1565411" algn="l" defTabSz="4174431" rtl="0" eaLnBrk="1" latinLnBrk="0" hangingPunct="1">
         <a:spcBef>
           <a:spcPct val="20000"/>
         </a:spcBef>
         <a:buFont typeface="Arial" panose="020B0604020202020204" pitchFamily="34" charset="0"/>
         <a:buChar char="•"/>
-        <a:defRPr sz="15400" kern="1200">
+        <a:defRPr sz="14600" kern="1200">
           <a:solidFill>
             <a:schemeClr val="tx1"/>
           </a:solidFill>
@@ -2863,13 +2887,13 @@
           <a:cs typeface="+mn-cs"/>
         </a:defRPr>
       </a:lvl1pPr>
-      <a:lvl2pPr marL="3565731" indent="-1371436" algn="l" defTabSz="4388594" rtl="0" eaLnBrk="1" latinLnBrk="0" hangingPunct="1">
+      <a:lvl2pPr marL="3391723" indent="-1304510" algn="l" defTabSz="4174431" rtl="0" eaLnBrk="1" latinLnBrk="0" hangingPunct="1">
         <a:spcBef>
           <a:spcPct val="20000"/>
         </a:spcBef>
         <a:buFont typeface="Arial" panose="020B0604020202020204" pitchFamily="34" charset="0"/>
         <a:buChar char="–"/>
-        <a:defRPr sz="13400" kern="1200">
+        <a:defRPr sz="12700" kern="1200">
           <a:solidFill>
             <a:schemeClr val="tx1"/>
           </a:solidFill>
@@ -2878,13 +2902,13 @@
           <a:cs typeface="+mn-cs"/>
         </a:defRPr>
       </a:lvl2pPr>
-      <a:lvl3pPr marL="5485742" indent="-1097148" algn="l" defTabSz="4388594" rtl="0" eaLnBrk="1" latinLnBrk="0" hangingPunct="1">
+      <a:lvl3pPr marL="5218038" indent="-1043607" algn="l" defTabSz="4174431" rtl="0" eaLnBrk="1" latinLnBrk="0" hangingPunct="1">
         <a:spcBef>
           <a:spcPct val="20000"/>
         </a:spcBef>
         <a:buFont typeface="Arial" panose="020B0604020202020204" pitchFamily="34" charset="0"/>
         <a:buChar char="•"/>
-        <a:defRPr sz="11500" kern="1200">
+        <a:defRPr sz="10900" kern="1200">
           <a:solidFill>
             <a:schemeClr val="tx1"/>
           </a:solidFill>
@@ -2893,13 +2917,13 @@
           <a:cs typeface="+mn-cs"/>
         </a:defRPr>
       </a:lvl3pPr>
-      <a:lvl4pPr marL="7680039" indent="-1097148" algn="l" defTabSz="4388594" rtl="0" eaLnBrk="1" latinLnBrk="0" hangingPunct="1">
+      <a:lvl4pPr marL="7305253" indent="-1043607" algn="l" defTabSz="4174431" rtl="0" eaLnBrk="1" latinLnBrk="0" hangingPunct="1">
         <a:spcBef>
           <a:spcPct val="20000"/>
         </a:spcBef>
         <a:buFont typeface="Arial" panose="020B0604020202020204" pitchFamily="34" charset="0"/>
         <a:buChar char="–"/>
-        <a:defRPr sz="9700" kern="1200">
+        <a:defRPr sz="9200" kern="1200">
           <a:solidFill>
             <a:schemeClr val="tx1"/>
           </a:solidFill>
@@ -2908,13 +2932,13 @@
           <a:cs typeface="+mn-cs"/>
         </a:defRPr>
       </a:lvl4pPr>
-      <a:lvl5pPr marL="9874334" indent="-1097148" algn="l" defTabSz="4388594" rtl="0" eaLnBrk="1" latinLnBrk="0" hangingPunct="1">
+      <a:lvl5pPr marL="9392467" indent="-1043607" algn="l" defTabSz="4174431" rtl="0" eaLnBrk="1" latinLnBrk="0" hangingPunct="1">
         <a:spcBef>
           <a:spcPct val="20000"/>
         </a:spcBef>
         <a:buFont typeface="Arial" panose="020B0604020202020204" pitchFamily="34" charset="0"/>
         <a:buChar char="»"/>
-        <a:defRPr sz="9700" kern="1200">
+        <a:defRPr sz="9200" kern="1200">
           <a:solidFill>
             <a:schemeClr val="tx1"/>
           </a:solidFill>
@@ -2923,13 +2947,13 @@
           <a:cs typeface="+mn-cs"/>
         </a:defRPr>
       </a:lvl5pPr>
-      <a:lvl6pPr marL="12068631" indent="-1097148" algn="l" defTabSz="4388594" rtl="0" eaLnBrk="1" latinLnBrk="0" hangingPunct="1">
+      <a:lvl6pPr marL="11479682" indent="-1043607" algn="l" defTabSz="4174431" rtl="0" eaLnBrk="1" latinLnBrk="0" hangingPunct="1">
         <a:spcBef>
           <a:spcPct val="20000"/>
         </a:spcBef>
         <a:buFont typeface="Arial" panose="020B0604020202020204" pitchFamily="34" charset="0"/>
         <a:buChar char="•"/>
-        <a:defRPr sz="9700" kern="1200">
+        <a:defRPr sz="9200" kern="1200">
           <a:solidFill>
             <a:schemeClr val="tx1"/>
           </a:solidFill>
@@ -2938,13 +2962,13 @@
           <a:cs typeface="+mn-cs"/>
         </a:defRPr>
       </a:lvl6pPr>
-      <a:lvl7pPr marL="14262928" indent="-1097148" algn="l" defTabSz="4388594" rtl="0" eaLnBrk="1" latinLnBrk="0" hangingPunct="1">
+      <a:lvl7pPr marL="13566897" indent="-1043607" algn="l" defTabSz="4174431" rtl="0" eaLnBrk="1" latinLnBrk="0" hangingPunct="1">
         <a:spcBef>
           <a:spcPct val="20000"/>
         </a:spcBef>
         <a:buFont typeface="Arial" panose="020B0604020202020204" pitchFamily="34" charset="0"/>
         <a:buChar char="•"/>
-        <a:defRPr sz="9700" kern="1200">
+        <a:defRPr sz="9200" kern="1200">
           <a:solidFill>
             <a:schemeClr val="tx1"/>
           </a:solidFill>
@@ -2953,13 +2977,13 @@
           <a:cs typeface="+mn-cs"/>
         </a:defRPr>
       </a:lvl7pPr>
-      <a:lvl8pPr marL="16457225" indent="-1097148" algn="l" defTabSz="4388594" rtl="0" eaLnBrk="1" latinLnBrk="0" hangingPunct="1">
+      <a:lvl8pPr marL="15654112" indent="-1043607" algn="l" defTabSz="4174431" rtl="0" eaLnBrk="1" latinLnBrk="0" hangingPunct="1">
         <a:spcBef>
           <a:spcPct val="20000"/>
         </a:spcBef>
         <a:buFont typeface="Arial" panose="020B0604020202020204" pitchFamily="34" charset="0"/>
         <a:buChar char="•"/>
-        <a:defRPr sz="9700" kern="1200">
+        <a:defRPr sz="9200" kern="1200">
           <a:solidFill>
             <a:schemeClr val="tx1"/>
           </a:solidFill>
@@ -2968,13 +2992,13 @@
           <a:cs typeface="+mn-cs"/>
         </a:defRPr>
       </a:lvl8pPr>
-      <a:lvl9pPr marL="18651521" indent="-1097148" algn="l" defTabSz="4388594" rtl="0" eaLnBrk="1" latinLnBrk="0" hangingPunct="1">
+      <a:lvl9pPr marL="17741327" indent="-1043607" algn="l" defTabSz="4174431" rtl="0" eaLnBrk="1" latinLnBrk="0" hangingPunct="1">
         <a:spcBef>
           <a:spcPct val="20000"/>
         </a:spcBef>
         <a:buFont typeface="Arial" panose="020B0604020202020204" pitchFamily="34" charset="0"/>
         <a:buChar char="•"/>
-        <a:defRPr sz="9700" kern="1200">
+        <a:defRPr sz="9200" kern="1200">
           <a:solidFill>
             <a:schemeClr val="tx1"/>
           </a:solidFill>
@@ -2988,8 +3012,8 @@
       <a:defPPr>
         <a:defRPr lang="en-US"/>
       </a:defPPr>
-      <a:lvl1pPr marL="0" algn="l" defTabSz="4388594" rtl="0" eaLnBrk="1" latinLnBrk="0" hangingPunct="1">
-        <a:defRPr sz="8500" kern="1200">
+      <a:lvl1pPr marL="0" algn="l" defTabSz="4174431" rtl="0" eaLnBrk="1" latinLnBrk="0" hangingPunct="1">
+        <a:defRPr sz="8100" kern="1200">
           <a:solidFill>
             <a:schemeClr val="tx1"/>
           </a:solidFill>
@@ -2998,8 +3022,8 @@
           <a:cs typeface="+mn-cs"/>
         </a:defRPr>
       </a:lvl1pPr>
-      <a:lvl2pPr marL="2194297" algn="l" defTabSz="4388594" rtl="0" eaLnBrk="1" latinLnBrk="0" hangingPunct="1">
-        <a:defRPr sz="8500" kern="1200">
+      <a:lvl2pPr marL="2087215" algn="l" defTabSz="4174431" rtl="0" eaLnBrk="1" latinLnBrk="0" hangingPunct="1">
+        <a:defRPr sz="8100" kern="1200">
           <a:solidFill>
             <a:schemeClr val="tx1"/>
           </a:solidFill>
@@ -3008,8 +3032,8 @@
           <a:cs typeface="+mn-cs"/>
         </a:defRPr>
       </a:lvl2pPr>
-      <a:lvl3pPr marL="4388594" algn="l" defTabSz="4388594" rtl="0" eaLnBrk="1" latinLnBrk="0" hangingPunct="1">
-        <a:defRPr sz="8500" kern="1200">
+      <a:lvl3pPr marL="4174431" algn="l" defTabSz="4174431" rtl="0" eaLnBrk="1" latinLnBrk="0" hangingPunct="1">
+        <a:defRPr sz="8100" kern="1200">
           <a:solidFill>
             <a:schemeClr val="tx1"/>
           </a:solidFill>
@@ -3018,8 +3042,8 @@
           <a:cs typeface="+mn-cs"/>
         </a:defRPr>
       </a:lvl3pPr>
-      <a:lvl4pPr marL="6582890" algn="l" defTabSz="4388594" rtl="0" eaLnBrk="1" latinLnBrk="0" hangingPunct="1">
-        <a:defRPr sz="8500" kern="1200">
+      <a:lvl4pPr marL="6261645" algn="l" defTabSz="4174431" rtl="0" eaLnBrk="1" latinLnBrk="0" hangingPunct="1">
+        <a:defRPr sz="8100" kern="1200">
           <a:solidFill>
             <a:schemeClr val="tx1"/>
           </a:solidFill>
@@ -3028,8 +3052,8 @@
           <a:cs typeface="+mn-cs"/>
         </a:defRPr>
       </a:lvl4pPr>
-      <a:lvl5pPr marL="8777187" algn="l" defTabSz="4388594" rtl="0" eaLnBrk="1" latinLnBrk="0" hangingPunct="1">
-        <a:defRPr sz="8500" kern="1200">
+      <a:lvl5pPr marL="8348860" algn="l" defTabSz="4174431" rtl="0" eaLnBrk="1" latinLnBrk="0" hangingPunct="1">
+        <a:defRPr sz="8100" kern="1200">
           <a:solidFill>
             <a:schemeClr val="tx1"/>
           </a:solidFill>
@@ -3038,8 +3062,8 @@
           <a:cs typeface="+mn-cs"/>
         </a:defRPr>
       </a:lvl5pPr>
-      <a:lvl6pPr marL="10971484" algn="l" defTabSz="4388594" rtl="0" eaLnBrk="1" latinLnBrk="0" hangingPunct="1">
-        <a:defRPr sz="8500" kern="1200">
+      <a:lvl6pPr marL="10436076" algn="l" defTabSz="4174431" rtl="0" eaLnBrk="1" latinLnBrk="0" hangingPunct="1">
+        <a:defRPr sz="8100" kern="1200">
           <a:solidFill>
             <a:schemeClr val="tx1"/>
           </a:solidFill>
@@ -3048,8 +3072,8 @@
           <a:cs typeface="+mn-cs"/>
         </a:defRPr>
       </a:lvl6pPr>
-      <a:lvl7pPr marL="13165781" algn="l" defTabSz="4388594" rtl="0" eaLnBrk="1" latinLnBrk="0" hangingPunct="1">
-        <a:defRPr sz="8500" kern="1200">
+      <a:lvl7pPr marL="12523291" algn="l" defTabSz="4174431" rtl="0" eaLnBrk="1" latinLnBrk="0" hangingPunct="1">
+        <a:defRPr sz="8100" kern="1200">
           <a:solidFill>
             <a:schemeClr val="tx1"/>
           </a:solidFill>
@@ -3058,8 +3082,8 @@
           <a:cs typeface="+mn-cs"/>
         </a:defRPr>
       </a:lvl7pPr>
-      <a:lvl8pPr marL="15360076" algn="l" defTabSz="4388594" rtl="0" eaLnBrk="1" latinLnBrk="0" hangingPunct="1">
-        <a:defRPr sz="8500" kern="1200">
+      <a:lvl8pPr marL="14610504" algn="l" defTabSz="4174431" rtl="0" eaLnBrk="1" latinLnBrk="0" hangingPunct="1">
+        <a:defRPr sz="8100" kern="1200">
           <a:solidFill>
             <a:schemeClr val="tx1"/>
           </a:solidFill>
@@ -3068,8 +3092,8 @@
           <a:cs typeface="+mn-cs"/>
         </a:defRPr>
       </a:lvl8pPr>
-      <a:lvl9pPr marL="17554373" algn="l" defTabSz="4388594" rtl="0" eaLnBrk="1" latinLnBrk="0" hangingPunct="1">
-        <a:defRPr sz="8500" kern="1200">
+      <a:lvl9pPr marL="16697720" algn="l" defTabSz="4174431" rtl="0" eaLnBrk="1" latinLnBrk="0" hangingPunct="1">
+        <a:defRPr sz="8100" kern="1200">
           <a:solidFill>
             <a:schemeClr val="tx1"/>
           </a:solidFill>
@@ -3109,10 +3133,10 @@
           <p:nvPr/>
         </p:nvPicPr>
         <p:blipFill>
-          <a:blip r:embed="rId2">
+          <a:blip r:embed="rId2" cstate="print">
             <a:extLst>
               <a:ext uri="{28A0092B-C50C-407E-A947-70E740481C1C}">
-                <a14:useLocalDpi xmlns:a14="http://schemas.microsoft.com/office/drawing/2010/main" val="0"/>
+                <a14:useLocalDpi xmlns:a14="http://schemas.microsoft.com/office/drawing/2010/main" xmlns="" val="0"/>
               </a:ext>
             </a:extLst>
           </a:blip>
@@ -3124,7 +3148,7 @@
         <p:spPr bwMode="auto">
           <a:xfrm>
             <a:off x="0" y="0"/>
-            <a:ext cx="32918400" cy="5143500"/>
+            <a:ext cx="30267275" cy="5014950"/>
           </a:xfrm>
           <a:prstGeom prst="rect">
             <a:avLst/>
@@ -3135,14 +3159,14 @@
           </a:ln>
           <a:extLst>
             <a:ext uri="{909E8E84-426E-40DD-AFC4-6F175D3DCCD1}">
-              <a14:hiddenFill xmlns:a14="http://schemas.microsoft.com/office/drawing/2010/main">
+              <a14:hiddenFill xmlns:a14="http://schemas.microsoft.com/office/drawing/2010/main" xmlns="">
                 <a:solidFill>
                   <a:schemeClr val="accent1"/>
                 </a:solidFill>
               </a14:hiddenFill>
             </a:ext>
             <a:ext uri="{91240B29-F687-4F45-9708-019B960494DF}">
-              <a14:hiddenLine xmlns:a14="http://schemas.microsoft.com/office/drawing/2010/main" w="9525">
+              <a14:hiddenLine xmlns:a14="http://schemas.microsoft.com/office/drawing/2010/main" xmlns="" w="9525">
                 <a:solidFill>
                   <a:schemeClr val="tx1"/>
                 </a:solidFill>
@@ -3162,8 +3186,8 @@
         </p:nvSpPr>
         <p:spPr>
           <a:xfrm>
-            <a:off x="-8822707" y="914400"/>
-            <a:ext cx="28939507" cy="2862322"/>
+            <a:off x="-8112159" y="891547"/>
+            <a:ext cx="26608827" cy="2903983"/>
           </a:xfrm>
           <a:prstGeom prst="rect">
             <a:avLst/>
@@ -3171,14 +3195,14 @@
           <a:noFill/>
         </p:spPr>
         <p:txBody>
-          <a:bodyPr wrap="square" lIns="91440" tIns="45720" rIns="91440" bIns="45720">
+          <a:bodyPr wrap="square" lIns="86978" tIns="43489" rIns="86978" bIns="43489">
             <a:spAutoFit/>
           </a:bodyPr>
           <a:lstStyle/>
           <a:p>
             <a:pPr algn="ctr"/>
             <a:r>
-              <a:rPr lang="en-US" sz="18000" b="1" dirty="0" smtClean="0">
+              <a:rPr lang="en-US" sz="17100" b="1" dirty="0" smtClean="0">
                 <a:ln w="900" cmpd="sng">
                   <a:solidFill>
                     <a:schemeClr val="bg2">
@@ -3203,9 +3227,12 @@
                   </a:innerShdw>
                 </a:effectLst>
               </a:rPr>
-              <a:t>	Flight Quest</a:t>
-            </a:r>
-            <a:endParaRPr lang="en-US" sz="18000" b="1" dirty="0">
+              <a:t>  	         Flight Quest (ID 36)</a:t>
+            </a:r>
+          </a:p>
+          <a:p>
+            <a:pPr algn="ctr"/>
+            <a:endParaRPr lang="en-US" sz="1100" b="1" dirty="0">
               <a:ln w="900" cmpd="sng">
                 <a:solidFill>
                   <a:schemeClr val="bg2">
@@ -3241,8 +3268,8 @@
         </p:nvSpPr>
         <p:spPr>
           <a:xfrm>
-            <a:off x="914400" y="6400800"/>
-            <a:ext cx="14630400" cy="1828800"/>
+            <a:off x="840758" y="6240827"/>
+            <a:ext cx="13452122" cy="1783093"/>
           </a:xfrm>
           <a:prstGeom prst="roundRect">
             <a:avLst/>
@@ -3271,7 +3298,7 @@
           </a:fontRef>
         </p:style>
         <p:txBody>
-          <a:bodyPr rtlCol="0" anchor="ctr"/>
+          <a:bodyPr lIns="86978" tIns="43489" rIns="86978" bIns="43489" rtlCol="0" anchor="ctr"/>
           <a:lstStyle/>
           <a:p>
             <a:pPr algn="ctr"/>
@@ -3303,8 +3330,8 @@
         </p:nvSpPr>
         <p:spPr>
           <a:xfrm>
-            <a:off x="17373600" y="6400800"/>
-            <a:ext cx="14630400" cy="1828800"/>
+            <a:off x="15974395" y="6240827"/>
+            <a:ext cx="13452122" cy="1783093"/>
           </a:xfrm>
           <a:prstGeom prst="roundRect">
             <a:avLst/>
@@ -3333,7 +3360,7 @@
           </a:fontRef>
         </p:style>
         <p:txBody>
-          <a:bodyPr rtlCol="0" anchor="ctr"/>
+          <a:bodyPr lIns="86978" tIns="43489" rIns="86978" bIns="43489" rtlCol="0" anchor="ctr"/>
           <a:lstStyle/>
           <a:p>
             <a:pPr algn="ctr"/>
@@ -3365,8 +3392,8 @@
         </p:nvSpPr>
         <p:spPr>
           <a:xfrm>
-            <a:off x="914400" y="26517600"/>
-            <a:ext cx="31089600" cy="1828800"/>
+            <a:off x="840758" y="25854852"/>
+            <a:ext cx="28585760" cy="1783093"/>
           </a:xfrm>
           <a:prstGeom prst="roundRect">
             <a:avLst/>
@@ -3395,7 +3422,7 @@
           </a:fontRef>
         </p:style>
         <p:txBody>
-          <a:bodyPr rtlCol="0" anchor="ctr"/>
+          <a:bodyPr lIns="86978" tIns="43489" rIns="86978" bIns="43489" rtlCol="0" anchor="ctr"/>
           <a:lstStyle/>
           <a:p>
             <a:pPr algn="ctr"/>
@@ -3427,8 +3454,8 @@
         </p:nvSpPr>
         <p:spPr>
           <a:xfrm>
-            <a:off x="914400" y="9144000"/>
-            <a:ext cx="14630400" cy="16459200"/>
+            <a:off x="840758" y="8915466"/>
+            <a:ext cx="13452122" cy="16047839"/>
           </a:xfrm>
           <a:prstGeom prst="rect">
             <a:avLst/>
@@ -3455,11 +3482,11 @@
           </a:fontRef>
         </p:style>
         <p:txBody>
-          <a:bodyPr rtlCol="0" anchor="ctr"/>
+          <a:bodyPr lIns="86978" tIns="43489" rIns="86978" bIns="43489" rtlCol="0" anchor="ctr"/>
           <a:lstStyle/>
           <a:p>
             <a:pPr algn="ctr"/>
-            <a:endParaRPr lang="en-US" sz="4500" dirty="0"/>
+            <a:endParaRPr lang="en-US" sz="4300" dirty="0"/>
           </a:p>
         </p:txBody>
       </p:sp>
@@ -3471,8 +3498,8 @@
         </p:nvSpPr>
         <p:spPr>
           <a:xfrm>
-            <a:off x="17373600" y="9144000"/>
-            <a:ext cx="14630400" cy="16459200"/>
+            <a:off x="15974395" y="8915466"/>
+            <a:ext cx="13452122" cy="16047839"/>
           </a:xfrm>
           <a:prstGeom prst="rect">
             <a:avLst/>
@@ -3499,7 +3526,7 @@
           </a:fontRef>
         </p:style>
         <p:txBody>
-          <a:bodyPr rtlCol="0" anchor="ctr"/>
+          <a:bodyPr lIns="86978" tIns="43489" rIns="86978" bIns="43489" rtlCol="0" anchor="ctr"/>
           <a:lstStyle/>
           <a:p>
             <a:pPr algn="ctr"/>
@@ -3515,8 +3542,8 @@
         </p:nvSpPr>
         <p:spPr>
           <a:xfrm>
-            <a:off x="14630400" y="29260800"/>
-            <a:ext cx="17373600" cy="11887200"/>
+            <a:off x="13452122" y="28529492"/>
+            <a:ext cx="15974395" cy="11590106"/>
           </a:xfrm>
           <a:prstGeom prst="rect">
             <a:avLst/>
@@ -3543,7 +3570,7 @@
           </a:fontRef>
         </p:style>
         <p:txBody>
-          <a:bodyPr rtlCol="0" anchor="ctr"/>
+          <a:bodyPr lIns="86978" tIns="43489" rIns="86978" bIns="43489" rtlCol="0" anchor="ctr"/>
           <a:lstStyle/>
           <a:p>
             <a:pPr algn="ctr"/>
@@ -3563,7 +3590,7 @@
           <a:blip r:embed="rId3" cstate="print">
             <a:extLst>
               <a:ext uri="{28A0092B-C50C-407E-A947-70E740481C1C}">
-                <a14:useLocalDpi xmlns:a14="http://schemas.microsoft.com/office/drawing/2010/main" val="0"/>
+                <a14:useLocalDpi xmlns:a14="http://schemas.microsoft.com/office/drawing/2010/main" xmlns="" val="0"/>
               </a:ext>
             </a:extLst>
           </a:blip>
@@ -3574,8 +3601,8 @@
         </p:blipFill>
         <p:spPr bwMode="auto">
           <a:xfrm>
-            <a:off x="13716000" y="41662350"/>
-            <a:ext cx="4781550" cy="1645522"/>
+            <a:off x="13304837" y="40599519"/>
+            <a:ext cx="4396462" cy="1604396"/>
           </a:xfrm>
           <a:prstGeom prst="rect">
             <a:avLst/>
@@ -3586,14 +3613,14 @@
           </a:ln>
           <a:extLst>
             <a:ext uri="{909E8E84-426E-40DD-AFC4-6F175D3DCCD1}">
-              <a14:hiddenFill xmlns:a14="http://schemas.microsoft.com/office/drawing/2010/main">
+              <a14:hiddenFill xmlns:a14="http://schemas.microsoft.com/office/drawing/2010/main" xmlns="">
                 <a:solidFill>
                   <a:schemeClr val="accent1"/>
                 </a:solidFill>
               </a14:hiddenFill>
             </a:ext>
             <a:ext uri="{91240B29-F687-4F45-9708-019B960494DF}">
-              <a14:hiddenLine xmlns:a14="http://schemas.microsoft.com/office/drawing/2010/main" w="9525">
+              <a14:hiddenLine xmlns:a14="http://schemas.microsoft.com/office/drawing/2010/main" xmlns="" w="9525">
                 <a:solidFill>
                   <a:schemeClr val="tx1"/>
                 </a:solidFill>
@@ -3613,8 +3640,8 @@
         </p:nvSpPr>
         <p:spPr>
           <a:xfrm>
-            <a:off x="914400" y="9144000"/>
-            <a:ext cx="14630400" cy="9941183"/>
+            <a:off x="840758" y="8915467"/>
+            <a:ext cx="13452122" cy="9444235"/>
           </a:xfrm>
           <a:prstGeom prst="rect">
             <a:avLst/>
@@ -3622,27 +3649,27 @@
           <a:noFill/>
         </p:spPr>
         <p:txBody>
-          <a:bodyPr wrap="square" rtlCol="0">
+          <a:bodyPr wrap="square" lIns="86978" tIns="43489" rIns="86978" bIns="43489" rtlCol="0">
             <a:spAutoFit/>
           </a:bodyPr>
           <a:lstStyle/>
           <a:p>
             <a:r>
-              <a:rPr lang="en-US" sz="4000" dirty="0" smtClean="0">
+              <a:rPr lang="en-US" sz="3800" dirty="0" smtClean="0">
                 <a:latin typeface="Arial" panose="020B0604020202020204" pitchFamily="34" charset="0"/>
                 <a:cs typeface="Arial" panose="020B0604020202020204" pitchFamily="34" charset="0"/>
               </a:rPr>
               <a:t>      In the modern day, airplanes are a frequently-used means of transportation. However, due to many different factors, such as weather, restricted areas, and </a:t>
             </a:r>
             <a:r>
-              <a:rPr lang="en-US" sz="4000" dirty="0" err="1" smtClean="0">
+              <a:rPr lang="en-US" sz="3800" dirty="0" err="1" smtClean="0">
                 <a:latin typeface="Arial" panose="020B0604020202020204" pitchFamily="34" charset="0"/>
                 <a:cs typeface="Arial" panose="020B0604020202020204" pitchFamily="34" charset="0"/>
               </a:rPr>
               <a:t>jetstreams</a:t>
             </a:r>
             <a:r>
-              <a:rPr lang="en-US" sz="4000" dirty="0" smtClean="0">
+              <a:rPr lang="en-US" sz="3800" dirty="0" smtClean="0">
                 <a:latin typeface="Arial" panose="020B0604020202020204" pitchFamily="34" charset="0"/>
                 <a:cs typeface="Arial" panose="020B0604020202020204" pitchFamily="34" charset="0"/>
               </a:rPr>
@@ -3651,7 +3678,7 @@
           </a:p>
           <a:p>
             <a:r>
-              <a:rPr lang="en-US" sz="4000" dirty="0" smtClean="0">
+              <a:rPr lang="en-US" sz="3800" dirty="0" smtClean="0">
                 <a:latin typeface="Arial" panose="020B0604020202020204" pitchFamily="34" charset="0"/>
                 <a:cs typeface="Arial" panose="020B0604020202020204" pitchFamily="34" charset="0"/>
               </a:rPr>
@@ -3660,46 +3687,46 @@
           </a:p>
           <a:p>
             <a:r>
-              <a:rPr lang="en-US" sz="4000" dirty="0">
+              <a:rPr lang="en-US" sz="3800" dirty="0">
                 <a:latin typeface="Arial" panose="020B0604020202020204" pitchFamily="34" charset="0"/>
                 <a:cs typeface="Arial" panose="020B0604020202020204" pitchFamily="34" charset="0"/>
               </a:rPr>
               <a:t> </a:t>
             </a:r>
             <a:r>
-              <a:rPr lang="en-US" sz="4000" dirty="0" smtClean="0">
+              <a:rPr lang="en-US" sz="3800" dirty="0" smtClean="0">
                 <a:latin typeface="Arial" panose="020B0604020202020204" pitchFamily="34" charset="0"/>
                 <a:cs typeface="Arial" panose="020B0604020202020204" pitchFamily="34" charset="0"/>
               </a:rPr>
               <a:t>    Our task consists of using data obtained from previous flights to try and find optimal paths and conditions (e.g. speed, altitude) for new flights to take.</a:t>
             </a:r>
-            <a:endParaRPr lang="en-US" sz="4000" dirty="0">
+            <a:endParaRPr lang="en-US" sz="3800" dirty="0">
               <a:latin typeface="Arial" panose="020B0604020202020204" pitchFamily="34" charset="0"/>
               <a:cs typeface="Arial" panose="020B0604020202020204" pitchFamily="34" charset="0"/>
             </a:endParaRPr>
           </a:p>
           <a:p>
-            <a:endParaRPr lang="en-US" sz="4000" dirty="0" smtClean="0">
+            <a:endParaRPr lang="en-US" sz="3800" dirty="0" smtClean="0">
               <a:latin typeface="Arial" panose="020B0604020202020204" pitchFamily="34" charset="0"/>
               <a:cs typeface="Arial" panose="020B0604020202020204" pitchFamily="34" charset="0"/>
             </a:endParaRPr>
           </a:p>
           <a:p>
             <a:r>
-              <a:rPr lang="en-US" sz="4000" dirty="0">
+              <a:rPr lang="en-US" sz="3800" dirty="0">
                 <a:latin typeface="Arial" panose="020B0604020202020204" pitchFamily="34" charset="0"/>
                 <a:cs typeface="Arial" panose="020B0604020202020204" pitchFamily="34" charset="0"/>
               </a:rPr>
               <a:t> </a:t>
             </a:r>
             <a:r>
-              <a:rPr lang="en-US" sz="4000" dirty="0" smtClean="0">
+              <a:rPr lang="en-US" sz="3800" dirty="0" smtClean="0">
                 <a:latin typeface="Arial" panose="020B0604020202020204" pitchFamily="34" charset="0"/>
                 <a:cs typeface="Arial" panose="020B0604020202020204" pitchFamily="34" charset="0"/>
               </a:rPr>
               <a:t>    Our motivation for undertaking this task came from searching for something that would both challenge us to use what we learned in innovative ways and would have an impact on people’s lives. </a:t>
             </a:r>
-            <a:endParaRPr lang="en-US" sz="4000" dirty="0">
+            <a:endParaRPr lang="en-US" sz="3800" dirty="0">
               <a:latin typeface="Arial" panose="020B0604020202020204" pitchFamily="34" charset="0"/>
               <a:cs typeface="Arial" panose="020B0604020202020204" pitchFamily="34" charset="0"/>
             </a:endParaRPr>
@@ -3714,8 +3741,8 @@
         </p:nvSpPr>
         <p:spPr>
           <a:xfrm>
-            <a:off x="17373600" y="9144000"/>
-            <a:ext cx="14630400" cy="10064294"/>
+            <a:off x="15974395" y="8915466"/>
+            <a:ext cx="13452122" cy="9505790"/>
           </a:xfrm>
           <a:prstGeom prst="rect">
             <a:avLst/>
@@ -3723,13 +3750,13 @@
           <a:noFill/>
         </p:spPr>
         <p:txBody>
-          <a:bodyPr wrap="square" rtlCol="0">
+          <a:bodyPr wrap="square" lIns="86978" tIns="43489" rIns="86978" bIns="43489" rtlCol="0">
             <a:spAutoFit/>
           </a:bodyPr>
           <a:lstStyle/>
           <a:p>
             <a:r>
-              <a:rPr lang="en-US" sz="3600" dirty="0" smtClean="0">
+              <a:rPr lang="en-US" sz="3400" dirty="0" smtClean="0">
                 <a:latin typeface="Arial" panose="020B0604020202020204" pitchFamily="34" charset="0"/>
                 <a:cs typeface="Arial" panose="020B0604020202020204" pitchFamily="34" charset="0"/>
               </a:rPr>
@@ -3737,14 +3764,14 @@
             </a:r>
           </a:p>
           <a:p>
-            <a:endParaRPr lang="en-US" sz="3600" dirty="0">
+            <a:endParaRPr lang="en-US" sz="3400" dirty="0">
               <a:latin typeface="Arial" panose="020B0604020202020204" pitchFamily="34" charset="0"/>
               <a:cs typeface="Arial" panose="020B0604020202020204" pitchFamily="34" charset="0"/>
             </a:endParaRPr>
           </a:p>
           <a:p>
             <a:r>
-              <a:rPr lang="en-US" sz="3600" dirty="0" smtClean="0">
+              <a:rPr lang="en-US" sz="3400" dirty="0" smtClean="0">
                 <a:latin typeface="Arial" panose="020B0604020202020204" pitchFamily="34" charset="0"/>
                 <a:cs typeface="Arial" panose="020B0604020202020204" pitchFamily="34" charset="0"/>
               </a:rPr>
@@ -3752,20 +3779,20 @@
             </a:r>
           </a:p>
           <a:p>
-            <a:endParaRPr lang="en-US" sz="3600" dirty="0">
+            <a:endParaRPr lang="en-US" sz="3400" dirty="0">
               <a:latin typeface="Arial" panose="020B0604020202020204" pitchFamily="34" charset="0"/>
               <a:cs typeface="Arial" panose="020B0604020202020204" pitchFamily="34" charset="0"/>
             </a:endParaRPr>
           </a:p>
           <a:p>
             <a:r>
-              <a:rPr lang="en-US" sz="3600" dirty="0" smtClean="0">
+              <a:rPr lang="en-US" sz="3400" dirty="0" smtClean="0">
                 <a:latin typeface="Arial" panose="020B0604020202020204" pitchFamily="34" charset="0"/>
                 <a:cs typeface="Arial" panose="020B0604020202020204" pitchFamily="34" charset="0"/>
               </a:rPr>
               <a:t>     Afterwards, we focused on finding optimal speeds and altitudes for segments of the flight path in order to find the best balance between fuel consumption and arrival time. In order to do this, we would need to first find the features that would be significant enough to train on and then train our data using a regression model.</a:t>
             </a:r>
-            <a:endParaRPr lang="en-US" sz="3600" dirty="0">
+            <a:endParaRPr lang="en-US" sz="3400" dirty="0">
               <a:latin typeface="Arial" panose="020B0604020202020204" pitchFamily="34" charset="0"/>
               <a:cs typeface="Arial" panose="020B0604020202020204" pitchFamily="34" charset="0"/>
             </a:endParaRPr>
@@ -3781,10 +3808,10 @@
           <p:nvPr/>
         </p:nvPicPr>
         <p:blipFill>
-          <a:blip r:embed="rId4">
+          <a:blip r:embed="rId4" cstate="print">
             <a:extLst>
               <a:ext uri="{28A0092B-C50C-407E-A947-70E740481C1C}">
-                <a14:useLocalDpi xmlns:a14="http://schemas.microsoft.com/office/drawing/2010/main" val="0"/>
+                <a14:useLocalDpi xmlns:a14="http://schemas.microsoft.com/office/drawing/2010/main" xmlns="" val="0"/>
               </a:ext>
             </a:extLst>
           </a:blip>
@@ -3795,8 +3822,8 @@
         </p:blipFill>
         <p:spPr bwMode="auto">
           <a:xfrm>
-            <a:off x="17573625" y="11144251"/>
-            <a:ext cx="3857625" cy="4800599"/>
+            <a:off x="16158311" y="10865726"/>
+            <a:ext cx="3546946" cy="4680619"/>
           </a:xfrm>
           <a:prstGeom prst="rect">
             <a:avLst/>
@@ -3807,14 +3834,14 @@
           </a:ln>
           <a:extLst>
             <a:ext uri="{909E8E84-426E-40DD-AFC4-6F175D3DCCD1}">
-              <a14:hiddenFill xmlns:a14="http://schemas.microsoft.com/office/drawing/2010/main">
+              <a14:hiddenFill xmlns:a14="http://schemas.microsoft.com/office/drawing/2010/main" xmlns="">
                 <a:solidFill>
                   <a:schemeClr val="accent1"/>
                 </a:solidFill>
               </a14:hiddenFill>
             </a:ext>
             <a:ext uri="{91240B29-F687-4F45-9708-019B960494DF}">
-              <a14:hiddenLine xmlns:a14="http://schemas.microsoft.com/office/drawing/2010/main" w="9525">
+              <a14:hiddenLine xmlns:a14="http://schemas.microsoft.com/office/drawing/2010/main" xmlns="" w="9525">
                 <a:solidFill>
                   <a:schemeClr val="tx1"/>
                 </a:solidFill>
@@ -3834,8 +3861,8 @@
         </p:nvSpPr>
         <p:spPr>
           <a:xfrm>
-            <a:off x="914400" y="29260800"/>
-            <a:ext cx="31089600" cy="646331"/>
+            <a:off x="840758" y="28529493"/>
+            <a:ext cx="28585760" cy="630177"/>
           </a:xfrm>
           <a:prstGeom prst="rect">
             <a:avLst/>
@@ -3843,16 +3870,16 @@
           <a:noFill/>
         </p:spPr>
         <p:txBody>
-          <a:bodyPr wrap="square" rtlCol="0">
+          <a:bodyPr wrap="square" lIns="86978" tIns="43489" rIns="86978" bIns="43489" rtlCol="0">
             <a:spAutoFit/>
           </a:bodyPr>
           <a:lstStyle/>
           <a:p>
             <a:r>
-              <a:rPr lang="en-US" sz="3600" dirty="0" smtClean="0"/>
+              <a:rPr lang="en-US" sz="3400" dirty="0" smtClean="0"/>
               <a:t>     </a:t>
             </a:r>
-            <a:endParaRPr lang="en-US" sz="3600" dirty="0"/>
+            <a:endParaRPr lang="en-US" sz="3400" dirty="0"/>
           </a:p>
         </p:txBody>
       </p:sp>
@@ -3865,14 +3892,14 @@
           <p:nvPr>
             <p:extLst>
               <p:ext uri="{D42A27DB-BD31-4B8C-83A1-F6EECF244321}">
-                <p14:modId xmlns:p14="http://schemas.microsoft.com/office/powerpoint/2010/main" val="542667089"/>
+                <p14:modId xmlns:p14="http://schemas.microsoft.com/office/powerpoint/2010/main" xmlns="" val="542667089"/>
               </p:ext>
             </p:extLst>
           </p:nvPr>
         </p:nvGraphicFramePr>
         <p:xfrm>
-          <a:off x="914400" y="29260800"/>
-          <a:ext cx="12801600" cy="11887197"/>
+          <a:off x="840758" y="28529494"/>
+          <a:ext cx="12464080" cy="11489203"/>
         </p:xfrm>
         <a:graphic>
           <a:graphicData uri="http://schemas.openxmlformats.org/drawingml/2006/table">
@@ -3881,11 +3908,11 @@
                 <a:tableStyleId>{2A488322-F2BA-4B5B-9748-0D474271808F}</a:tableStyleId>
               </a:tblPr>
               <a:tblGrid>
-                <a:gridCol w="4572000"/>
-                <a:gridCol w="4572000"/>
-                <a:gridCol w="3657600"/>
+                <a:gridCol w="4451457"/>
+                <a:gridCol w="4451457"/>
+                <a:gridCol w="3561166"/>
               </a:tblGrid>
-              <a:tr h="874059">
+              <a:tr h="775513">
                 <a:tc>
                   <a:txBody>
                     <a:bodyPr/>
@@ -3893,21 +3920,21 @@
                     <a:p>
                       <a:pPr algn="ctr"/>
                       <a:r>
-                        <a:rPr lang="en-US" sz="4400" b="1" dirty="0" smtClean="0">
+                        <a:rPr lang="en-US" sz="4300" b="1" dirty="0" smtClean="0">
                           <a:solidFill>
                             <a:schemeClr val="tx1"/>
                           </a:solidFill>
                         </a:rPr>
                         <a:t>Method</a:t>
                       </a:r>
-                      <a:endParaRPr lang="en-US" sz="4400" b="1" dirty="0">
+                      <a:endParaRPr lang="en-US" sz="4300" b="1" dirty="0">
                         <a:solidFill>
                           <a:schemeClr val="tx1"/>
                         </a:solidFill>
                       </a:endParaRPr>
                     </a:p>
                   </a:txBody>
-                  <a:tcPr>
+                  <a:tcPr marL="84076" marR="84076" marT="44577" marB="44577">
                     <a:lnL w="12700" cap="flat" cmpd="sng" algn="ctr">
                       <a:noFill/>
                       <a:prstDash val="solid"/>
@@ -3945,21 +3972,21 @@
                     <a:p>
                       <a:pPr algn="ctr"/>
                       <a:r>
-                        <a:rPr lang="en-US" sz="4400" b="1" dirty="0" smtClean="0">
+                        <a:rPr lang="en-US" sz="4300" b="1" dirty="0" smtClean="0">
                           <a:solidFill>
                             <a:schemeClr val="tx1"/>
                           </a:solidFill>
                         </a:rPr>
                         <a:t>Features Used</a:t>
                       </a:r>
-                      <a:endParaRPr lang="en-US" sz="4400" b="1" dirty="0">
+                      <a:endParaRPr lang="en-US" sz="4300" b="1" dirty="0">
                         <a:solidFill>
                           <a:schemeClr val="tx1"/>
                         </a:solidFill>
                       </a:endParaRPr>
                     </a:p>
                   </a:txBody>
-                  <a:tcPr>
+                  <a:tcPr marL="84076" marR="84076" marT="44577" marB="44577">
                     <a:lnL w="12700" cap="flat" cmpd="sng" algn="ctr">
                       <a:noFill/>
                       <a:prstDash val="solid"/>
@@ -3997,21 +4024,21 @@
                     <a:p>
                       <a:pPr algn="ctr"/>
                       <a:r>
-                        <a:rPr lang="en-US" sz="4400" b="1" dirty="0" smtClean="0">
+                        <a:rPr lang="en-US" sz="4300" b="1" dirty="0" smtClean="0">
                           <a:solidFill>
                             <a:schemeClr val="tx1"/>
                           </a:solidFill>
                         </a:rPr>
                         <a:t>Cost</a:t>
                       </a:r>
-                      <a:endParaRPr lang="en-US" sz="4400" b="1" dirty="0">
+                      <a:endParaRPr lang="en-US" sz="4300" b="1" dirty="0">
                         <a:solidFill>
                           <a:schemeClr val="tx1"/>
                         </a:solidFill>
                       </a:endParaRPr>
                     </a:p>
                   </a:txBody>
-                  <a:tcPr>
+                  <a:tcPr marL="84076" marR="84076" marT="44577" marB="44577">
                     <a:lnL w="12700" cap="flat" cmpd="sng" algn="ctr">
                       <a:noFill/>
                       <a:prstDash val="solid"/>
@@ -4043,7 +4070,7 @@
                   </a:tcPr>
                 </a:tc>
               </a:tr>
-              <a:tr h="1223682">
+              <a:tr h="1085718">
                 <a:tc>
                   <a:txBody>
                     <a:bodyPr/>
@@ -4051,13 +4078,13 @@
                     <a:p>
                       <a:pPr algn="ctr"/>
                       <a:r>
-                        <a:rPr lang="en-US" sz="4400" b="1" dirty="0" smtClean="0"/>
+                        <a:rPr lang="en-US" sz="4300" b="1" dirty="0" smtClean="0"/>
                         <a:t>Baseline</a:t>
                       </a:r>
-                      <a:endParaRPr lang="en-US" sz="4400" b="1" dirty="0"/>
+                      <a:endParaRPr lang="en-US" sz="4300" b="1" dirty="0"/>
                     </a:p>
                   </a:txBody>
-                  <a:tcPr>
+                  <a:tcPr marL="84076" marR="84076" marT="44577" marB="44577">
                     <a:lnL w="12700" cap="flat" cmpd="sng" algn="ctr">
                       <a:noFill/>
                       <a:prstDash val="solid"/>
@@ -4095,13 +4122,13 @@
                     <a:p>
                       <a:pPr algn="ctr"/>
                       <a:r>
-                        <a:rPr lang="en-US" sz="4400" b="1" dirty="0" smtClean="0"/>
+                        <a:rPr lang="en-US" sz="4300" b="1" dirty="0" smtClean="0"/>
                         <a:t>None</a:t>
                       </a:r>
-                      <a:endParaRPr lang="en-US" sz="4400" b="1" dirty="0"/>
+                      <a:endParaRPr lang="en-US" sz="4300" b="1" dirty="0"/>
                     </a:p>
                   </a:txBody>
-                  <a:tcPr>
+                  <a:tcPr marL="84076" marR="84076" marT="44577" marB="44577">
                     <a:lnL w="12700" cap="flat" cmpd="sng" algn="ctr">
                       <a:noFill/>
                       <a:prstDash val="solid"/>
@@ -4138,10 +4165,10 @@
                     <a:lstStyle/>
                     <a:p>
                       <a:pPr algn="ctr"/>
-                      <a:endParaRPr lang="en-US" sz="4400" b="1" dirty="0"/>
+                      <a:endParaRPr lang="en-US" sz="4300" b="1" dirty="0"/>
                     </a:p>
                   </a:txBody>
-                  <a:tcPr>
+                  <a:tcPr marL="84076" marR="84076" marT="44577" marB="44577">
                     <a:lnL w="12700" cap="flat" cmpd="sng" algn="ctr">
                       <a:noFill/>
                       <a:prstDash val="solid"/>
@@ -4173,7 +4200,7 @@
                   </a:tcPr>
                 </a:tc>
               </a:tr>
-              <a:tr h="1223682">
+              <a:tr h="1288602">
                 <a:tc>
                   <a:txBody>
                     <a:bodyPr/>
@@ -4181,13 +4208,13 @@
                     <a:p>
                       <a:pPr algn="ctr"/>
                       <a:r>
-                        <a:rPr lang="en-US" sz="4400" b="1" dirty="0" smtClean="0"/>
-                        <a:t>A* Area Avoidance</a:t>
+                        <a:rPr lang="en-US" sz="4300" b="1" dirty="0" smtClean="0"/>
+                        <a:t>Gradient boosted naïve</a:t>
                       </a:r>
-                      <a:endParaRPr lang="en-US" sz="4400" b="1" dirty="0"/>
+                      <a:endParaRPr lang="en-US" sz="4300" b="1" dirty="0"/>
                     </a:p>
                   </a:txBody>
-                  <a:tcPr>
+                  <a:tcPr marL="84076" marR="84076" marT="44577" marB="44577">
                     <a:lnL w="12700" cap="flat" cmpd="sng" algn="ctr">
                       <a:noFill/>
                       <a:prstDash val="solid"/>
@@ -4224,14 +4251,10 @@
                     <a:lstStyle/>
                     <a:p>
                       <a:pPr algn="ctr"/>
-                      <a:r>
-                        <a:rPr lang="en-US" sz="4400" b="1" dirty="0" smtClean="0"/>
-                        <a:t>None</a:t>
-                      </a:r>
-                      <a:endParaRPr lang="en-US" sz="4400" b="1" dirty="0"/>
+                      <a:endParaRPr lang="en-US" sz="4300" b="1" dirty="0"/>
                     </a:p>
                   </a:txBody>
-                  <a:tcPr>
+                  <a:tcPr marL="84076" marR="84076" marT="44577" marB="44577">
                     <a:lnL w="12700" cap="flat" cmpd="sng" algn="ctr">
                       <a:noFill/>
                       <a:prstDash val="solid"/>
@@ -4268,10 +4291,10 @@
                     <a:lstStyle/>
                     <a:p>
                       <a:pPr algn="ctr"/>
-                      <a:endParaRPr lang="en-US" sz="4400" b="1" dirty="0"/>
+                      <a:endParaRPr lang="en-US" sz="4300" b="1" dirty="0"/>
                     </a:p>
                   </a:txBody>
-                  <a:tcPr>
+                  <a:tcPr marL="84076" marR="84076" marT="44577" marB="44577">
                     <a:lnL w="12700" cap="flat" cmpd="sng" algn="ctr">
                       <a:noFill/>
                       <a:prstDash val="solid"/>
@@ -4311,17 +4334,21 @@
                   </a:tcPr>
                 </a:tc>
               </a:tr>
-              <a:tr h="1223682">
+              <a:tr h="1288602">
                 <a:tc>
                   <a:txBody>
                     <a:bodyPr/>
                     <a:lstStyle/>
                     <a:p>
                       <a:pPr algn="ctr"/>
-                      <a:endParaRPr lang="en-US" sz="4400" b="1" dirty="0"/>
+                      <a:r>
+                        <a:rPr lang="en-US" sz="4300" b="1" dirty="0" smtClean="0"/>
+                        <a:t>Gradient boosted A*</a:t>
+                      </a:r>
+                      <a:endParaRPr lang="en-US" sz="4300" b="1" dirty="0"/>
                     </a:p>
                   </a:txBody>
-                  <a:tcPr>
+                  <a:tcPr marL="84076" marR="84076" marT="44577" marB="44577">
                     <a:lnL w="12700" cap="flat" cmpd="sng" algn="ctr">
                       <a:noFill/>
                       <a:prstDash val="solid"/>
@@ -4358,10 +4385,10 @@
                     <a:lstStyle/>
                     <a:p>
                       <a:pPr algn="ctr"/>
-                      <a:endParaRPr lang="en-US" sz="4400" b="1" dirty="0"/>
+                      <a:endParaRPr lang="en-US" sz="4300" b="1" dirty="0"/>
                     </a:p>
                   </a:txBody>
-                  <a:tcPr>
+                  <a:tcPr marL="84076" marR="84076" marT="44577" marB="44577">
                     <a:lnL w="12700" cap="flat" cmpd="sng" algn="ctr">
                       <a:noFill/>
                       <a:prstDash val="solid"/>
@@ -4398,10 +4425,10 @@
                     <a:lstStyle/>
                     <a:p>
                       <a:pPr algn="ctr"/>
-                      <a:endParaRPr lang="en-US" sz="4400" b="1" dirty="0"/>
+                      <a:endParaRPr lang="en-US" sz="4300" b="1" dirty="0"/>
                     </a:p>
                   </a:txBody>
-                  <a:tcPr>
+                  <a:tcPr marL="84076" marR="84076" marT="44577" marB="44577">
                     <a:lnL w="12700" cap="flat" cmpd="sng" algn="ctr">
                       <a:noFill/>
                       <a:prstDash val="solid"/>
@@ -4433,17 +4460,21 @@
                   </a:tcPr>
                 </a:tc>
               </a:tr>
-              <a:tr h="1223682">
+              <a:tr h="1288602">
                 <a:tc>
                   <a:txBody>
                     <a:bodyPr/>
                     <a:lstStyle/>
                     <a:p>
                       <a:pPr algn="ctr"/>
-                      <a:endParaRPr lang="en-US" sz="4400" b="1" dirty="0"/>
+                      <a:r>
+                        <a:rPr lang="en-US" sz="4300" b="1" dirty="0" smtClean="0"/>
+                        <a:t>Gradient booster 32-split A*</a:t>
+                      </a:r>
+                      <a:endParaRPr lang="en-US" sz="4300" b="1" dirty="0"/>
                     </a:p>
                   </a:txBody>
-                  <a:tcPr>
+                  <a:tcPr marL="84076" marR="84076" marT="44577" marB="44577">
                     <a:lnL w="12700" cap="flat" cmpd="sng" algn="ctr">
                       <a:noFill/>
                       <a:prstDash val="solid"/>
@@ -4480,10 +4511,10 @@
                     <a:lstStyle/>
                     <a:p>
                       <a:pPr algn="ctr"/>
-                      <a:endParaRPr lang="en-US" sz="4400" b="1" dirty="0"/>
+                      <a:endParaRPr lang="en-US" sz="4300" b="1" dirty="0"/>
                     </a:p>
                   </a:txBody>
-                  <a:tcPr>
+                  <a:tcPr marL="84076" marR="84076" marT="44577" marB="44577">
                     <a:lnL w="12700" cap="flat" cmpd="sng" algn="ctr">
                       <a:noFill/>
                       <a:prstDash val="solid"/>
@@ -4520,10 +4551,10 @@
                     <a:lstStyle/>
                     <a:p>
                       <a:pPr algn="ctr"/>
-                      <a:endParaRPr lang="en-US" sz="4400" b="1" dirty="0"/>
+                      <a:endParaRPr lang="en-US" sz="4300" b="1" dirty="0"/>
                     </a:p>
                   </a:txBody>
-                  <a:tcPr>
+                  <a:tcPr marL="84076" marR="84076" marT="44577" marB="44577">
                     <a:lnL w="12700" cap="flat" cmpd="sng" algn="ctr">
                       <a:noFill/>
                       <a:prstDash val="solid"/>
@@ -4555,17 +4586,21 @@
                   </a:tcPr>
                 </a:tc>
               </a:tr>
-              <a:tr h="1223682">
+              <a:tr h="1085718">
                 <a:tc>
                   <a:txBody>
                     <a:bodyPr/>
                     <a:lstStyle/>
                     <a:p>
                       <a:pPr algn="ctr"/>
-                      <a:endParaRPr lang="en-US" sz="4400" b="1" dirty="0"/>
+                      <a:r>
+                        <a:rPr lang="en-US" sz="4300" b="1" dirty="0" err="1" smtClean="0"/>
+                        <a:t>RandomForest</a:t>
+                      </a:r>
+                      <a:endParaRPr lang="en-US" sz="4300" b="1" dirty="0"/>
                     </a:p>
                   </a:txBody>
-                  <a:tcPr>
+                  <a:tcPr marL="84076" marR="84076" marT="44577" marB="44577">
                     <a:lnL w="12700" cap="flat" cmpd="sng" algn="ctr">
                       <a:noFill/>
                       <a:prstDash val="solid"/>
@@ -4602,10 +4637,10 @@
                     <a:lstStyle/>
                     <a:p>
                       <a:pPr algn="ctr"/>
-                      <a:endParaRPr lang="en-US" sz="4400" b="1" dirty="0"/>
+                      <a:endParaRPr lang="en-US" sz="4300" b="1" dirty="0"/>
                     </a:p>
                   </a:txBody>
-                  <a:tcPr>
+                  <a:tcPr marL="84076" marR="84076" marT="44577" marB="44577">
                     <a:lnL w="12700" cap="flat" cmpd="sng" algn="ctr">
                       <a:noFill/>
                       <a:prstDash val="solid"/>
@@ -4642,10 +4677,10 @@
                     <a:lstStyle/>
                     <a:p>
                       <a:pPr algn="ctr"/>
-                      <a:endParaRPr lang="en-US" sz="4400" b="1" dirty="0"/>
+                      <a:endParaRPr lang="en-US" sz="4300" b="1" dirty="0"/>
                     </a:p>
                   </a:txBody>
-                  <a:tcPr>
+                  <a:tcPr marL="84076" marR="84076" marT="44577" marB="44577">
                     <a:lnL w="12700" cap="flat" cmpd="sng" algn="ctr">
                       <a:noFill/>
                       <a:prstDash val="solid"/>
@@ -4677,17 +4712,21 @@
                   </a:tcPr>
                 </a:tc>
               </a:tr>
-              <a:tr h="1223682">
+              <a:tr h="1085718">
                 <a:tc>
                   <a:txBody>
                     <a:bodyPr/>
                     <a:lstStyle/>
                     <a:p>
                       <a:pPr algn="ctr"/>
-                      <a:endParaRPr lang="en-US" sz="4400" b="1" dirty="0"/>
+                      <a:r>
+                        <a:rPr lang="en-US" sz="4300" b="1" dirty="0" err="1" smtClean="0"/>
+                        <a:t>kNN</a:t>
+                      </a:r>
+                      <a:endParaRPr lang="en-US" sz="4300" b="1" dirty="0"/>
                     </a:p>
                   </a:txBody>
-                  <a:tcPr>
+                  <a:tcPr marL="84076" marR="84076" marT="44577" marB="44577">
                     <a:lnL w="12700" cap="flat" cmpd="sng" algn="ctr">
                       <a:noFill/>
                       <a:prstDash val="solid"/>
@@ -4724,10 +4763,10 @@
                     <a:lstStyle/>
                     <a:p>
                       <a:pPr algn="ctr"/>
-                      <a:endParaRPr lang="en-US" sz="4400" b="1" dirty="0"/>
+                      <a:endParaRPr lang="en-US" sz="4300" b="1" dirty="0"/>
                     </a:p>
                   </a:txBody>
-                  <a:tcPr>
+                  <a:tcPr marL="84076" marR="84076" marT="44577" marB="44577">
                     <a:lnL w="12700" cap="flat" cmpd="sng" algn="ctr">
                       <a:noFill/>
                       <a:prstDash val="solid"/>
@@ -4764,10 +4803,10 @@
                     <a:lstStyle/>
                     <a:p>
                       <a:pPr algn="ctr"/>
-                      <a:endParaRPr lang="en-US" sz="4400" b="1" dirty="0"/>
+                      <a:endParaRPr lang="en-US" sz="4300" b="1" dirty="0"/>
                     </a:p>
                   </a:txBody>
-                  <a:tcPr>
+                  <a:tcPr marL="84076" marR="84076" marT="44577" marB="44577">
                     <a:lnL w="12700" cap="flat" cmpd="sng" algn="ctr">
                       <a:noFill/>
                       <a:prstDash val="solid"/>
@@ -4799,17 +4838,17 @@
                   </a:tcPr>
                 </a:tc>
               </a:tr>
-              <a:tr h="1223682">
+              <a:tr h="1085718">
                 <a:tc>
                   <a:txBody>
                     <a:bodyPr/>
                     <a:lstStyle/>
                     <a:p>
                       <a:pPr algn="ctr"/>
-                      <a:endParaRPr lang="en-US" sz="4400" b="1" dirty="0"/>
+                      <a:endParaRPr lang="en-US" sz="4300" b="1" dirty="0"/>
                     </a:p>
                   </a:txBody>
-                  <a:tcPr>
+                  <a:tcPr marL="84076" marR="84076" marT="44577" marB="44577">
                     <a:lnL w="12700" cap="flat" cmpd="sng" algn="ctr">
                       <a:noFill/>
                       <a:prstDash val="solid"/>
@@ -4846,10 +4885,10 @@
                     <a:lstStyle/>
                     <a:p>
                       <a:pPr algn="ctr"/>
-                      <a:endParaRPr lang="en-US" sz="4400" b="1" dirty="0"/>
+                      <a:endParaRPr lang="en-US" sz="4300" b="1" dirty="0"/>
                     </a:p>
                   </a:txBody>
-                  <a:tcPr>
+                  <a:tcPr marL="84076" marR="84076" marT="44577" marB="44577">
                     <a:lnL w="12700" cap="flat" cmpd="sng" algn="ctr">
                       <a:noFill/>
                       <a:prstDash val="solid"/>
@@ -4886,10 +4925,10 @@
                     <a:lstStyle/>
                     <a:p>
                       <a:pPr algn="ctr"/>
-                      <a:endParaRPr lang="en-US" sz="4400" b="1" dirty="0"/>
+                      <a:endParaRPr lang="en-US" sz="4300" b="1" dirty="0"/>
                     </a:p>
                   </a:txBody>
-                  <a:tcPr>
+                  <a:tcPr marL="84076" marR="84076" marT="44577" marB="44577">
                     <a:lnL w="12700" cap="flat" cmpd="sng" algn="ctr">
                       <a:noFill/>
                       <a:prstDash val="solid"/>
@@ -4921,17 +4960,17 @@
                   </a:tcPr>
                 </a:tc>
               </a:tr>
-              <a:tr h="1223682">
+              <a:tr h="1085718">
                 <a:tc>
                   <a:txBody>
                     <a:bodyPr/>
                     <a:lstStyle/>
                     <a:p>
                       <a:pPr algn="ctr"/>
-                      <a:endParaRPr lang="en-US" sz="4400" b="1" dirty="0"/>
+                      <a:endParaRPr lang="en-US" sz="4300" b="1" dirty="0"/>
                     </a:p>
                   </a:txBody>
-                  <a:tcPr>
+                  <a:tcPr marL="84076" marR="84076" marT="44577" marB="44577">
                     <a:lnL w="12700" cap="flat" cmpd="sng" algn="ctr">
                       <a:noFill/>
                       <a:prstDash val="solid"/>
@@ -4968,10 +5007,10 @@
                     <a:lstStyle/>
                     <a:p>
                       <a:pPr algn="ctr"/>
-                      <a:endParaRPr lang="en-US" sz="4400" b="1" dirty="0"/>
+                      <a:endParaRPr lang="en-US" sz="4300" b="1" dirty="0"/>
                     </a:p>
                   </a:txBody>
-                  <a:tcPr>
+                  <a:tcPr marL="84076" marR="84076" marT="44577" marB="44577">
                     <a:lnL w="12700" cap="flat" cmpd="sng" algn="ctr">
                       <a:noFill/>
                       <a:prstDash val="solid"/>
@@ -5008,10 +5047,10 @@
                     <a:lstStyle/>
                     <a:p>
                       <a:pPr algn="ctr"/>
-                      <a:endParaRPr lang="en-US" sz="4400" b="1"/>
+                      <a:endParaRPr lang="en-US" sz="4300" b="1"/>
                     </a:p>
                   </a:txBody>
-                  <a:tcPr>
+                  <a:tcPr marL="84076" marR="84076" marT="44577" marB="44577">
                     <a:lnL w="12700" cap="flat" cmpd="sng" algn="ctr">
                       <a:noFill/>
                       <a:prstDash val="solid"/>
@@ -5043,17 +5082,17 @@
                   </a:tcPr>
                 </a:tc>
               </a:tr>
-              <a:tr h="1223682">
+              <a:tr h="1085718">
                 <a:tc>
                   <a:txBody>
                     <a:bodyPr/>
                     <a:lstStyle/>
                     <a:p>
                       <a:pPr algn="ctr"/>
-                      <a:endParaRPr lang="en-US" sz="4400" b="1"/>
+                      <a:endParaRPr lang="en-US" sz="4300" b="1"/>
                     </a:p>
                   </a:txBody>
-                  <a:tcPr>
+                  <a:tcPr marL="84076" marR="84076" marT="44577" marB="44577">
                     <a:lnL w="12700" cap="flat" cmpd="sng" algn="ctr">
                       <a:noFill/>
                       <a:prstDash val="solid"/>
@@ -5090,10 +5129,10 @@
                     <a:lstStyle/>
                     <a:p>
                       <a:pPr algn="ctr"/>
-                      <a:endParaRPr lang="en-US" sz="4400" b="1" dirty="0"/>
+                      <a:endParaRPr lang="en-US" sz="4300" b="1" dirty="0"/>
                     </a:p>
                   </a:txBody>
-                  <a:tcPr>
+                  <a:tcPr marL="84076" marR="84076" marT="44577" marB="44577">
                     <a:lnL w="12700" cap="flat" cmpd="sng" algn="ctr">
                       <a:noFill/>
                       <a:prstDash val="solid"/>
@@ -5130,10 +5169,10 @@
                     <a:lstStyle/>
                     <a:p>
                       <a:pPr algn="ctr"/>
-                      <a:endParaRPr lang="en-US" sz="4400" b="1" dirty="0"/>
+                      <a:endParaRPr lang="en-US" sz="4300" b="1" dirty="0"/>
                     </a:p>
                   </a:txBody>
-                  <a:tcPr>
+                  <a:tcPr marL="84076" marR="84076" marT="44577" marB="44577">
                     <a:lnL w="12700" cap="flat" cmpd="sng" algn="ctr">
                       <a:noFill/>
                       <a:prstDash val="solid"/>
@@ -5177,8 +5216,8 @@
         </p:nvSpPr>
         <p:spPr>
           <a:xfrm>
-            <a:off x="14630400" y="29260800"/>
-            <a:ext cx="17373600" cy="2554545"/>
+            <a:off x="13452122" y="28529492"/>
+            <a:ext cx="15974395" cy="3596480"/>
           </a:xfrm>
           <a:prstGeom prst="rect">
             <a:avLst/>
@@ -5186,29 +5225,129 @@
           <a:noFill/>
         </p:spPr>
         <p:txBody>
-          <a:bodyPr wrap="square" rtlCol="0">
+          <a:bodyPr wrap="square" lIns="86978" tIns="43489" rIns="86978" bIns="43489" rtlCol="0">
             <a:spAutoFit/>
           </a:bodyPr>
           <a:lstStyle/>
           <a:p>
             <a:r>
-              <a:rPr lang="en-US" sz="4000" dirty="0" smtClean="0">
+              <a:rPr lang="en-US" sz="3800" dirty="0" smtClean="0">
                 <a:latin typeface="Arial" panose="020B0604020202020204" pitchFamily="34" charset="0"/>
                 <a:cs typeface="Arial" panose="020B0604020202020204" pitchFamily="34" charset="0"/>
               </a:rPr>
-              <a:t>     We were provided a cost calculator that determined the total cost accumulated through by all of the test flights that we found paths for. We ran several solutions and compared them to each other, as shown in the table to the left.</a:t>
-            </a:r>
-            <a:endParaRPr lang="en-US" sz="4000" dirty="0">
+              <a:t>     We were provided a cost calculator that determined the total cost accumulated through by all of the test flights that we found paths for. </a:t>
+            </a:r>
+            <a:r>
+              <a:rPr lang="en-US" sz="3800" dirty="0" smtClean="0">
+                <a:latin typeface="Arial" panose="020B0604020202020204" pitchFamily="34" charset="0"/>
+                <a:cs typeface="Arial" panose="020B0604020202020204" pitchFamily="34" charset="0"/>
+              </a:rPr>
+              <a:t>We ran several solutions and compared them to each other, as shown in the table to the left</a:t>
+            </a:r>
+            <a:r>
+              <a:rPr lang="en-US" sz="3800" dirty="0" smtClean="0">
+                <a:latin typeface="Arial" panose="020B0604020202020204" pitchFamily="34" charset="0"/>
+                <a:cs typeface="Arial" panose="020B0604020202020204" pitchFamily="34" charset="0"/>
+              </a:rPr>
+              <a:t>.</a:t>
+            </a:r>
+          </a:p>
+          <a:p>
+            <a:endParaRPr lang="en-US" sz="3800" dirty="0" smtClean="0">
               <a:latin typeface="Arial" panose="020B0604020202020204" pitchFamily="34" charset="0"/>
               <a:cs typeface="Arial" panose="020B0604020202020204" pitchFamily="34" charset="0"/>
             </a:endParaRPr>
           </a:p>
+          <a:p>
+            <a:r>
+              <a:rPr lang="en-US" sz="3800" dirty="0" smtClean="0">
+                <a:latin typeface="Arial" panose="020B0604020202020204" pitchFamily="34" charset="0"/>
+                <a:cs typeface="Arial" panose="020B0604020202020204" pitchFamily="34" charset="0"/>
+              </a:rPr>
+              <a:t>     As we can see, we had the most success using </a:t>
+            </a:r>
+            <a:endParaRPr lang="en-US" sz="3800" dirty="0">
+              <a:latin typeface="Arial" panose="020B0604020202020204" pitchFamily="34" charset="0"/>
+              <a:cs typeface="Arial" panose="020B0604020202020204" pitchFamily="34" charset="0"/>
+            </a:endParaRPr>
+          </a:p>
+        </p:txBody>
+      </p:sp>
+      <p:sp>
+        <p:nvSpPr>
+          <p:cNvPr id="18" name="TextBox 17"/>
+          <p:cNvSpPr txBox="1"/>
+          <p:nvPr/>
+        </p:nvSpPr>
+        <p:spPr>
+          <a:xfrm>
+            <a:off x="1681515" y="3566186"/>
+            <a:ext cx="14292880" cy="672603"/>
+          </a:xfrm>
+          <a:prstGeom prst="rect">
+            <a:avLst/>
+          </a:prstGeom>
+          <a:noFill/>
+        </p:spPr>
+        <p:txBody>
+          <a:bodyPr wrap="square" lIns="86978" tIns="43489" rIns="86978" bIns="43489" rtlCol="0">
+            <a:spAutoFit/>
+          </a:bodyPr>
+          <a:lstStyle/>
+          <a:p>
+            <a:r>
+              <a:rPr lang="en-US" sz="3800" b="1" dirty="0" smtClean="0">
+                <a:latin typeface="Arial" pitchFamily="34" charset="0"/>
+                <a:cs typeface="Arial" pitchFamily="34" charset="0"/>
+              </a:rPr>
+              <a:t>Alexander </a:t>
+            </a:r>
+            <a:r>
+              <a:rPr lang="en-US" sz="3800" b="1" dirty="0" err="1" smtClean="0">
+                <a:latin typeface="Arial" pitchFamily="34" charset="0"/>
+                <a:cs typeface="Arial" pitchFamily="34" charset="0"/>
+              </a:rPr>
+              <a:t>Guziel</a:t>
+            </a:r>
+            <a:r>
+              <a:rPr lang="en-US" sz="3800" b="1" dirty="0" smtClean="0">
+                <a:latin typeface="Arial" pitchFamily="34" charset="0"/>
+                <a:cs typeface="Arial" pitchFamily="34" charset="0"/>
+              </a:rPr>
+              <a:t>, </a:t>
+            </a:r>
+            <a:r>
+              <a:rPr lang="en-US" sz="3700" b="1" dirty="0" err="1" smtClean="0">
+                <a:latin typeface="Arial" pitchFamily="34" charset="0"/>
+                <a:cs typeface="Arial" pitchFamily="34" charset="0"/>
+              </a:rPr>
+              <a:t>Atheendra</a:t>
+            </a:r>
+            <a:r>
+              <a:rPr lang="en-US" sz="3700" b="1" dirty="0" smtClean="0">
+                <a:latin typeface="Arial" pitchFamily="34" charset="0"/>
+                <a:cs typeface="Arial" pitchFamily="34" charset="0"/>
+              </a:rPr>
+              <a:t> PT</a:t>
+            </a:r>
+            <a:r>
+              <a:rPr lang="en-US" sz="3800" b="1" dirty="0" smtClean="0">
+                <a:latin typeface="Arial" pitchFamily="34" charset="0"/>
+                <a:cs typeface="Arial" pitchFamily="34" charset="0"/>
+              </a:rPr>
+              <a:t>, Bo Yuan Zhou, Rene Zhang</a:t>
+            </a:r>
+            <a:endParaRPr lang="en-US" sz="3800" b="1" dirty="0">
+              <a:latin typeface="Arial" pitchFamily="34" charset="0"/>
+              <a:cs typeface="Arial" pitchFamily="34" charset="0"/>
+            </a:endParaRPr>
+          </a:p>
         </p:txBody>
       </p:sp>
     </p:spTree>
     <p:extLst>
       <p:ext uri="{BB962C8B-B14F-4D97-AF65-F5344CB8AC3E}">
-        <p14:creationId xmlns:p14="http://schemas.microsoft.com/office/powerpoint/2010/main" val="178827332"/>
+        <p14:creationId xmlns:p14="http://schemas.microsoft.com/office/powerpoint/2010/main" xmlns="" val="178827332"/>
       </p:ext>
     </p:extLst>
   </p:cSld>

--- a/poster/poster.pptx
+++ b/poster/poster.pptx
@@ -3899,7 +3899,7 @@
         </p:nvGraphicFramePr>
         <p:xfrm>
           <a:off x="840758" y="28529494"/>
-          <a:ext cx="12464080" cy="11489203"/>
+          <a:ext cx="12464080" cy="11803279"/>
         </p:xfrm>
         <a:graphic>
           <a:graphicData uri="http://schemas.openxmlformats.org/drawingml/2006/table">
@@ -4165,6 +4165,10 @@
                     <a:lstStyle/>
                     <a:p>
                       <a:pPr algn="ctr"/>
+                      <a:r>
+                        <a:rPr lang="en-US" sz="4300" b="1" dirty="0" smtClean="0"/>
+                        <a:t>25572.58298</a:t>
+                      </a:r>
                       <a:endParaRPr lang="en-US" sz="4300" b="1" dirty="0"/>
                     </a:p>
                   </a:txBody>
@@ -4291,6 +4295,10 @@
                     <a:lstStyle/>
                     <a:p>
                       <a:pPr algn="ctr"/>
+                      <a:r>
+                        <a:rPr lang="en-US" sz="4300" b="1" dirty="0" smtClean="0"/>
+                        <a:t>21634.16113</a:t>
+                      </a:r>
                       <a:endParaRPr lang="en-US" sz="4300" b="1" dirty="0"/>
                     </a:p>
                   </a:txBody>
@@ -4425,6 +4433,10 @@
                     <a:lstStyle/>
                     <a:p>
                       <a:pPr algn="ctr"/>
+                      <a:r>
+                        <a:rPr lang="en-US" sz="4300" b="1" dirty="0" smtClean="0"/>
+                        <a:t>18945.93134</a:t>
+                      </a:r>
                       <a:endParaRPr lang="en-US" sz="4300" b="1" dirty="0"/>
                     </a:p>
                   </a:txBody>
@@ -4466,12 +4478,51 @@
                     <a:bodyPr/>
                     <a:lstStyle/>
                     <a:p>
-                      <a:pPr algn="ctr"/>
+                      <a:pPr marL="0" marR="0" indent="0" algn="ctr" defTabSz="4174431" rtl="0" eaLnBrk="1" fontAlgn="auto" latinLnBrk="0" hangingPunct="1">
+                        <a:lnSpc>
+                          <a:spcPct val="100000"/>
+                        </a:lnSpc>
+                        <a:spcBef>
+                          <a:spcPts val="0"/>
+                        </a:spcBef>
+                        <a:spcAft>
+                          <a:spcPts val="0"/>
+                        </a:spcAft>
+                        <a:buClrTx/>
+                        <a:buSzTx/>
+                        <a:buFontTx/>
+                        <a:buNone/>
+                        <a:tabLst/>
+                        <a:defRPr/>
+                      </a:pPr>
+                      <a:r>
+                        <a:rPr lang="en-US" sz="4300" b="1" dirty="0" err="1" smtClean="0"/>
+                        <a:t>RandomForest</a:t>
+                      </a:r>
+                      <a:endParaRPr lang="en-US" sz="4300" b="1" dirty="0"/>
+                    </a:p>
+                    <a:p>
+                      <a:pPr marL="0" marR="0" indent="0" algn="ctr" defTabSz="4174431" rtl="0" eaLnBrk="1" fontAlgn="auto" latinLnBrk="0" hangingPunct="1">
+                        <a:lnSpc>
+                          <a:spcPct val="100000"/>
+                        </a:lnSpc>
+                        <a:spcBef>
+                          <a:spcPts val="0"/>
+                        </a:spcBef>
+                        <a:spcAft>
+                          <a:spcPts val="0"/>
+                        </a:spcAft>
+                        <a:buClrTx/>
+                        <a:buSzTx/>
+                        <a:buFontTx/>
+                        <a:buNone/>
+                        <a:tabLst/>
+                        <a:defRPr/>
+                      </a:pPr>
                       <a:r>
                         <a:rPr lang="en-US" sz="4300" b="1" dirty="0" smtClean="0"/>
-                        <a:t>Gradient booster 32-split A*</a:t>
+                        <a:t>A*</a:t>
                       </a:r>
-                      <a:endParaRPr lang="en-US" sz="4300" b="1" dirty="0"/>
                     </a:p>
                   </a:txBody>
                   <a:tcPr marL="84076" marR="84076" marT="44577" marB="44577">
@@ -4551,6 +4602,10 @@
                     <a:lstStyle/>
                     <a:p>
                       <a:pPr algn="ctr"/>
+                      <a:r>
+                        <a:rPr lang="en-US" sz="4300" b="1" dirty="0" smtClean="0"/>
+                        <a:t>19800.99899</a:t>
+                      </a:r>
                       <a:endParaRPr lang="en-US" sz="4300" b="1" dirty="0"/>
                     </a:p>
                   </a:txBody>
@@ -4592,12 +4647,32 @@
                     <a:bodyPr/>
                     <a:lstStyle/>
                     <a:p>
-                      <a:pPr algn="ctr"/>
+                      <a:pPr marL="0" marR="0" indent="0" algn="ctr" defTabSz="4174431" rtl="0" eaLnBrk="1" fontAlgn="auto" latinLnBrk="0" hangingPunct="1">
+                        <a:lnSpc>
+                          <a:spcPct val="100000"/>
+                        </a:lnSpc>
+                        <a:spcBef>
+                          <a:spcPts val="0"/>
+                        </a:spcBef>
+                        <a:spcAft>
+                          <a:spcPts val="0"/>
+                        </a:spcAft>
+                        <a:buClrTx/>
+                        <a:buSzTx/>
+                        <a:buFontTx/>
+                        <a:buNone/>
+                        <a:tabLst/>
+                        <a:defRPr/>
+                      </a:pPr>
+                      <a:r>
+                        <a:rPr lang="en-US" sz="4300" b="1" dirty="0" smtClean="0"/>
+                        <a:t>Partial </a:t>
+                      </a:r>
                       <a:r>
                         <a:rPr lang="en-US" sz="4300" b="1" dirty="0" err="1" smtClean="0"/>
-                        <a:t>RandomForest</a:t>
+                        <a:t>kNN</a:t>
                       </a:r>
-                      <a:endParaRPr lang="en-US" sz="4300" b="1" dirty="0"/>
+                      <a:endParaRPr lang="en-US" sz="4300" b="1" dirty="0" smtClean="0"/>
                     </a:p>
                   </a:txBody>
                   <a:tcPr marL="84076" marR="84076" marT="44577" marB="44577">
@@ -4677,6 +4752,10 @@
                     <a:lstStyle/>
                     <a:p>
                       <a:pPr algn="ctr"/>
+                      <a:r>
+                        <a:rPr lang="en-US" sz="4300" b="1" dirty="0" smtClean="0"/>
+                        <a:t>20201.64102</a:t>
+                      </a:r>
                       <a:endParaRPr lang="en-US" sz="4300" b="1" dirty="0"/>
                     </a:p>
                   </a:txBody>
@@ -4720,8 +4799,8 @@
                     <a:p>
                       <a:pPr algn="ctr"/>
                       <a:r>
-                        <a:rPr lang="en-US" sz="4300" b="1" dirty="0" err="1" smtClean="0"/>
-                        <a:t>kNN</a:t>
+                        <a:rPr lang="en-US" sz="4300" b="1" dirty="0" smtClean="0"/>
+                        <a:t>Unsmoothed Gradient Boost</a:t>
                       </a:r>
                       <a:endParaRPr lang="en-US" sz="4300" b="1" dirty="0"/>
                     </a:p>
@@ -4803,6 +4882,10 @@
                     <a:lstStyle/>
                     <a:p>
                       <a:pPr algn="ctr"/>
+                      <a:r>
+                        <a:rPr lang="en-US" sz="4300" b="1" dirty="0" smtClean="0"/>
+                        <a:t>19953.01149</a:t>
+                      </a:r>
                       <a:endParaRPr lang="en-US" sz="4300" b="1" dirty="0"/>
                     </a:p>
                   </a:txBody>

--- a/poster/poster.pptx
+++ b/poster/poster.pptx
@@ -341,7 +341,7 @@
     </p:spTree>
     <p:extLst>
       <p:ext uri="{BB962C8B-B14F-4D97-AF65-F5344CB8AC3E}">
-        <p14:creationId xmlns:p14="http://schemas.microsoft.com/office/powerpoint/2010/main" xmlns="" val="2603857336"/>
+        <p14:creationId xmlns:p14="http://schemas.microsoft.com/office/powerpoint/2010/main" val="2603857336"/>
       </p:ext>
     </p:extLst>
   </p:cSld>
@@ -513,7 +513,7 @@
     </p:spTree>
     <p:extLst>
       <p:ext uri="{BB962C8B-B14F-4D97-AF65-F5344CB8AC3E}">
-        <p14:creationId xmlns:p14="http://schemas.microsoft.com/office/powerpoint/2010/main" xmlns="" val="1190444423"/>
+        <p14:creationId xmlns:p14="http://schemas.microsoft.com/office/powerpoint/2010/main" val="1190444423"/>
       </p:ext>
     </p:extLst>
   </p:cSld>
@@ -695,7 +695,7 @@
     </p:spTree>
     <p:extLst>
       <p:ext uri="{BB962C8B-B14F-4D97-AF65-F5344CB8AC3E}">
-        <p14:creationId xmlns:p14="http://schemas.microsoft.com/office/powerpoint/2010/main" xmlns="" val="1091754751"/>
+        <p14:creationId xmlns:p14="http://schemas.microsoft.com/office/powerpoint/2010/main" val="1091754751"/>
       </p:ext>
     </p:extLst>
   </p:cSld>
@@ -867,7 +867,7 @@
     </p:spTree>
     <p:extLst>
       <p:ext uri="{BB962C8B-B14F-4D97-AF65-F5344CB8AC3E}">
-        <p14:creationId xmlns:p14="http://schemas.microsoft.com/office/powerpoint/2010/main" xmlns="" val="2780456844"/>
+        <p14:creationId xmlns:p14="http://schemas.microsoft.com/office/powerpoint/2010/main" val="2780456844"/>
       </p:ext>
     </p:extLst>
   </p:cSld>
@@ -1115,7 +1115,7 @@
     </p:spTree>
     <p:extLst>
       <p:ext uri="{BB962C8B-B14F-4D97-AF65-F5344CB8AC3E}">
-        <p14:creationId xmlns:p14="http://schemas.microsoft.com/office/powerpoint/2010/main" xmlns="" val="1203075770"/>
+        <p14:creationId xmlns:p14="http://schemas.microsoft.com/office/powerpoint/2010/main" val="1203075770"/>
       </p:ext>
     </p:extLst>
   </p:cSld>
@@ -1405,7 +1405,7 @@
     </p:spTree>
     <p:extLst>
       <p:ext uri="{BB962C8B-B14F-4D97-AF65-F5344CB8AC3E}">
-        <p14:creationId xmlns:p14="http://schemas.microsoft.com/office/powerpoint/2010/main" xmlns="" val="23827340"/>
+        <p14:creationId xmlns:p14="http://schemas.microsoft.com/office/powerpoint/2010/main" val="23827340"/>
       </p:ext>
     </p:extLst>
   </p:cSld>
@@ -1834,7 +1834,7 @@
     </p:spTree>
     <p:extLst>
       <p:ext uri="{BB962C8B-B14F-4D97-AF65-F5344CB8AC3E}">
-        <p14:creationId xmlns:p14="http://schemas.microsoft.com/office/powerpoint/2010/main" xmlns="" val="1304650489"/>
+        <p14:creationId xmlns:p14="http://schemas.microsoft.com/office/powerpoint/2010/main" val="1304650489"/>
       </p:ext>
     </p:extLst>
   </p:cSld>
@@ -1954,7 +1954,7 @@
     </p:spTree>
     <p:extLst>
       <p:ext uri="{BB962C8B-B14F-4D97-AF65-F5344CB8AC3E}">
-        <p14:creationId xmlns:p14="http://schemas.microsoft.com/office/powerpoint/2010/main" xmlns="" val="2817406021"/>
+        <p14:creationId xmlns:p14="http://schemas.microsoft.com/office/powerpoint/2010/main" val="2817406021"/>
       </p:ext>
     </p:extLst>
   </p:cSld>
@@ -2051,7 +2051,7 @@
     </p:spTree>
     <p:extLst>
       <p:ext uri="{BB962C8B-B14F-4D97-AF65-F5344CB8AC3E}">
-        <p14:creationId xmlns:p14="http://schemas.microsoft.com/office/powerpoint/2010/main" xmlns="" val="2016218180"/>
+        <p14:creationId xmlns:p14="http://schemas.microsoft.com/office/powerpoint/2010/main" val="2016218180"/>
       </p:ext>
     </p:extLst>
   </p:cSld>
@@ -2330,7 +2330,7 @@
     </p:spTree>
     <p:extLst>
       <p:ext uri="{BB962C8B-B14F-4D97-AF65-F5344CB8AC3E}">
-        <p14:creationId xmlns:p14="http://schemas.microsoft.com/office/powerpoint/2010/main" xmlns="" val="1955102808"/>
+        <p14:creationId xmlns:p14="http://schemas.microsoft.com/office/powerpoint/2010/main" val="1955102808"/>
       </p:ext>
     </p:extLst>
   </p:cSld>
@@ -2585,7 +2585,7 @@
     </p:spTree>
     <p:extLst>
       <p:ext uri="{BB962C8B-B14F-4D97-AF65-F5344CB8AC3E}">
-        <p14:creationId xmlns:p14="http://schemas.microsoft.com/office/powerpoint/2010/main" xmlns="" val="3862665668"/>
+        <p14:creationId xmlns:p14="http://schemas.microsoft.com/office/powerpoint/2010/main" val="3862665668"/>
       </p:ext>
     </p:extLst>
   </p:cSld>
@@ -2836,7 +2836,7 @@
     </p:spTree>
     <p:extLst>
       <p:ext uri="{BB962C8B-B14F-4D97-AF65-F5344CB8AC3E}">
-        <p14:creationId xmlns:p14="http://schemas.microsoft.com/office/powerpoint/2010/main" xmlns="" val="3142861604"/>
+        <p14:creationId xmlns:p14="http://schemas.microsoft.com/office/powerpoint/2010/main" val="3142861604"/>
       </p:ext>
     </p:extLst>
   </p:cSld>
@@ -3136,7 +3136,7 @@
           <a:blip r:embed="rId2" cstate="print">
             <a:extLst>
               <a:ext uri="{28A0092B-C50C-407E-A947-70E740481C1C}">
-                <a14:useLocalDpi xmlns:a14="http://schemas.microsoft.com/office/drawing/2010/main" xmlns="" val="0"/>
+                <a14:useLocalDpi xmlns:a14="http://schemas.microsoft.com/office/drawing/2010/main" val="0"/>
               </a:ext>
             </a:extLst>
           </a:blip>
@@ -3159,14 +3159,14 @@
           </a:ln>
           <a:extLst>
             <a:ext uri="{909E8E84-426E-40DD-AFC4-6F175D3DCCD1}">
-              <a14:hiddenFill xmlns:a14="http://schemas.microsoft.com/office/drawing/2010/main" xmlns="">
+              <a14:hiddenFill xmlns:a14="http://schemas.microsoft.com/office/drawing/2010/main">
                 <a:solidFill>
                   <a:schemeClr val="accent1"/>
                 </a:solidFill>
               </a14:hiddenFill>
             </a:ext>
             <a:ext uri="{91240B29-F687-4F45-9708-019B960494DF}">
-              <a14:hiddenLine xmlns:a14="http://schemas.microsoft.com/office/drawing/2010/main" xmlns="" w="9525">
+              <a14:hiddenLine xmlns:a14="http://schemas.microsoft.com/office/drawing/2010/main" w="9525">
                 <a:solidFill>
                   <a:schemeClr val="tx1"/>
                 </a:solidFill>
@@ -3214,7 +3214,7 @@
                 </a:ln>
                 <a:solidFill>
                   <a:schemeClr val="bg2">
-                    <a:lumMod val="90000"/>
+                    <a:lumMod val="75000"/>
                   </a:schemeClr>
                 </a:solidFill>
                 <a:effectLst>
@@ -3227,7 +3227,34 @@
                   </a:innerShdw>
                 </a:effectLst>
               </a:rPr>
-              <a:t>  	         Flight Quest (ID 36)</a:t>
+              <a:t>  	         </a:t>
+            </a:r>
+            <a:r>
+              <a:rPr lang="en-US" sz="17100" b="1" dirty="0" smtClean="0">
+                <a:ln w="900" cmpd="sng">
+                  <a:solidFill>
+                    <a:schemeClr val="tx1">
+                      <a:alpha val="55000"/>
+                    </a:schemeClr>
+                  </a:solidFill>
+                  <a:prstDash val="solid"/>
+                </a:ln>
+                <a:solidFill>
+                  <a:schemeClr val="bg2">
+                    <a:lumMod val="75000"/>
+                  </a:schemeClr>
+                </a:solidFill>
+                <a:effectLst>
+                  <a:innerShdw blurRad="101600" dist="76200" dir="5400000">
+                    <a:schemeClr val="accent1">
+                      <a:satMod val="190000"/>
+                      <a:tint val="100000"/>
+                      <a:alpha val="74000"/>
+                    </a:schemeClr>
+                  </a:innerShdw>
+                </a:effectLst>
+              </a:rPr>
+              <a:t>Flight Quest (ID 36)</a:t>
             </a:r>
           </a:p>
           <a:p>
@@ -3244,7 +3271,7 @@
               </a:ln>
               <a:solidFill>
                 <a:schemeClr val="bg2">
-                  <a:lumMod val="90000"/>
+                  <a:lumMod val="75000"/>
                 </a:schemeClr>
               </a:solidFill>
               <a:effectLst>
@@ -3305,7 +3332,7 @@
             <a:r>
               <a:rPr lang="en-US" b="1" dirty="0" smtClean="0">
                 <a:solidFill>
-                  <a:srgbClr val="9B8269"/>
+                  <a:srgbClr val="7A6652"/>
                 </a:solidFill>
                 <a:latin typeface="Arial" panose="020B0604020202020204" pitchFamily="34" charset="0"/>
                 <a:cs typeface="Arial" panose="020B0604020202020204" pitchFamily="34" charset="0"/>
@@ -3314,7 +3341,7 @@
             </a:r>
             <a:endParaRPr lang="en-US" b="1" dirty="0">
               <a:solidFill>
-                <a:srgbClr val="9B8269"/>
+                <a:srgbClr val="7A6652"/>
               </a:solidFill>
               <a:latin typeface="Arial" panose="020B0604020202020204" pitchFamily="34" charset="0"/>
               <a:cs typeface="Arial" panose="020B0604020202020204" pitchFamily="34" charset="0"/>
@@ -3367,7 +3394,7 @@
             <a:r>
               <a:rPr lang="en-US" b="1" dirty="0" smtClean="0">
                 <a:solidFill>
-                  <a:srgbClr val="9B8269"/>
+                  <a:srgbClr val="7A6652"/>
                 </a:solidFill>
                 <a:latin typeface="Arial" panose="020B0604020202020204" pitchFamily="34" charset="0"/>
                 <a:cs typeface="Arial" panose="020B0604020202020204" pitchFamily="34" charset="0"/>
@@ -3376,7 +3403,7 @@
             </a:r>
             <a:endParaRPr lang="en-US" b="1" dirty="0">
               <a:solidFill>
-                <a:srgbClr val="9B8269"/>
+                <a:srgbClr val="7A6652"/>
               </a:solidFill>
               <a:latin typeface="Arial" panose="020B0604020202020204" pitchFamily="34" charset="0"/>
               <a:cs typeface="Arial" panose="020B0604020202020204" pitchFamily="34" charset="0"/>
@@ -3429,7 +3456,7 @@
             <a:r>
               <a:rPr lang="en-US" b="1" dirty="0" smtClean="0">
                 <a:solidFill>
-                  <a:srgbClr val="9B8269"/>
+                  <a:srgbClr val="7A6652"/>
                 </a:solidFill>
                 <a:latin typeface="Arial" panose="020B0604020202020204" pitchFamily="34" charset="0"/>
                 <a:cs typeface="Arial" panose="020B0604020202020204" pitchFamily="34" charset="0"/>
@@ -3438,7 +3465,7 @@
             </a:r>
             <a:endParaRPr lang="en-US" b="1" dirty="0">
               <a:solidFill>
-                <a:srgbClr val="9B8269"/>
+                <a:srgbClr val="7A6652"/>
               </a:solidFill>
               <a:latin typeface="Arial" panose="020B0604020202020204" pitchFamily="34" charset="0"/>
               <a:cs typeface="Arial" panose="020B0604020202020204" pitchFamily="34" charset="0"/>
@@ -3590,7 +3617,7 @@
           <a:blip r:embed="rId3" cstate="print">
             <a:extLst>
               <a:ext uri="{28A0092B-C50C-407E-A947-70E740481C1C}">
-                <a14:useLocalDpi xmlns:a14="http://schemas.microsoft.com/office/drawing/2010/main" xmlns="" val="0"/>
+                <a14:useLocalDpi xmlns:a14="http://schemas.microsoft.com/office/drawing/2010/main" val="0"/>
               </a:ext>
             </a:extLst>
           </a:blip>
@@ -3613,14 +3640,14 @@
           </a:ln>
           <a:extLst>
             <a:ext uri="{909E8E84-426E-40DD-AFC4-6F175D3DCCD1}">
-              <a14:hiddenFill xmlns:a14="http://schemas.microsoft.com/office/drawing/2010/main" xmlns="">
+              <a14:hiddenFill xmlns:a14="http://schemas.microsoft.com/office/drawing/2010/main">
                 <a:solidFill>
                   <a:schemeClr val="accent1"/>
                 </a:solidFill>
               </a14:hiddenFill>
             </a:ext>
             <a:ext uri="{91240B29-F687-4F45-9708-019B960494DF}">
-              <a14:hiddenLine xmlns:a14="http://schemas.microsoft.com/office/drawing/2010/main" xmlns="" w="9525">
+              <a14:hiddenLine xmlns:a14="http://schemas.microsoft.com/office/drawing/2010/main" w="9525">
                 <a:solidFill>
                   <a:schemeClr val="tx1"/>
                 </a:solidFill>
@@ -3634,227 +3661,6 @@
       </p:pic>
       <p:sp>
         <p:nvSpPr>
-          <p:cNvPr id="2" name="TextBox 1"/>
-          <p:cNvSpPr txBox="1"/>
-          <p:nvPr/>
-        </p:nvSpPr>
-        <p:spPr>
-          <a:xfrm>
-            <a:off x="840758" y="8915467"/>
-            <a:ext cx="13452122" cy="9444235"/>
-          </a:xfrm>
-          <a:prstGeom prst="rect">
-            <a:avLst/>
-          </a:prstGeom>
-          <a:noFill/>
-        </p:spPr>
-        <p:txBody>
-          <a:bodyPr wrap="square" lIns="86978" tIns="43489" rIns="86978" bIns="43489" rtlCol="0">
-            <a:spAutoFit/>
-          </a:bodyPr>
-          <a:lstStyle/>
-          <a:p>
-            <a:r>
-              <a:rPr lang="en-US" sz="3800" dirty="0" smtClean="0">
-                <a:latin typeface="Arial" panose="020B0604020202020204" pitchFamily="34" charset="0"/>
-                <a:cs typeface="Arial" panose="020B0604020202020204" pitchFamily="34" charset="0"/>
-              </a:rPr>
-              <a:t>      In the modern day, airplanes are a frequently-used means of transportation. However, due to many different factors, such as weather, restricted areas, and </a:t>
-            </a:r>
-            <a:r>
-              <a:rPr lang="en-US" sz="3800" dirty="0" err="1" smtClean="0">
-                <a:latin typeface="Arial" panose="020B0604020202020204" pitchFamily="34" charset="0"/>
-                <a:cs typeface="Arial" panose="020B0604020202020204" pitchFamily="34" charset="0"/>
-              </a:rPr>
-              <a:t>jetstreams</a:t>
-            </a:r>
-            <a:r>
-              <a:rPr lang="en-US" sz="3800" dirty="0" smtClean="0">
-                <a:latin typeface="Arial" panose="020B0604020202020204" pitchFamily="34" charset="0"/>
-                <a:cs typeface="Arial" panose="020B0604020202020204" pitchFamily="34" charset="0"/>
-              </a:rPr>
-              <a:t>, it’s very difficult to keep the cost of such transportation at an optimal level. What we aim to do here in Flight Quest is to optimize to the best of our ability the costs of airplane flights using machine learning techniques.</a:t>
-            </a:r>
-          </a:p>
-          <a:p>
-            <a:r>
-              <a:rPr lang="en-US" sz="3800" dirty="0" smtClean="0">
-                <a:latin typeface="Arial" panose="020B0604020202020204" pitchFamily="34" charset="0"/>
-                <a:cs typeface="Arial" panose="020B0604020202020204" pitchFamily="34" charset="0"/>
-              </a:rPr>
-              <a:t>     </a:t>
-            </a:r>
-          </a:p>
-          <a:p>
-            <a:r>
-              <a:rPr lang="en-US" sz="3800" dirty="0">
-                <a:latin typeface="Arial" panose="020B0604020202020204" pitchFamily="34" charset="0"/>
-                <a:cs typeface="Arial" panose="020B0604020202020204" pitchFamily="34" charset="0"/>
-              </a:rPr>
-              <a:t> </a:t>
-            </a:r>
-            <a:r>
-              <a:rPr lang="en-US" sz="3800" dirty="0" smtClean="0">
-                <a:latin typeface="Arial" panose="020B0604020202020204" pitchFamily="34" charset="0"/>
-                <a:cs typeface="Arial" panose="020B0604020202020204" pitchFamily="34" charset="0"/>
-              </a:rPr>
-              <a:t>    Our task consists of using data obtained from previous flights to try and find optimal paths and conditions (e.g. speed, altitude) for new flights to take.</a:t>
-            </a:r>
-            <a:endParaRPr lang="en-US" sz="3800" dirty="0">
-              <a:latin typeface="Arial" panose="020B0604020202020204" pitchFamily="34" charset="0"/>
-              <a:cs typeface="Arial" panose="020B0604020202020204" pitchFamily="34" charset="0"/>
-            </a:endParaRPr>
-          </a:p>
-          <a:p>
-            <a:endParaRPr lang="en-US" sz="3800" dirty="0" smtClean="0">
-              <a:latin typeface="Arial" panose="020B0604020202020204" pitchFamily="34" charset="0"/>
-              <a:cs typeface="Arial" panose="020B0604020202020204" pitchFamily="34" charset="0"/>
-            </a:endParaRPr>
-          </a:p>
-          <a:p>
-            <a:r>
-              <a:rPr lang="en-US" sz="3800" dirty="0">
-                <a:latin typeface="Arial" panose="020B0604020202020204" pitchFamily="34" charset="0"/>
-                <a:cs typeface="Arial" panose="020B0604020202020204" pitchFamily="34" charset="0"/>
-              </a:rPr>
-              <a:t> </a:t>
-            </a:r>
-            <a:r>
-              <a:rPr lang="en-US" sz="3800" dirty="0" smtClean="0">
-                <a:latin typeface="Arial" panose="020B0604020202020204" pitchFamily="34" charset="0"/>
-                <a:cs typeface="Arial" panose="020B0604020202020204" pitchFamily="34" charset="0"/>
-              </a:rPr>
-              <a:t>    Our motivation for undertaking this task came from searching for something that would both challenge us to use what we learned in innovative ways and would have an impact on people’s lives. </a:t>
-            </a:r>
-            <a:endParaRPr lang="en-US" sz="3800" dirty="0">
-              <a:latin typeface="Arial" panose="020B0604020202020204" pitchFamily="34" charset="0"/>
-              <a:cs typeface="Arial" panose="020B0604020202020204" pitchFamily="34" charset="0"/>
-            </a:endParaRPr>
-          </a:p>
-        </p:txBody>
-      </p:sp>
-      <p:sp>
-        <p:nvSpPr>
-          <p:cNvPr id="14" name="TextBox 13"/>
-          <p:cNvSpPr txBox="1"/>
-          <p:nvPr/>
-        </p:nvSpPr>
-        <p:spPr>
-          <a:xfrm>
-            <a:off x="15974395" y="8915466"/>
-            <a:ext cx="13452122" cy="9505790"/>
-          </a:xfrm>
-          <a:prstGeom prst="rect">
-            <a:avLst/>
-          </a:prstGeom>
-          <a:noFill/>
-        </p:spPr>
-        <p:txBody>
-          <a:bodyPr wrap="square" lIns="86978" tIns="43489" rIns="86978" bIns="43489" rtlCol="0">
-            <a:spAutoFit/>
-          </a:bodyPr>
-          <a:lstStyle/>
-          <a:p>
-            <a:r>
-              <a:rPr lang="en-US" sz="3400" dirty="0" smtClean="0">
-                <a:latin typeface="Arial" panose="020B0604020202020204" pitchFamily="34" charset="0"/>
-                <a:cs typeface="Arial" panose="020B0604020202020204" pitchFamily="34" charset="0"/>
-              </a:rPr>
-              <a:t>      First, we created a baseline measure that took the most direct distance in between the current and destination points (via great circle calculation) and made that the desired path. </a:t>
-            </a:r>
-          </a:p>
-          <a:p>
-            <a:endParaRPr lang="en-US" sz="3400" dirty="0">
-              <a:latin typeface="Arial" panose="020B0604020202020204" pitchFamily="34" charset="0"/>
-              <a:cs typeface="Arial" panose="020B0604020202020204" pitchFamily="34" charset="0"/>
-            </a:endParaRPr>
-          </a:p>
-          <a:p>
-            <a:r>
-              <a:rPr lang="en-US" sz="3400" dirty="0" smtClean="0">
-                <a:latin typeface="Arial" panose="020B0604020202020204" pitchFamily="34" charset="0"/>
-                <a:cs typeface="Arial" panose="020B0604020202020204" pitchFamily="34" charset="0"/>
-              </a:rPr>
-              <a:t>	Our next step was to identify and work out a path 	around restricted areas, since no flights can pass 	through these areas lest they be shot down. In 	order to account for this, we consider numerous 	points in between our current and destination 	locations and then attempt to construct a path 	going through points that don’t lie in restricted 	areas using an A* search (as shown on left).</a:t>
-            </a:r>
-          </a:p>
-          <a:p>
-            <a:endParaRPr lang="en-US" sz="3400" dirty="0">
-              <a:latin typeface="Arial" panose="020B0604020202020204" pitchFamily="34" charset="0"/>
-              <a:cs typeface="Arial" panose="020B0604020202020204" pitchFamily="34" charset="0"/>
-            </a:endParaRPr>
-          </a:p>
-          <a:p>
-            <a:r>
-              <a:rPr lang="en-US" sz="3400" dirty="0" smtClean="0">
-                <a:latin typeface="Arial" panose="020B0604020202020204" pitchFamily="34" charset="0"/>
-                <a:cs typeface="Arial" panose="020B0604020202020204" pitchFamily="34" charset="0"/>
-              </a:rPr>
-              <a:t>     Afterwards, we focused on finding optimal speeds and altitudes for segments of the flight path in order to find the best balance between fuel consumption and arrival time. In order to do this, we would need to first find the features that would be significant enough to train on and then train our data using a regression model.</a:t>
-            </a:r>
-            <a:endParaRPr lang="en-US" sz="3400" dirty="0">
-              <a:latin typeface="Arial" panose="020B0604020202020204" pitchFamily="34" charset="0"/>
-              <a:cs typeface="Arial" panose="020B0604020202020204" pitchFamily="34" charset="0"/>
-            </a:endParaRPr>
-          </a:p>
-        </p:txBody>
-      </p:sp>
-      <p:pic>
-        <p:nvPicPr>
-          <p:cNvPr id="1027" name="Picture 3"/>
-          <p:cNvPicPr>
-            <a:picLocks noChangeAspect="1" noChangeArrowheads="1"/>
-          </p:cNvPicPr>
-          <p:nvPr/>
-        </p:nvPicPr>
-        <p:blipFill>
-          <a:blip r:embed="rId4" cstate="print">
-            <a:extLst>
-              <a:ext uri="{28A0092B-C50C-407E-A947-70E740481C1C}">
-                <a14:useLocalDpi xmlns:a14="http://schemas.microsoft.com/office/drawing/2010/main" xmlns="" val="0"/>
-              </a:ext>
-            </a:extLst>
-          </a:blip>
-          <a:srcRect/>
-          <a:stretch>
-            <a:fillRect/>
-          </a:stretch>
-        </p:blipFill>
-        <p:spPr bwMode="auto">
-          <a:xfrm>
-            <a:off x="16158311" y="10865726"/>
-            <a:ext cx="3546946" cy="4680619"/>
-          </a:xfrm>
-          <a:prstGeom prst="rect">
-            <a:avLst/>
-          </a:prstGeom>
-          <a:noFill/>
-          <a:ln>
-            <a:noFill/>
-          </a:ln>
-          <a:extLst>
-            <a:ext uri="{909E8E84-426E-40DD-AFC4-6F175D3DCCD1}">
-              <a14:hiddenFill xmlns:a14="http://schemas.microsoft.com/office/drawing/2010/main" xmlns="">
-                <a:solidFill>
-                  <a:schemeClr val="accent1"/>
-                </a:solidFill>
-              </a14:hiddenFill>
-            </a:ext>
-            <a:ext uri="{91240B29-F687-4F45-9708-019B960494DF}">
-              <a14:hiddenLine xmlns:a14="http://schemas.microsoft.com/office/drawing/2010/main" xmlns="" w="9525">
-                <a:solidFill>
-                  <a:schemeClr val="tx1"/>
-                </a:solidFill>
-                <a:miter lim="800000"/>
-                <a:headEnd/>
-                <a:tailEnd/>
-              </a14:hiddenLine>
-            </a:ext>
-          </a:extLst>
-        </p:spPr>
-      </p:pic>
-      <p:sp>
-        <p:nvSpPr>
           <p:cNvPr id="4" name="TextBox 3"/>
           <p:cNvSpPr txBox="1"/>
           <p:nvPr/>
@@ -3892,7 +3698,7 @@
           <p:nvPr>
             <p:extLst>
               <p:ext uri="{D42A27DB-BD31-4B8C-83A1-F6EECF244321}">
-                <p14:modId xmlns:p14="http://schemas.microsoft.com/office/powerpoint/2010/main" xmlns="" val="542667089"/>
+                <p14:modId xmlns:p14="http://schemas.microsoft.com/office/powerpoint/2010/main" val="542667089"/>
               </p:ext>
             </p:extLst>
           </p:nvPr>
@@ -5318,21 +5124,7 @@
                 <a:latin typeface="Arial" panose="020B0604020202020204" pitchFamily="34" charset="0"/>
                 <a:cs typeface="Arial" panose="020B0604020202020204" pitchFamily="34" charset="0"/>
               </a:rPr>
-              <a:t>     We were provided a cost calculator that determined the total cost accumulated through by all of the test flights that we found paths for. </a:t>
-            </a:r>
-            <a:r>
-              <a:rPr lang="en-US" sz="3800" dirty="0" smtClean="0">
-                <a:latin typeface="Arial" panose="020B0604020202020204" pitchFamily="34" charset="0"/>
-                <a:cs typeface="Arial" panose="020B0604020202020204" pitchFamily="34" charset="0"/>
-              </a:rPr>
-              <a:t>We ran several solutions and compared them to each other, as shown in the table to the left</a:t>
-            </a:r>
-            <a:r>
-              <a:rPr lang="en-US" sz="3800" dirty="0" smtClean="0">
-                <a:latin typeface="Arial" panose="020B0604020202020204" pitchFamily="34" charset="0"/>
-                <a:cs typeface="Arial" panose="020B0604020202020204" pitchFamily="34" charset="0"/>
-              </a:rPr>
-              <a:t>.</a:t>
+              <a:t>     We were provided a cost calculator that determined the total cost accumulated through by all of the test flights that we found paths for. We ran several solutions and compared them to each other, as shown in the table to the left.</a:t>
             </a:r>
           </a:p>
           <a:p>
@@ -5427,10 +5219,452 @@
           </a:p>
         </p:txBody>
       </p:sp>
+      <p:sp>
+        <p:nvSpPr>
+          <p:cNvPr id="20" name="TextBox 19"/>
+          <p:cNvSpPr txBox="1"/>
+          <p:nvPr/>
+        </p:nvSpPr>
+        <p:spPr>
+          <a:xfrm>
+            <a:off x="914400" y="8958005"/>
+            <a:ext cx="13304837" cy="16096714"/>
+          </a:xfrm>
+          <a:prstGeom prst="rect">
+            <a:avLst/>
+          </a:prstGeom>
+          <a:noFill/>
+        </p:spPr>
+        <p:txBody>
+          <a:bodyPr wrap="square" rtlCol="0">
+            <a:spAutoFit/>
+          </a:bodyPr>
+          <a:lstStyle/>
+          <a:p>
+            <a:r>
+              <a:rPr lang="en-US" sz="4000" dirty="0" smtClean="0">
+                <a:latin typeface="Arial" panose="020B0604020202020204" pitchFamily="34" charset="0"/>
+                <a:cs typeface="Arial" panose="020B0604020202020204" pitchFamily="34" charset="0"/>
+              </a:rPr>
+              <a:t>     </a:t>
+            </a:r>
+            <a:r>
+              <a:rPr lang="en-US" sz="4000" dirty="0" smtClean="0">
+                <a:latin typeface="Arial" panose="020B0604020202020204" pitchFamily="34" charset="0"/>
+                <a:cs typeface="Arial" panose="020B0604020202020204" pitchFamily="34" charset="0"/>
+              </a:rPr>
+              <a:t>In </a:t>
+            </a:r>
+            <a:r>
+              <a:rPr lang="en-US" sz="4000" dirty="0" smtClean="0">
+                <a:latin typeface="Arial" panose="020B0604020202020204" pitchFamily="34" charset="0"/>
+                <a:cs typeface="Arial" panose="020B0604020202020204" pitchFamily="34" charset="0"/>
+              </a:rPr>
+              <a:t>the modern day, airplanes are a frequently-used means of transportation. However, using it is fairly expensive to manage due to costs of fuel and delay. Due to many different factors, such as weather, restricted areas, and jet streams, it’s very difficult to keep this cost of such transportation at an optimal level; airports are always looking for more ways to optimize their flights. What we aim to do here in Flight Quest is to optimize to the best of our ability the costs of airplane flights using machine learning techniques on large sets of data.</a:t>
+            </a:r>
+          </a:p>
+          <a:p>
+            <a:r>
+              <a:rPr lang="en-US" sz="4000" dirty="0" smtClean="0">
+                <a:latin typeface="Arial" panose="020B0604020202020204" pitchFamily="34" charset="0"/>
+                <a:cs typeface="Arial" panose="020B0604020202020204" pitchFamily="34" charset="0"/>
+              </a:rPr>
+              <a:t>     </a:t>
+            </a:r>
+          </a:p>
+          <a:p>
+            <a:r>
+              <a:rPr lang="en-US" sz="4000" dirty="0">
+                <a:latin typeface="Arial" panose="020B0604020202020204" pitchFamily="34" charset="0"/>
+                <a:cs typeface="Arial" panose="020B0604020202020204" pitchFamily="34" charset="0"/>
+              </a:rPr>
+              <a:t> </a:t>
+            </a:r>
+            <a:r>
+              <a:rPr lang="en-US" sz="4000" dirty="0" smtClean="0">
+                <a:latin typeface="Arial" panose="020B0604020202020204" pitchFamily="34" charset="0"/>
+                <a:cs typeface="Arial" panose="020B0604020202020204" pitchFamily="34" charset="0"/>
+              </a:rPr>
+              <a:t>    Our task consists of using data obtained from previous flights to try and find optimal paths and conditions (e.g. speed, altitude) for new flights to take. However, since we don’t know exactly what features would be useful to train on, our data set contains many different attributes, making it very large and time-expensive to work with.</a:t>
+            </a:r>
+            <a:endParaRPr lang="en-US" sz="4000" dirty="0">
+              <a:latin typeface="Arial" panose="020B0604020202020204" pitchFamily="34" charset="0"/>
+              <a:cs typeface="Arial" panose="020B0604020202020204" pitchFamily="34" charset="0"/>
+            </a:endParaRPr>
+          </a:p>
+          <a:p>
+            <a:endParaRPr lang="en-US" sz="4000" dirty="0" smtClean="0">
+              <a:latin typeface="Arial" panose="020B0604020202020204" pitchFamily="34" charset="0"/>
+              <a:cs typeface="Arial" panose="020B0604020202020204" pitchFamily="34" charset="0"/>
+            </a:endParaRPr>
+          </a:p>
+          <a:p>
+            <a:r>
+              <a:rPr lang="en-US" sz="4000" dirty="0">
+                <a:latin typeface="Arial" panose="020B0604020202020204" pitchFamily="34" charset="0"/>
+                <a:cs typeface="Arial" panose="020B0604020202020204" pitchFamily="34" charset="0"/>
+              </a:rPr>
+              <a:t> </a:t>
+            </a:r>
+            <a:r>
+              <a:rPr lang="en-US" sz="4000" dirty="0" smtClean="0">
+                <a:latin typeface="Arial" panose="020B0604020202020204" pitchFamily="34" charset="0"/>
+                <a:cs typeface="Arial" panose="020B0604020202020204" pitchFamily="34" charset="0"/>
+              </a:rPr>
+              <a:t>    Our motivation for undertaking this task came from searching for something that would challenge us to use what we learned in innovative ways, </a:t>
+            </a:r>
+            <a:r>
+              <a:rPr lang="en-US" sz="4000" dirty="0" smtClean="0">
+                <a:latin typeface="Arial" panose="020B0604020202020204" pitchFamily="34" charset="0"/>
+                <a:cs typeface="Arial" panose="020B0604020202020204" pitchFamily="34" charset="0"/>
+              </a:rPr>
+              <a:t>give </a:t>
+            </a:r>
+            <a:r>
+              <a:rPr lang="en-US" sz="4000" dirty="0" smtClean="0">
+                <a:latin typeface="Arial" panose="020B0604020202020204" pitchFamily="34" charset="0"/>
+                <a:cs typeface="Arial" panose="020B0604020202020204" pitchFamily="34" charset="0"/>
+              </a:rPr>
+              <a:t>us experience with working on a real-life machine learning problem, and </a:t>
+            </a:r>
+            <a:r>
+              <a:rPr lang="en-US" sz="4000" dirty="0" smtClean="0">
+                <a:latin typeface="Arial" panose="020B0604020202020204" pitchFamily="34" charset="0"/>
+                <a:cs typeface="Arial" panose="020B0604020202020204" pitchFamily="34" charset="0"/>
+              </a:rPr>
+              <a:t>have </a:t>
+            </a:r>
+            <a:r>
+              <a:rPr lang="en-US" sz="4000" dirty="0" smtClean="0">
+                <a:latin typeface="Arial" panose="020B0604020202020204" pitchFamily="34" charset="0"/>
+                <a:cs typeface="Arial" panose="020B0604020202020204" pitchFamily="34" charset="0"/>
+              </a:rPr>
+              <a:t>an impact on people’s lives. The Flight Quest problem satiates these desires by starting us off at the beginning, giving us a goal, and then telling us to go about solving this problem however we deem necessary.</a:t>
+            </a:r>
+            <a:endParaRPr lang="en-US" sz="4000" dirty="0">
+              <a:latin typeface="Arial" panose="020B0604020202020204" pitchFamily="34" charset="0"/>
+              <a:cs typeface="Arial" panose="020B0604020202020204" pitchFamily="34" charset="0"/>
+            </a:endParaRPr>
+          </a:p>
+        </p:txBody>
+      </p:sp>
+      <p:sp>
+        <p:nvSpPr>
+          <p:cNvPr id="21" name="TextBox 20"/>
+          <p:cNvSpPr txBox="1"/>
+          <p:nvPr/>
+        </p:nvSpPr>
+        <p:spPr>
+          <a:xfrm>
+            <a:off x="16048037" y="8940145"/>
+            <a:ext cx="13304837" cy="16096714"/>
+          </a:xfrm>
+          <a:prstGeom prst="rect">
+            <a:avLst/>
+          </a:prstGeom>
+          <a:noFill/>
+        </p:spPr>
+        <p:txBody>
+          <a:bodyPr wrap="square" rtlCol="0">
+            <a:spAutoFit/>
+          </a:bodyPr>
+          <a:lstStyle/>
+          <a:p>
+            <a:r>
+              <a:rPr lang="en-US" sz="4000" dirty="0" smtClean="0">
+                <a:latin typeface="Arial" panose="020B0604020202020204" pitchFamily="34" charset="0"/>
+                <a:cs typeface="Arial" panose="020B0604020202020204" pitchFamily="34" charset="0"/>
+              </a:rPr>
+              <a:t>     First, we created a baseline measure that took the most direct distance in between the current and destination points (via great circle calculation) and made that the desired path. Paths are problematic because of their complex structure so we needed a way to reduce down the data. </a:t>
+            </a:r>
+          </a:p>
+          <a:p>
+            <a:endParaRPr lang="en-US" sz="4000" dirty="0">
+              <a:latin typeface="Arial" panose="020B0604020202020204" pitchFamily="34" charset="0"/>
+              <a:cs typeface="Arial" panose="020B0604020202020204" pitchFamily="34" charset="0"/>
+            </a:endParaRPr>
+          </a:p>
+          <a:p>
+            <a:r>
+              <a:rPr lang="en-US" sz="4000" dirty="0" smtClean="0">
+                <a:latin typeface="Arial" panose="020B0604020202020204" pitchFamily="34" charset="0"/>
+                <a:cs typeface="Arial" panose="020B0604020202020204" pitchFamily="34" charset="0"/>
+              </a:rPr>
+              <a:t>	Our next step was to identify and work </a:t>
+            </a:r>
+            <a:r>
+              <a:rPr lang="en-US" sz="4000" dirty="0" smtClean="0">
+                <a:latin typeface="Arial" panose="020B0604020202020204" pitchFamily="34" charset="0"/>
+                <a:cs typeface="Arial" panose="020B0604020202020204" pitchFamily="34" charset="0"/>
+              </a:rPr>
+              <a:t>	out </a:t>
+            </a:r>
+            <a:r>
+              <a:rPr lang="en-US" sz="4000" dirty="0" smtClean="0">
+                <a:latin typeface="Arial" panose="020B0604020202020204" pitchFamily="34" charset="0"/>
+                <a:cs typeface="Arial" panose="020B0604020202020204" pitchFamily="34" charset="0"/>
+              </a:rPr>
+              <a:t>a </a:t>
+            </a:r>
+            <a:r>
+              <a:rPr lang="en-US" sz="4000" dirty="0" smtClean="0">
+                <a:latin typeface="Arial" panose="020B0604020202020204" pitchFamily="34" charset="0"/>
+                <a:cs typeface="Arial" panose="020B0604020202020204" pitchFamily="34" charset="0"/>
+              </a:rPr>
+              <a:t>path </a:t>
+            </a:r>
+            <a:r>
+              <a:rPr lang="en-US" sz="4000" dirty="0" smtClean="0">
+                <a:latin typeface="Arial" panose="020B0604020202020204" pitchFamily="34" charset="0"/>
+                <a:cs typeface="Arial" panose="020B0604020202020204" pitchFamily="34" charset="0"/>
+              </a:rPr>
+              <a:t>around restricted areas, </a:t>
+            </a:r>
+            <a:r>
+              <a:rPr lang="en-US" sz="4000" dirty="0" smtClean="0">
+                <a:latin typeface="Arial" panose="020B0604020202020204" pitchFamily="34" charset="0"/>
+                <a:cs typeface="Arial" panose="020B0604020202020204" pitchFamily="34" charset="0"/>
+              </a:rPr>
+              <a:t>	since </a:t>
+            </a:r>
+            <a:r>
+              <a:rPr lang="en-US" sz="4000" dirty="0" smtClean="0">
+                <a:latin typeface="Arial" panose="020B0604020202020204" pitchFamily="34" charset="0"/>
+                <a:cs typeface="Arial" panose="020B0604020202020204" pitchFamily="34" charset="0"/>
+              </a:rPr>
+              <a:t>no flights </a:t>
+            </a:r>
+            <a:r>
+              <a:rPr lang="en-US" sz="4000" dirty="0" smtClean="0">
+                <a:latin typeface="Arial" panose="020B0604020202020204" pitchFamily="34" charset="0"/>
+                <a:cs typeface="Arial" panose="020B0604020202020204" pitchFamily="34" charset="0"/>
+              </a:rPr>
+              <a:t>are allowed through 	these. </a:t>
+            </a:r>
+            <a:r>
+              <a:rPr lang="en-US" sz="4000" dirty="0" smtClean="0">
+                <a:latin typeface="Arial" panose="020B0604020202020204" pitchFamily="34" charset="0"/>
+                <a:cs typeface="Arial" panose="020B0604020202020204" pitchFamily="34" charset="0"/>
+              </a:rPr>
+              <a:t>In order to account for </a:t>
+            </a:r>
+            <a:r>
+              <a:rPr lang="en-US" sz="4000" dirty="0" smtClean="0">
+                <a:latin typeface="Arial" panose="020B0604020202020204" pitchFamily="34" charset="0"/>
+                <a:cs typeface="Arial" panose="020B0604020202020204" pitchFamily="34" charset="0"/>
+              </a:rPr>
+              <a:t>this</a:t>
+            </a:r>
+            <a:r>
+              <a:rPr lang="en-US" sz="4000" dirty="0" smtClean="0">
+                <a:latin typeface="Arial" panose="020B0604020202020204" pitchFamily="34" charset="0"/>
+                <a:cs typeface="Arial" panose="020B0604020202020204" pitchFamily="34" charset="0"/>
+              </a:rPr>
+              <a:t>, </a:t>
+            </a:r>
+            <a:r>
+              <a:rPr lang="en-US" sz="4000" dirty="0" smtClean="0">
+                <a:latin typeface="Arial" panose="020B0604020202020204" pitchFamily="34" charset="0"/>
+                <a:cs typeface="Arial" panose="020B0604020202020204" pitchFamily="34" charset="0"/>
+              </a:rPr>
+              <a:t>we 	consider </a:t>
+            </a:r>
+            <a:r>
+              <a:rPr lang="en-US" sz="4000" dirty="0" smtClean="0">
+                <a:latin typeface="Arial" panose="020B0604020202020204" pitchFamily="34" charset="0"/>
+                <a:cs typeface="Arial" panose="020B0604020202020204" pitchFamily="34" charset="0"/>
+              </a:rPr>
+              <a:t>numerous points in </a:t>
+            </a:r>
+            <a:r>
+              <a:rPr lang="en-US" sz="4000" dirty="0" smtClean="0">
+                <a:latin typeface="Arial" panose="020B0604020202020204" pitchFamily="34" charset="0"/>
+                <a:cs typeface="Arial" panose="020B0604020202020204" pitchFamily="34" charset="0"/>
+              </a:rPr>
+              <a:t>between 	our </a:t>
+            </a:r>
+            <a:r>
+              <a:rPr lang="en-US" sz="4000" dirty="0" smtClean="0">
+                <a:latin typeface="Arial" panose="020B0604020202020204" pitchFamily="34" charset="0"/>
+                <a:cs typeface="Arial" panose="020B0604020202020204" pitchFamily="34" charset="0"/>
+              </a:rPr>
+              <a:t>current and destination </a:t>
+            </a:r>
+            <a:r>
+              <a:rPr lang="en-US" sz="4000" dirty="0" smtClean="0">
+                <a:latin typeface="Arial" panose="020B0604020202020204" pitchFamily="34" charset="0"/>
+                <a:cs typeface="Arial" panose="020B0604020202020204" pitchFamily="34" charset="0"/>
+              </a:rPr>
+              <a:t>locations 	and then </a:t>
+            </a:r>
+            <a:r>
+              <a:rPr lang="en-US" sz="4000" dirty="0" smtClean="0">
+                <a:latin typeface="Arial" panose="020B0604020202020204" pitchFamily="34" charset="0"/>
+                <a:cs typeface="Arial" panose="020B0604020202020204" pitchFamily="34" charset="0"/>
+              </a:rPr>
+              <a:t>attempt to </a:t>
+            </a:r>
+            <a:r>
+              <a:rPr lang="en-US" sz="4000" dirty="0" smtClean="0">
+                <a:latin typeface="Arial" panose="020B0604020202020204" pitchFamily="34" charset="0"/>
+                <a:cs typeface="Arial" panose="020B0604020202020204" pitchFamily="34" charset="0"/>
+              </a:rPr>
+              <a:t>construct a </a:t>
+            </a:r>
+            <a:r>
+              <a:rPr lang="en-US" sz="4000" dirty="0" smtClean="0">
+                <a:latin typeface="Arial" panose="020B0604020202020204" pitchFamily="34" charset="0"/>
+                <a:cs typeface="Arial" panose="020B0604020202020204" pitchFamily="34" charset="0"/>
+              </a:rPr>
+              <a:t>path </a:t>
+            </a:r>
+            <a:r>
+              <a:rPr lang="en-US" sz="4000" dirty="0" smtClean="0">
+                <a:latin typeface="Arial" panose="020B0604020202020204" pitchFamily="34" charset="0"/>
+                <a:cs typeface="Arial" panose="020B0604020202020204" pitchFamily="34" charset="0"/>
+              </a:rPr>
+              <a:t>	going through </a:t>
+            </a:r>
+            <a:r>
+              <a:rPr lang="en-US" sz="4000" dirty="0" smtClean="0">
+                <a:latin typeface="Arial" panose="020B0604020202020204" pitchFamily="34" charset="0"/>
+                <a:cs typeface="Arial" panose="020B0604020202020204" pitchFamily="34" charset="0"/>
+              </a:rPr>
+              <a:t>points that don’t </a:t>
+            </a:r>
+            <a:r>
+              <a:rPr lang="en-US" sz="4000" dirty="0" smtClean="0">
+                <a:latin typeface="Arial" panose="020B0604020202020204" pitchFamily="34" charset="0"/>
+                <a:cs typeface="Arial" panose="020B0604020202020204" pitchFamily="34" charset="0"/>
+              </a:rPr>
+              <a:t>lie </a:t>
+            </a:r>
+            <a:r>
+              <a:rPr lang="en-US" sz="4000" dirty="0" smtClean="0">
+                <a:latin typeface="Arial" panose="020B0604020202020204" pitchFamily="34" charset="0"/>
+                <a:cs typeface="Arial" panose="020B0604020202020204" pitchFamily="34" charset="0"/>
+              </a:rPr>
+              <a:t>in </a:t>
+            </a:r>
+            <a:r>
+              <a:rPr lang="en-US" sz="4000" dirty="0" smtClean="0">
+                <a:latin typeface="Arial" panose="020B0604020202020204" pitchFamily="34" charset="0"/>
+                <a:cs typeface="Arial" panose="020B0604020202020204" pitchFamily="34" charset="0"/>
+              </a:rPr>
+              <a:t>	restricted areas </a:t>
+            </a:r>
+            <a:r>
+              <a:rPr lang="en-US" sz="4000" dirty="0" smtClean="0">
+                <a:latin typeface="Arial" panose="020B0604020202020204" pitchFamily="34" charset="0"/>
+                <a:cs typeface="Arial" panose="020B0604020202020204" pitchFamily="34" charset="0"/>
+              </a:rPr>
+              <a:t>using an A* </a:t>
+            </a:r>
+            <a:r>
+              <a:rPr lang="en-US" sz="4000" dirty="0" smtClean="0">
+                <a:latin typeface="Arial" panose="020B0604020202020204" pitchFamily="34" charset="0"/>
+                <a:cs typeface="Arial" panose="020B0604020202020204" pitchFamily="34" charset="0"/>
+              </a:rPr>
+              <a:t>search.</a:t>
+            </a:r>
+            <a:endParaRPr lang="en-US" sz="4000" dirty="0" smtClean="0">
+              <a:latin typeface="Arial" panose="020B0604020202020204" pitchFamily="34" charset="0"/>
+              <a:cs typeface="Arial" panose="020B0604020202020204" pitchFamily="34" charset="0"/>
+            </a:endParaRPr>
+          </a:p>
+          <a:p>
+            <a:endParaRPr lang="en-US" sz="4000" dirty="0">
+              <a:latin typeface="Arial" panose="020B0604020202020204" pitchFamily="34" charset="0"/>
+              <a:cs typeface="Arial" panose="020B0604020202020204" pitchFamily="34" charset="0"/>
+            </a:endParaRPr>
+          </a:p>
+          <a:p>
+            <a:r>
+              <a:rPr lang="en-US" sz="4000" dirty="0" smtClean="0">
+                <a:latin typeface="Arial" panose="020B0604020202020204" pitchFamily="34" charset="0"/>
+                <a:cs typeface="Arial" panose="020B0604020202020204" pitchFamily="34" charset="0"/>
+              </a:rPr>
+              <a:t>     Afterwards, we focused on finding optimal </a:t>
+            </a:r>
+            <a:r>
+              <a:rPr lang="en-US" sz="4000" dirty="0" smtClean="0">
+                <a:latin typeface="Arial" panose="020B0604020202020204" pitchFamily="34" charset="0"/>
+                <a:cs typeface="Arial" panose="020B0604020202020204" pitchFamily="34" charset="0"/>
+              </a:rPr>
+              <a:t>speeds, altitudes, and descent patterns </a:t>
+            </a:r>
+            <a:r>
+              <a:rPr lang="en-US" sz="4000" dirty="0" smtClean="0">
+                <a:latin typeface="Arial" panose="020B0604020202020204" pitchFamily="34" charset="0"/>
+                <a:cs typeface="Arial" panose="020B0604020202020204" pitchFamily="34" charset="0"/>
+              </a:rPr>
+              <a:t>for segments of our new generated flight path in order to find the best balance between fuel consumption and arrival time. In order to do this, we would need to first find the features that would be significant enough to train on and then train our data using a model. Another challenge would be finding out which learning algorithms would be appropriate.</a:t>
+            </a:r>
+            <a:endParaRPr lang="en-US" sz="4000" dirty="0">
+              <a:latin typeface="Arial" panose="020B0604020202020204" pitchFamily="34" charset="0"/>
+              <a:cs typeface="Arial" panose="020B0604020202020204" pitchFamily="34" charset="0"/>
+            </a:endParaRPr>
+          </a:p>
+        </p:txBody>
+      </p:sp>
+      <p:pic>
+        <p:nvPicPr>
+          <p:cNvPr id="22" name="Picture 3"/>
+          <p:cNvPicPr>
+            <a:picLocks noChangeAspect="1" noChangeArrowheads="1"/>
+          </p:cNvPicPr>
+          <p:nvPr/>
+        </p:nvPicPr>
+        <p:blipFill>
+          <a:blip r:embed="rId4">
+            <a:extLst>
+              <a:ext uri="{28A0092B-C50C-407E-A947-70E740481C1C}">
+                <a14:useLocalDpi xmlns:a14="http://schemas.microsoft.com/office/drawing/2010/main" val="0"/>
+              </a:ext>
+            </a:extLst>
+          </a:blip>
+          <a:srcRect/>
+          <a:stretch>
+            <a:fillRect/>
+          </a:stretch>
+        </p:blipFill>
+        <p:spPr bwMode="auto">
+          <a:xfrm>
+            <a:off x="16162337" y="13243719"/>
+            <a:ext cx="4009271" cy="5486400"/>
+          </a:xfrm>
+          <a:prstGeom prst="rect">
+            <a:avLst/>
+          </a:prstGeom>
+          <a:noFill/>
+          <a:ln>
+            <a:noFill/>
+          </a:ln>
+          <a:extLst>
+            <a:ext uri="{909E8E84-426E-40DD-AFC4-6F175D3DCCD1}">
+              <a14:hiddenFill xmlns:a14="http://schemas.microsoft.com/office/drawing/2010/main">
+                <a:solidFill>
+                  <a:schemeClr val="accent1"/>
+                </a:solidFill>
+              </a14:hiddenFill>
+            </a:ext>
+            <a:ext uri="{91240B29-F687-4F45-9708-019B960494DF}">
+              <a14:hiddenLine xmlns:a14="http://schemas.microsoft.com/office/drawing/2010/main" w="9525">
+                <a:solidFill>
+                  <a:schemeClr val="tx1"/>
+                </a:solidFill>
+                <a:miter lim="800000"/>
+                <a:headEnd/>
+                <a:tailEnd/>
+              </a14:hiddenLine>
+            </a:ext>
+          </a:extLst>
+        </p:spPr>
+      </p:pic>
     </p:spTree>
     <p:extLst>
       <p:ext uri="{BB962C8B-B14F-4D97-AF65-F5344CB8AC3E}">
-        <p14:creationId xmlns:p14="http://schemas.microsoft.com/office/powerpoint/2010/main" xmlns="" val="178827332"/>
+        <p14:creationId xmlns:p14="http://schemas.microsoft.com/office/powerpoint/2010/main" val="178827332"/>
       </p:ext>
     </p:extLst>
   </p:cSld>

--- a/poster/poster.pptx
+++ b/poster/poster.pptx
@@ -289,7 +289,7 @@
             <a:fld id="{24E72DE2-AD54-445F-BDF3-6E766A2209E8}" type="datetimeFigureOut">
               <a:rPr lang="en-US" smtClean="0"/>
               <a:pPr/>
-              <a:t>12/5/2013</a:t>
+              <a:t>12/5/13</a:t>
             </a:fld>
             <a:endParaRPr lang="en-US"/>
           </a:p>
@@ -461,7 +461,7 @@
             <a:fld id="{24E72DE2-AD54-445F-BDF3-6E766A2209E8}" type="datetimeFigureOut">
               <a:rPr lang="en-US" smtClean="0"/>
               <a:pPr/>
-              <a:t>12/5/2013</a:t>
+              <a:t>12/5/13</a:t>
             </a:fld>
             <a:endParaRPr lang="en-US"/>
           </a:p>
@@ -643,7 +643,7 @@
             <a:fld id="{24E72DE2-AD54-445F-BDF3-6E766A2209E8}" type="datetimeFigureOut">
               <a:rPr lang="en-US" smtClean="0"/>
               <a:pPr/>
-              <a:t>12/5/2013</a:t>
+              <a:t>12/5/13</a:t>
             </a:fld>
             <a:endParaRPr lang="en-US"/>
           </a:p>
@@ -815,7 +815,7 @@
             <a:fld id="{24E72DE2-AD54-445F-BDF3-6E766A2209E8}" type="datetimeFigureOut">
               <a:rPr lang="en-US" smtClean="0"/>
               <a:pPr/>
-              <a:t>12/5/2013</a:t>
+              <a:t>12/5/13</a:t>
             </a:fld>
             <a:endParaRPr lang="en-US"/>
           </a:p>
@@ -1063,7 +1063,7 @@
             <a:fld id="{24E72DE2-AD54-445F-BDF3-6E766A2209E8}" type="datetimeFigureOut">
               <a:rPr lang="en-US" smtClean="0"/>
               <a:pPr/>
-              <a:t>12/5/2013</a:t>
+              <a:t>12/5/13</a:t>
             </a:fld>
             <a:endParaRPr lang="en-US"/>
           </a:p>
@@ -1353,7 +1353,7 @@
             <a:fld id="{24E72DE2-AD54-445F-BDF3-6E766A2209E8}" type="datetimeFigureOut">
               <a:rPr lang="en-US" smtClean="0"/>
               <a:pPr/>
-              <a:t>12/5/2013</a:t>
+              <a:t>12/5/13</a:t>
             </a:fld>
             <a:endParaRPr lang="en-US"/>
           </a:p>
@@ -1782,7 +1782,7 @@
             <a:fld id="{24E72DE2-AD54-445F-BDF3-6E766A2209E8}" type="datetimeFigureOut">
               <a:rPr lang="en-US" smtClean="0"/>
               <a:pPr/>
-              <a:t>12/5/2013</a:t>
+              <a:t>12/5/13</a:t>
             </a:fld>
             <a:endParaRPr lang="en-US"/>
           </a:p>
@@ -1902,7 +1902,7 @@
             <a:fld id="{24E72DE2-AD54-445F-BDF3-6E766A2209E8}" type="datetimeFigureOut">
               <a:rPr lang="en-US" smtClean="0"/>
               <a:pPr/>
-              <a:t>12/5/2013</a:t>
+              <a:t>12/5/13</a:t>
             </a:fld>
             <a:endParaRPr lang="en-US"/>
           </a:p>
@@ -1999,7 +1999,7 @@
             <a:fld id="{24E72DE2-AD54-445F-BDF3-6E766A2209E8}" type="datetimeFigureOut">
               <a:rPr lang="en-US" smtClean="0"/>
               <a:pPr/>
-              <a:t>12/5/2013</a:t>
+              <a:t>12/5/13</a:t>
             </a:fld>
             <a:endParaRPr lang="en-US"/>
           </a:p>
@@ -2278,7 +2278,7 @@
             <a:fld id="{24E72DE2-AD54-445F-BDF3-6E766A2209E8}" type="datetimeFigureOut">
               <a:rPr lang="en-US" smtClean="0"/>
               <a:pPr/>
-              <a:t>12/5/2013</a:t>
+              <a:t>12/5/13</a:t>
             </a:fld>
             <a:endParaRPr lang="en-US"/>
           </a:p>
@@ -2533,7 +2533,7 @@
             <a:fld id="{24E72DE2-AD54-445F-BDF3-6E766A2209E8}" type="datetimeFigureOut">
               <a:rPr lang="en-US" smtClean="0"/>
               <a:pPr/>
-              <a:t>12/5/2013</a:t>
+              <a:t>12/5/13</a:t>
             </a:fld>
             <a:endParaRPr lang="en-US"/>
           </a:p>
@@ -2748,7 +2748,7 @@
             <a:fld id="{24E72DE2-AD54-445F-BDF3-6E766A2209E8}" type="datetimeFigureOut">
               <a:rPr lang="en-US" smtClean="0"/>
               <a:pPr/>
-              <a:t>12/5/2013</a:t>
+              <a:t>12/5/13</a:t>
             </a:fld>
             <a:endParaRPr lang="en-US"/>
           </a:p>
@@ -3158,14 +3158,14 @@
             <a:noFill/>
           </a:ln>
           <a:extLst>
-            <a:ext uri="{909E8E84-426E-40DD-AFC4-6F175D3DCCD1}">
+            <a:ext uri="{909E8E84-426E-40dd-AFC4-6F175D3DCCD1}">
               <a14:hiddenFill xmlns:a14="http://schemas.microsoft.com/office/drawing/2010/main">
                 <a:solidFill>
                   <a:schemeClr val="accent1"/>
                 </a:solidFill>
               </a14:hiddenFill>
             </a:ext>
-            <a:ext uri="{91240B29-F687-4F45-9708-019B960494DF}">
+            <a:ext uri="{91240B29-F687-4f45-9708-019B960494DF}">
               <a14:hiddenLine xmlns:a14="http://schemas.microsoft.com/office/drawing/2010/main" w="9525">
                 <a:solidFill>
                   <a:schemeClr val="tx1"/>
@@ -3569,8 +3569,8 @@
         </p:nvSpPr>
         <p:spPr>
           <a:xfrm>
-            <a:off x="13452122" y="28529492"/>
-            <a:ext cx="15974395" cy="11590106"/>
+            <a:off x="13452122" y="28529491"/>
+            <a:ext cx="15974395" cy="12620035"/>
           </a:xfrm>
           <a:prstGeom prst="rect">
             <a:avLst/>
@@ -3628,7 +3628,7 @@
         </p:blipFill>
         <p:spPr bwMode="auto">
           <a:xfrm>
-            <a:off x="13304837" y="40599519"/>
+            <a:off x="11730202" y="41189842"/>
             <a:ext cx="4396462" cy="1604396"/>
           </a:xfrm>
           <a:prstGeom prst="rect">
@@ -3639,14 +3639,14 @@
             <a:noFill/>
           </a:ln>
           <a:extLst>
-            <a:ext uri="{909E8E84-426E-40DD-AFC4-6F175D3DCCD1}">
+            <a:ext uri="{909E8E84-426E-40dd-AFC4-6F175D3DCCD1}">
               <a14:hiddenFill xmlns:a14="http://schemas.microsoft.com/office/drawing/2010/main">
                 <a:solidFill>
                   <a:schemeClr val="accent1"/>
                 </a:solidFill>
               </a14:hiddenFill>
             </a:ext>
-            <a:ext uri="{91240B29-F687-4F45-9708-019B960494DF}">
+            <a:ext uri="{91240B29-F687-4f45-9708-019B960494DF}">
               <a14:hiddenLine xmlns:a14="http://schemas.microsoft.com/office/drawing/2010/main" w="9525">
                 <a:solidFill>
                   <a:schemeClr val="tx1"/>
@@ -3698,14 +3698,14 @@
           <p:nvPr>
             <p:extLst>
               <p:ext uri="{D42A27DB-BD31-4B8C-83A1-F6EECF244321}">
-                <p14:modId xmlns:p14="http://schemas.microsoft.com/office/powerpoint/2010/main" val="542667089"/>
+                <p14:modId xmlns:p14="http://schemas.microsoft.com/office/powerpoint/2010/main" val="756355187"/>
               </p:ext>
             </p:extLst>
           </p:nvPr>
         </p:nvGraphicFramePr>
         <p:xfrm>
-          <a:off x="840758" y="28529494"/>
-          <a:ext cx="12464080" cy="11803279"/>
+          <a:off x="942345" y="28571329"/>
+          <a:ext cx="12464080" cy="12527397"/>
         </p:xfrm>
         <a:graphic>
           <a:graphicData uri="http://schemas.openxmlformats.org/drawingml/2006/table">
@@ -3718,7 +3718,7 @@
                 <a:gridCol w="4451457"/>
                 <a:gridCol w="3561166"/>
               </a:tblGrid>
-              <a:tr h="775513">
+              <a:tr h="753465">
                 <a:tc>
                   <a:txBody>
                     <a:bodyPr/>
@@ -3876,7 +3876,7 @@
                   </a:tcPr>
                 </a:tc>
               </a:tr>
-              <a:tr h="1085718">
+              <a:tr h="940193">
                 <a:tc>
                   <a:txBody>
                     <a:bodyPr/>
@@ -4010,7 +4010,7 @@
                   </a:tcPr>
                 </a:tc>
               </a:tr>
-              <a:tr h="1288602">
+              <a:tr h="1212172">
                 <a:tc>
                   <a:txBody>
                     <a:bodyPr/>
@@ -4019,7 +4019,15 @@
                       <a:pPr algn="ctr"/>
                       <a:r>
                         <a:rPr lang="en-US" sz="4300" b="1" dirty="0" smtClean="0"/>
-                        <a:t>Gradient boosted naïve</a:t>
+                        <a:t>Gradient boosted </a:t>
+                      </a:r>
+                      <a:r>
+                        <a:rPr lang="en-US" sz="4300" b="1" dirty="0" smtClean="0"/>
+                        <a:t>centroid</a:t>
+                      </a:r>
+                      <a:r>
+                        <a:rPr lang="en-US" sz="4300" b="1" baseline="0" dirty="0" smtClean="0"/>
+                        <a:t> avoider</a:t>
                       </a:r>
                       <a:endParaRPr lang="en-US" sz="4300" b="1" dirty="0"/>
                     </a:p>
@@ -4061,6 +4069,18 @@
                     <a:lstStyle/>
                     <a:p>
                       <a:pPr algn="ctr"/>
+                      <a:r>
+                        <a:rPr lang="en-US" sz="4300" b="1" dirty="0" err="1" smtClean="0"/>
+                        <a:t>Dest</a:t>
+                      </a:r>
+                      <a:r>
+                        <a:rPr lang="en-US" sz="4300" b="1" dirty="0" smtClean="0"/>
+                        <a:t>,</a:t>
+                      </a:r>
+                      <a:r>
+                        <a:rPr lang="en-US" sz="4300" b="1" baseline="0" dirty="0" smtClean="0"/>
+                        <a:t> Distance,  Time until Arrival</a:t>
+                      </a:r>
                       <a:endParaRPr lang="en-US" sz="4300" b="1" dirty="0"/>
                     </a:p>
                   </a:txBody>
@@ -4148,7 +4168,7 @@
                   </a:tcPr>
                 </a:tc>
               </a:tr>
-              <a:tr h="1288602">
+              <a:tr h="1212172">
                 <a:tc>
                   <a:txBody>
                     <a:bodyPr/>
@@ -4157,7 +4177,11 @@
                       <a:pPr algn="ctr"/>
                       <a:r>
                         <a:rPr lang="en-US" sz="4300" b="1" dirty="0" smtClean="0"/>
-                        <a:t>Gradient boosted A*</a:t>
+                        <a:t>Gradient boosted A</a:t>
+                      </a:r>
+                      <a:r>
+                        <a:rPr lang="en-US" sz="4300" b="1" dirty="0" smtClean="0"/>
+                        <a:t>* (single velocity)</a:t>
                       </a:r>
                       <a:endParaRPr lang="en-US" sz="4300" b="1" dirty="0"/>
                     </a:p>
@@ -4193,92 +4217,6 @@
                     </a:lnB>
                   </a:tcPr>
                 </a:tc>
-                <a:tc>
-                  <a:txBody>
-                    <a:bodyPr/>
-                    <a:lstStyle/>
-                    <a:p>
-                      <a:pPr algn="ctr"/>
-                      <a:endParaRPr lang="en-US" sz="4300" b="1" dirty="0"/>
-                    </a:p>
-                  </a:txBody>
-                  <a:tcPr marL="84076" marR="84076" marT="44577" marB="44577">
-                    <a:lnL w="12700" cap="flat" cmpd="sng" algn="ctr">
-                      <a:noFill/>
-                      <a:prstDash val="solid"/>
-                      <a:round/>
-                      <a:headEnd type="none" w="med" len="med"/>
-                      <a:tailEnd type="none" w="med" len="med"/>
-                    </a:lnL>
-                    <a:lnR w="12700" cap="flat" cmpd="sng" algn="ctr">
-                      <a:noFill/>
-                      <a:prstDash val="solid"/>
-                      <a:round/>
-                      <a:headEnd type="none" w="med" len="med"/>
-                      <a:tailEnd type="none" w="med" len="med"/>
-                    </a:lnR>
-                    <a:lnT w="12700" cap="flat" cmpd="sng" algn="ctr">
-                      <a:noFill/>
-                      <a:prstDash val="solid"/>
-                      <a:round/>
-                      <a:headEnd type="none" w="med" len="med"/>
-                      <a:tailEnd type="none" w="med" len="med"/>
-                    </a:lnT>
-                    <a:lnB w="12700" cap="flat" cmpd="sng" algn="ctr">
-                      <a:noFill/>
-                      <a:prstDash val="solid"/>
-                      <a:round/>
-                      <a:headEnd type="none" w="med" len="med"/>
-                      <a:tailEnd type="none" w="med" len="med"/>
-                    </a:lnB>
-                  </a:tcPr>
-                </a:tc>
-                <a:tc>
-                  <a:txBody>
-                    <a:bodyPr/>
-                    <a:lstStyle/>
-                    <a:p>
-                      <a:pPr algn="ctr"/>
-                      <a:r>
-                        <a:rPr lang="en-US" sz="4300" b="1" dirty="0" smtClean="0"/>
-                        <a:t>18945.93134</a:t>
-                      </a:r>
-                      <a:endParaRPr lang="en-US" sz="4300" b="1" dirty="0"/>
-                    </a:p>
-                  </a:txBody>
-                  <a:tcPr marL="84076" marR="84076" marT="44577" marB="44577">
-                    <a:lnL w="12700" cap="flat" cmpd="sng" algn="ctr">
-                      <a:noFill/>
-                      <a:prstDash val="solid"/>
-                      <a:round/>
-                      <a:headEnd type="none" w="med" len="med"/>
-                      <a:tailEnd type="none" w="med" len="med"/>
-                    </a:lnL>
-                    <a:lnR w="12700" cap="flat" cmpd="sng" algn="ctr">
-                      <a:noFill/>
-                      <a:prstDash val="solid"/>
-                      <a:round/>
-                      <a:headEnd type="none" w="med" len="med"/>
-                      <a:tailEnd type="none" w="med" len="med"/>
-                    </a:lnR>
-                    <a:lnT w="12700" cap="flat" cmpd="sng" algn="ctr">
-                      <a:noFill/>
-                      <a:prstDash val="solid"/>
-                      <a:round/>
-                      <a:headEnd type="none" w="med" len="med"/>
-                      <a:tailEnd type="none" w="med" len="med"/>
-                    </a:lnT>
-                    <a:lnB w="12700" cap="flat" cmpd="sng" algn="ctr">
-                      <a:noFill/>
-                      <a:prstDash val="solid"/>
-                      <a:round/>
-                      <a:headEnd type="none" w="med" len="med"/>
-                      <a:tailEnd type="none" w="med" len="med"/>
-                    </a:lnB>
-                  </a:tcPr>
-                </a:tc>
-              </a:tr>
-              <a:tr h="1288602">
                 <a:tc>
                   <a:txBody>
                     <a:bodyPr/>
@@ -4303,32 +4241,17 @@
                       </a:pPr>
                       <a:r>
                         <a:rPr lang="en-US" sz="4300" b="1" dirty="0" err="1" smtClean="0"/>
-                        <a:t>RandomForest</a:t>
-                      </a:r>
-                      <a:endParaRPr lang="en-US" sz="4300" b="1" dirty="0"/>
-                    </a:p>
-                    <a:p>
-                      <a:pPr marL="0" marR="0" indent="0" algn="ctr" defTabSz="4174431" rtl="0" eaLnBrk="1" fontAlgn="auto" latinLnBrk="0" hangingPunct="1">
-                        <a:lnSpc>
-                          <a:spcPct val="100000"/>
-                        </a:lnSpc>
-                        <a:spcBef>
-                          <a:spcPts val="0"/>
-                        </a:spcBef>
-                        <a:spcAft>
-                          <a:spcPts val="0"/>
-                        </a:spcAft>
-                        <a:buClrTx/>
-                        <a:buSzTx/>
-                        <a:buFontTx/>
-                        <a:buNone/>
-                        <a:tabLst/>
-                        <a:defRPr/>
-                      </a:pPr>
+                        <a:t>Dest</a:t>
+                      </a:r>
                       <a:r>
                         <a:rPr lang="en-US" sz="4300" b="1" dirty="0" smtClean="0"/>
-                        <a:t>A*</a:t>
-                      </a:r>
+                        <a:t>,</a:t>
+                      </a:r>
+                      <a:r>
+                        <a:rPr lang="en-US" sz="4300" b="1" baseline="0" dirty="0" smtClean="0"/>
+                        <a:t> Distance,  Time until Arrival</a:t>
+                      </a:r>
+                      <a:endParaRPr lang="en-US" sz="4300" b="1" dirty="0" smtClean="0"/>
                     </a:p>
                   </a:txBody>
                   <a:tcPr marL="84076" marR="84076" marT="44577" marB="44577">
@@ -4368,6 +4291,10 @@
                     <a:lstStyle/>
                     <a:p>
                       <a:pPr algn="ctr"/>
+                      <a:r>
+                        <a:rPr lang="en-US" sz="4300" b="1" dirty="0" smtClean="0"/>
+                        <a:t>18945.93134</a:t>
+                      </a:r>
                       <a:endParaRPr lang="en-US" sz="4300" b="1" dirty="0"/>
                     </a:p>
                   </a:txBody>
@@ -4402,52 +4329,8 @@
                     </a:lnB>
                   </a:tcPr>
                 </a:tc>
-                <a:tc>
-                  <a:txBody>
-                    <a:bodyPr/>
-                    <a:lstStyle/>
-                    <a:p>
-                      <a:pPr algn="ctr"/>
-                      <a:r>
-                        <a:rPr lang="en-US" sz="4300" b="1" dirty="0" smtClean="0"/>
-                        <a:t>19800.99899</a:t>
-                      </a:r>
-                      <a:endParaRPr lang="en-US" sz="4300" b="1" dirty="0"/>
-                    </a:p>
-                  </a:txBody>
-                  <a:tcPr marL="84076" marR="84076" marT="44577" marB="44577">
-                    <a:lnL w="12700" cap="flat" cmpd="sng" algn="ctr">
-                      <a:noFill/>
-                      <a:prstDash val="solid"/>
-                      <a:round/>
-                      <a:headEnd type="none" w="med" len="med"/>
-                      <a:tailEnd type="none" w="med" len="med"/>
-                    </a:lnL>
-                    <a:lnR w="12700" cap="flat" cmpd="sng" algn="ctr">
-                      <a:noFill/>
-                      <a:prstDash val="solid"/>
-                      <a:round/>
-                      <a:headEnd type="none" w="med" len="med"/>
-                      <a:tailEnd type="none" w="med" len="med"/>
-                    </a:lnR>
-                    <a:lnT w="12700" cap="flat" cmpd="sng" algn="ctr">
-                      <a:noFill/>
-                      <a:prstDash val="solid"/>
-                      <a:round/>
-                      <a:headEnd type="none" w="med" len="med"/>
-                      <a:tailEnd type="none" w="med" len="med"/>
-                    </a:lnT>
-                    <a:lnB w="12700" cap="flat" cmpd="sng" algn="ctr">
-                      <a:noFill/>
-                      <a:prstDash val="solid"/>
-                      <a:round/>
-                      <a:headEnd type="none" w="med" len="med"/>
-                      <a:tailEnd type="none" w="med" len="med"/>
-                    </a:lnB>
-                  </a:tcPr>
-                </a:tc>
               </a:tr>
-              <a:tr h="1085718">
+              <a:tr h="1212172">
                 <a:tc>
                   <a:txBody>
                     <a:bodyPr/>
@@ -4471,12 +4354,104 @@
                         <a:defRPr/>
                       </a:pPr>
                       <a:r>
+                        <a:rPr lang="en-US" sz="4300" b="1" dirty="0" err="1" smtClean="0"/>
+                        <a:t>RandomForest</a:t>
+                      </a:r>
+                      <a:endParaRPr lang="en-US" sz="4300" b="1" dirty="0"/>
+                    </a:p>
+                    <a:p>
+                      <a:pPr marL="0" marR="0" indent="0" algn="ctr" defTabSz="4174431" rtl="0" eaLnBrk="1" fontAlgn="auto" latinLnBrk="0" hangingPunct="1">
+                        <a:lnSpc>
+                          <a:spcPct val="100000"/>
+                        </a:lnSpc>
+                        <a:spcBef>
+                          <a:spcPts val="0"/>
+                        </a:spcBef>
+                        <a:spcAft>
+                          <a:spcPts val="0"/>
+                        </a:spcAft>
+                        <a:buClrTx/>
+                        <a:buSzTx/>
+                        <a:buFontTx/>
+                        <a:buNone/>
+                        <a:tabLst/>
+                        <a:defRPr/>
+                      </a:pPr>
+                      <a:r>
                         <a:rPr lang="en-US" sz="4300" b="1" dirty="0" smtClean="0"/>
-                        <a:t>Partial </a:t>
-                      </a:r>
+                        <a:t>A</a:t>
+                      </a:r>
+                      <a:r>
+                        <a:rPr lang="en-US" sz="4300" b="1" dirty="0" smtClean="0"/>
+                        <a:t>*(single velocity)</a:t>
+                      </a:r>
+                      <a:endParaRPr lang="en-US" sz="4300" b="1" dirty="0" smtClean="0"/>
+                    </a:p>
+                  </a:txBody>
+                  <a:tcPr marL="84076" marR="84076" marT="44577" marB="44577">
+                    <a:lnL w="12700" cap="flat" cmpd="sng" algn="ctr">
+                      <a:noFill/>
+                      <a:prstDash val="solid"/>
+                      <a:round/>
+                      <a:headEnd type="none" w="med" len="med"/>
+                      <a:tailEnd type="none" w="med" len="med"/>
+                    </a:lnL>
+                    <a:lnR w="12700" cap="flat" cmpd="sng" algn="ctr">
+                      <a:noFill/>
+                      <a:prstDash val="solid"/>
+                      <a:round/>
+                      <a:headEnd type="none" w="med" len="med"/>
+                      <a:tailEnd type="none" w="med" len="med"/>
+                    </a:lnR>
+                    <a:lnT w="12700" cap="flat" cmpd="sng" algn="ctr">
+                      <a:noFill/>
+                      <a:prstDash val="solid"/>
+                      <a:round/>
+                      <a:headEnd type="none" w="med" len="med"/>
+                      <a:tailEnd type="none" w="med" len="med"/>
+                    </a:lnT>
+                    <a:lnB w="12700" cap="flat" cmpd="sng" algn="ctr">
+                      <a:noFill/>
+                      <a:prstDash val="solid"/>
+                      <a:round/>
+                      <a:headEnd type="none" w="med" len="med"/>
+                      <a:tailEnd type="none" w="med" len="med"/>
+                    </a:lnB>
+                  </a:tcPr>
+                </a:tc>
+                <a:tc>
+                  <a:txBody>
+                    <a:bodyPr/>
+                    <a:lstStyle/>
+                    <a:p>
+                      <a:pPr marL="0" marR="0" indent="0" algn="ctr" defTabSz="4174431" rtl="0" eaLnBrk="1" fontAlgn="auto" latinLnBrk="0" hangingPunct="1">
+                        <a:lnSpc>
+                          <a:spcPct val="100000"/>
+                        </a:lnSpc>
+                        <a:spcBef>
+                          <a:spcPts val="0"/>
+                        </a:spcBef>
+                        <a:spcAft>
+                          <a:spcPts val="0"/>
+                        </a:spcAft>
+                        <a:buClrTx/>
+                        <a:buSzTx/>
+                        <a:buFontTx/>
+                        <a:buNone/>
+                        <a:tabLst/>
+                        <a:defRPr/>
+                      </a:pPr>
                       <a:r>
                         <a:rPr lang="en-US" sz="4300" b="1" dirty="0" err="1" smtClean="0"/>
-                        <a:t>kNN</a:t>
+                        <a:t>Dest</a:t>
+                      </a:r>
+                      <a:r>
+                        <a:rPr lang="en-US" sz="4300" b="1" dirty="0" smtClean="0"/>
+                        <a:t>,</a:t>
+                      </a:r>
+                      <a:r>
+                        <a:rPr lang="en-US" sz="4300" b="1" baseline="0" dirty="0" smtClean="0"/>
+                        <a:t> Distance,  Time until Arrival</a:t>
                       </a:r>
                       <a:endParaRPr lang="en-US" sz="4300" b="1" dirty="0" smtClean="0"/>
                     </a:p>
@@ -4518,7 +4493,81 @@
                     <a:lstStyle/>
                     <a:p>
                       <a:pPr algn="ctr"/>
+                      <a:r>
+                        <a:rPr lang="en-US" sz="4300" b="1" dirty="0" smtClean="0"/>
+                        <a:t>19800.99899</a:t>
+                      </a:r>
                       <a:endParaRPr lang="en-US" sz="4300" b="1" dirty="0"/>
+                    </a:p>
+                  </a:txBody>
+                  <a:tcPr marL="84076" marR="84076" marT="44577" marB="44577">
+                    <a:lnL w="12700" cap="flat" cmpd="sng" algn="ctr">
+                      <a:noFill/>
+                      <a:prstDash val="solid"/>
+                      <a:round/>
+                      <a:headEnd type="none" w="med" len="med"/>
+                      <a:tailEnd type="none" w="med" len="med"/>
+                    </a:lnL>
+                    <a:lnR w="12700" cap="flat" cmpd="sng" algn="ctr">
+                      <a:noFill/>
+                      <a:prstDash val="solid"/>
+                      <a:round/>
+                      <a:headEnd type="none" w="med" len="med"/>
+                      <a:tailEnd type="none" w="med" len="med"/>
+                    </a:lnR>
+                    <a:lnT w="12700" cap="flat" cmpd="sng" algn="ctr">
+                      <a:noFill/>
+                      <a:prstDash val="solid"/>
+                      <a:round/>
+                      <a:headEnd type="none" w="med" len="med"/>
+                      <a:tailEnd type="none" w="med" len="med"/>
+                    </a:lnT>
+                    <a:lnB w="12700" cap="flat" cmpd="sng" algn="ctr">
+                      <a:noFill/>
+                      <a:prstDash val="solid"/>
+                      <a:round/>
+                      <a:headEnd type="none" w="med" len="med"/>
+                      <a:tailEnd type="none" w="med" len="med"/>
+                    </a:lnB>
+                  </a:tcPr>
+                </a:tc>
+              </a:tr>
+              <a:tr h="940193">
+                <a:tc>
+                  <a:txBody>
+                    <a:bodyPr/>
+                    <a:lstStyle/>
+                    <a:p>
+                      <a:pPr marL="0" marR="0" indent="0" algn="ctr" defTabSz="4174431" rtl="0" eaLnBrk="1" fontAlgn="auto" latinLnBrk="0" hangingPunct="1">
+                        <a:lnSpc>
+                          <a:spcPct val="100000"/>
+                        </a:lnSpc>
+                        <a:spcBef>
+                          <a:spcPts val="0"/>
+                        </a:spcBef>
+                        <a:spcAft>
+                          <a:spcPts val="0"/>
+                        </a:spcAft>
+                        <a:buClrTx/>
+                        <a:buSzTx/>
+                        <a:buFontTx/>
+                        <a:buNone/>
+                        <a:tabLst/>
+                        <a:defRPr/>
+                      </a:pPr>
+                      <a:r>
+                        <a:rPr lang="en-US" sz="4300" b="1" dirty="0" smtClean="0"/>
+                        <a:t>Unsmoothed </a:t>
+                      </a:r>
+                      <a:r>
+                        <a:rPr lang="en-US" sz="4300" b="1" dirty="0" err="1" smtClean="0"/>
+                        <a:t>kNN</a:t>
+                      </a:r>
+                      <a:r>
+                        <a:rPr lang="en-US" sz="4300" b="1" dirty="0" smtClean="0"/>
+                        <a:t> A*</a:t>
+                      </a:r>
+                      <a:endParaRPr lang="en-US" sz="4300" b="1" dirty="0" smtClean="0"/>
                     </a:p>
                   </a:txBody>
                   <a:tcPr marL="84076" marR="84076" marT="44577" marB="44577">
@@ -4559,54 +4608,28 @@
                     <a:p>
                       <a:pPr algn="ctr"/>
                       <a:r>
+                        <a:rPr lang="en-US" sz="4300" b="1" dirty="0" err="1" smtClean="0"/>
+                        <a:t>Pos</a:t>
+                      </a:r>
+                      <a:r>
                         <a:rPr lang="en-US" sz="4300" b="1" dirty="0" smtClean="0"/>
-                        <a:t>20201.64102</a:t>
-                      </a:r>
-                      <a:endParaRPr lang="en-US" sz="4300" b="1" dirty="0"/>
-                    </a:p>
-                  </a:txBody>
-                  <a:tcPr marL="84076" marR="84076" marT="44577" marB="44577">
-                    <a:lnL w="12700" cap="flat" cmpd="sng" algn="ctr">
-                      <a:noFill/>
-                      <a:prstDash val="solid"/>
-                      <a:round/>
-                      <a:headEnd type="none" w="med" len="med"/>
-                      <a:tailEnd type="none" w="med" len="med"/>
-                    </a:lnL>
-                    <a:lnR w="12700" cap="flat" cmpd="sng" algn="ctr">
-                      <a:noFill/>
-                      <a:prstDash val="solid"/>
-                      <a:round/>
-                      <a:headEnd type="none" w="med" len="med"/>
-                      <a:tailEnd type="none" w="med" len="med"/>
-                    </a:lnR>
-                    <a:lnT w="12700" cap="flat" cmpd="sng" algn="ctr">
-                      <a:noFill/>
-                      <a:prstDash val="solid"/>
-                      <a:round/>
-                      <a:headEnd type="none" w="med" len="med"/>
-                      <a:tailEnd type="none" w="med" len="med"/>
-                    </a:lnT>
-                    <a:lnB w="12700" cap="flat" cmpd="sng" algn="ctr">
-                      <a:noFill/>
-                      <a:prstDash val="solid"/>
-                      <a:round/>
-                      <a:headEnd type="none" w="med" len="med"/>
-                      <a:tailEnd type="none" w="med" len="med"/>
-                    </a:lnB>
-                  </a:tcPr>
-                </a:tc>
-              </a:tr>
-              <a:tr h="1085718">
-                <a:tc>
-                  <a:txBody>
-                    <a:bodyPr/>
-                    <a:lstStyle/>
-                    <a:p>
-                      <a:pPr algn="ctr"/>
+                        <a:t>, </a:t>
+                      </a:r>
+                      <a:r>
+                        <a:rPr lang="en-US" sz="4300" b="1" dirty="0" err="1" smtClean="0"/>
+                        <a:t>Dir</a:t>
+                      </a:r>
                       <a:r>
                         <a:rPr lang="en-US" sz="4300" b="1" dirty="0" smtClean="0"/>
-                        <a:t>Unsmoothed Gradient Boost</a:t>
+                        <a:t>,</a:t>
+                      </a:r>
+                      <a:r>
+                        <a:rPr lang="en-US" sz="4300" b="1" baseline="0" dirty="0" smtClean="0"/>
+                        <a:t> </a:t>
+                      </a:r>
+                      <a:r>
+                        <a:rPr lang="en-US" sz="4300" b="1" baseline="0" dirty="0" err="1" smtClean="0"/>
+                        <a:t>Dest</a:t>
                       </a:r>
                       <a:endParaRPr lang="en-US" sz="4300" b="1" dirty="0"/>
                     </a:p>
@@ -4648,6 +4671,60 @@
                     <a:lstStyle/>
                     <a:p>
                       <a:pPr algn="ctr"/>
+                      <a:r>
+                        <a:rPr lang="en-US" sz="4300" b="1" dirty="0" smtClean="0"/>
+                        <a:t>20201.64102</a:t>
+                      </a:r>
+                      <a:endParaRPr lang="en-US" sz="4300" b="1" dirty="0"/>
+                    </a:p>
+                  </a:txBody>
+                  <a:tcPr marL="84076" marR="84076" marT="44577" marB="44577">
+                    <a:lnL w="12700" cap="flat" cmpd="sng" algn="ctr">
+                      <a:noFill/>
+                      <a:prstDash val="solid"/>
+                      <a:round/>
+                      <a:headEnd type="none" w="med" len="med"/>
+                      <a:tailEnd type="none" w="med" len="med"/>
+                    </a:lnL>
+                    <a:lnR w="12700" cap="flat" cmpd="sng" algn="ctr">
+                      <a:noFill/>
+                      <a:prstDash val="solid"/>
+                      <a:round/>
+                      <a:headEnd type="none" w="med" len="med"/>
+                      <a:tailEnd type="none" w="med" len="med"/>
+                    </a:lnR>
+                    <a:lnT w="12700" cap="flat" cmpd="sng" algn="ctr">
+                      <a:noFill/>
+                      <a:prstDash val="solid"/>
+                      <a:round/>
+                      <a:headEnd type="none" w="med" len="med"/>
+                      <a:tailEnd type="none" w="med" len="med"/>
+                    </a:lnT>
+                    <a:lnB w="12700" cap="flat" cmpd="sng" algn="ctr">
+                      <a:noFill/>
+                      <a:prstDash val="solid"/>
+                      <a:round/>
+                      <a:headEnd type="none" w="med" len="med"/>
+                      <a:tailEnd type="none" w="med" len="med"/>
+                    </a:lnB>
+                  </a:tcPr>
+                </a:tc>
+              </a:tr>
+              <a:tr h="1779655">
+                <a:tc>
+                  <a:txBody>
+                    <a:bodyPr/>
+                    <a:lstStyle/>
+                    <a:p>
+                      <a:pPr algn="ctr"/>
+                      <a:r>
+                        <a:rPr lang="en-US" sz="4300" b="1" dirty="0" smtClean="0"/>
+                        <a:t>Unsmoothed Gradient </a:t>
+                      </a:r>
+                      <a:r>
+                        <a:rPr lang="en-US" sz="4300" b="1" dirty="0" smtClean="0"/>
+                        <a:t>Boost A*</a:t>
+                      </a:r>
                       <a:endParaRPr lang="en-US" sz="4300" b="1" dirty="0"/>
                     </a:p>
                   </a:txBody>
@@ -4690,50 +4767,24 @@
                       <a:pPr algn="ctr"/>
                       <a:r>
                         <a:rPr lang="en-US" sz="4300" b="1" dirty="0" smtClean="0"/>
-                        <a:t>19953.01149</a:t>
-                      </a:r>
-                      <a:endParaRPr lang="en-US" sz="4300" b="1" dirty="0"/>
-                    </a:p>
-                  </a:txBody>
-                  <a:tcPr marL="84076" marR="84076" marT="44577" marB="44577">
-                    <a:lnL w="12700" cap="flat" cmpd="sng" algn="ctr">
-                      <a:noFill/>
-                      <a:prstDash val="solid"/>
-                      <a:round/>
-                      <a:headEnd type="none" w="med" len="med"/>
-                      <a:tailEnd type="none" w="med" len="med"/>
-                    </a:lnL>
-                    <a:lnR w="12700" cap="flat" cmpd="sng" algn="ctr">
-                      <a:noFill/>
-                      <a:prstDash val="solid"/>
-                      <a:round/>
-                      <a:headEnd type="none" w="med" len="med"/>
-                      <a:tailEnd type="none" w="med" len="med"/>
-                    </a:lnR>
-                    <a:lnT w="12700" cap="flat" cmpd="sng" algn="ctr">
-                      <a:noFill/>
-                      <a:prstDash val="solid"/>
-                      <a:round/>
-                      <a:headEnd type="none" w="med" len="med"/>
-                      <a:tailEnd type="none" w="med" len="med"/>
-                    </a:lnT>
-                    <a:lnB w="12700" cap="flat" cmpd="sng" algn="ctr">
-                      <a:noFill/>
-                      <a:prstDash val="solid"/>
-                      <a:round/>
-                      <a:headEnd type="none" w="med" len="med"/>
-                      <a:tailEnd type="none" w="med" len="med"/>
-                    </a:lnB>
-                  </a:tcPr>
-                </a:tc>
-              </a:tr>
-              <a:tr h="1085718">
-                <a:tc>
-                  <a:txBody>
-                    <a:bodyPr/>
-                    <a:lstStyle/>
-                    <a:p>
-                      <a:pPr algn="ctr"/>
+                        <a:t>Pos.,</a:t>
+                      </a:r>
+                      <a:r>
+                        <a:rPr lang="en-US" sz="4300" b="1" baseline="0" dirty="0" smtClean="0"/>
+                        <a:t> </a:t>
+                      </a:r>
+                      <a:r>
+                        <a:rPr lang="en-US" sz="4300" b="1" baseline="0" dirty="0" err="1" smtClean="0"/>
+                        <a:t>Dir</a:t>
+                      </a:r>
+                      <a:r>
+                        <a:rPr lang="en-US" sz="4300" b="1" baseline="0" dirty="0" smtClean="0"/>
+                        <a:t>, </a:t>
+                      </a:r>
+                      <a:r>
+                        <a:rPr lang="en-US" sz="4300" b="1" baseline="0" dirty="0" err="1" smtClean="0"/>
+                        <a:t>Dest</a:t>
+                      </a:r>
                       <a:endParaRPr lang="en-US" sz="4300" b="1" dirty="0"/>
                     </a:p>
                   </a:txBody>
@@ -4774,6 +4825,60 @@
                     <a:lstStyle/>
                     <a:p>
                       <a:pPr algn="ctr"/>
+                      <a:r>
+                        <a:rPr lang="en-US" sz="4300" b="1" dirty="0" smtClean="0"/>
+                        <a:t>19953.01149</a:t>
+                      </a:r>
+                      <a:endParaRPr lang="en-US" sz="4300" b="1" dirty="0"/>
+                    </a:p>
+                  </a:txBody>
+                  <a:tcPr marL="84076" marR="84076" marT="44577" marB="44577">
+                    <a:lnL w="12700" cap="flat" cmpd="sng" algn="ctr">
+                      <a:noFill/>
+                      <a:prstDash val="solid"/>
+                      <a:round/>
+                      <a:headEnd type="none" w="med" len="med"/>
+                      <a:tailEnd type="none" w="med" len="med"/>
+                    </a:lnL>
+                    <a:lnR w="12700" cap="flat" cmpd="sng" algn="ctr">
+                      <a:noFill/>
+                      <a:prstDash val="solid"/>
+                      <a:round/>
+                      <a:headEnd type="none" w="med" len="med"/>
+                      <a:tailEnd type="none" w="med" len="med"/>
+                    </a:lnR>
+                    <a:lnT w="12700" cap="flat" cmpd="sng" algn="ctr">
+                      <a:noFill/>
+                      <a:prstDash val="solid"/>
+                      <a:round/>
+                      <a:headEnd type="none" w="med" len="med"/>
+                      <a:tailEnd type="none" w="med" len="med"/>
+                    </a:lnT>
+                    <a:lnB w="12700" cap="flat" cmpd="sng" algn="ctr">
+                      <a:noFill/>
+                      <a:prstDash val="solid"/>
+                      <a:round/>
+                      <a:headEnd type="none" w="med" len="med"/>
+                      <a:tailEnd type="none" w="med" len="med"/>
+                    </a:lnB>
+                  </a:tcPr>
+                </a:tc>
+              </a:tr>
+              <a:tr h="1779655">
+                <a:tc>
+                  <a:txBody>
+                    <a:bodyPr/>
+                    <a:lstStyle/>
+                    <a:p>
+                      <a:pPr algn="ctr"/>
+                      <a:r>
+                        <a:rPr lang="en-US" sz="4300" b="1" dirty="0" smtClean="0"/>
+                        <a:t>Smoothed Forest</a:t>
+                      </a:r>
+                      <a:r>
+                        <a:rPr lang="en-US" sz="4300" b="1" baseline="0" dirty="0" smtClean="0"/>
+                        <a:t> of Random Trees A*</a:t>
+                      </a:r>
                       <a:endParaRPr lang="en-US" sz="4300" b="1" dirty="0"/>
                     </a:p>
                   </a:txBody>
@@ -4814,48 +4919,30 @@
                     <a:lstStyle/>
                     <a:p>
                       <a:pPr algn="ctr"/>
-                      <a:endParaRPr lang="en-US" sz="4300" b="1" dirty="0"/>
-                    </a:p>
-                  </a:txBody>
-                  <a:tcPr marL="84076" marR="84076" marT="44577" marB="44577">
-                    <a:lnL w="12700" cap="flat" cmpd="sng" algn="ctr">
-                      <a:noFill/>
-                      <a:prstDash val="solid"/>
-                      <a:round/>
-                      <a:headEnd type="none" w="med" len="med"/>
-                      <a:tailEnd type="none" w="med" len="med"/>
-                    </a:lnL>
-                    <a:lnR w="12700" cap="flat" cmpd="sng" algn="ctr">
-                      <a:noFill/>
-                      <a:prstDash val="solid"/>
-                      <a:round/>
-                      <a:headEnd type="none" w="med" len="med"/>
-                      <a:tailEnd type="none" w="med" len="med"/>
-                    </a:lnR>
-                    <a:lnT w="12700" cap="flat" cmpd="sng" algn="ctr">
-                      <a:noFill/>
-                      <a:prstDash val="solid"/>
-                      <a:round/>
-                      <a:headEnd type="none" w="med" len="med"/>
-                      <a:tailEnd type="none" w="med" len="med"/>
-                    </a:lnT>
-                    <a:lnB w="12700" cap="flat" cmpd="sng" algn="ctr">
-                      <a:noFill/>
-                      <a:prstDash val="solid"/>
-                      <a:round/>
-                      <a:headEnd type="none" w="med" len="med"/>
-                      <a:tailEnd type="none" w="med" len="med"/>
-                    </a:lnB>
-                  </a:tcPr>
-                </a:tc>
-              </a:tr>
-              <a:tr h="1085718">
-                <a:tc>
-                  <a:txBody>
-                    <a:bodyPr/>
-                    <a:lstStyle/>
-                    <a:p>
-                      <a:pPr algn="ctr"/>
+                      <a:r>
+                        <a:rPr lang="en-US" sz="4300" b="1" dirty="0" err="1" smtClean="0"/>
+                        <a:t>Pos</a:t>
+                      </a:r>
+                      <a:r>
+                        <a:rPr lang="en-US" sz="4300" b="1" dirty="0" smtClean="0"/>
+                        <a:t>, </a:t>
+                      </a:r>
+                      <a:r>
+                        <a:rPr lang="en-US" sz="4300" b="1" dirty="0" err="1" smtClean="0"/>
+                        <a:t>Dir</a:t>
+                      </a:r>
+                      <a:r>
+                        <a:rPr lang="en-US" sz="4300" b="1" dirty="0" smtClean="0"/>
+                        <a:t>,</a:t>
+                      </a:r>
+                      <a:r>
+                        <a:rPr lang="en-US" sz="4300" b="1" baseline="0" dirty="0" smtClean="0"/>
+                        <a:t> </a:t>
+                      </a:r>
+                      <a:r>
+                        <a:rPr lang="en-US" sz="4300" b="1" baseline="0" dirty="0" err="1" smtClean="0"/>
+                        <a:t>Dest</a:t>
+                      </a:r>
                       <a:endParaRPr lang="en-US" sz="4300" b="1" dirty="0"/>
                     </a:p>
                   </a:txBody>
@@ -4896,6 +4983,60 @@
                     <a:lstStyle/>
                     <a:p>
                       <a:pPr algn="ctr"/>
+                      <a:r>
+                        <a:rPr lang="en-US" sz="4300" b="1" dirty="0" smtClean="0"/>
+                        <a:t>20560.67523</a:t>
+                      </a:r>
+                      <a:endParaRPr lang="en-US" sz="4300" b="1" dirty="0"/>
+                    </a:p>
+                  </a:txBody>
+                  <a:tcPr marL="84076" marR="84076" marT="44577" marB="44577">
+                    <a:lnL w="12700" cap="flat" cmpd="sng" algn="ctr">
+                      <a:noFill/>
+                      <a:prstDash val="solid"/>
+                      <a:round/>
+                      <a:headEnd type="none" w="med" len="med"/>
+                      <a:tailEnd type="none" w="med" len="med"/>
+                    </a:lnL>
+                    <a:lnR w="12700" cap="flat" cmpd="sng" algn="ctr">
+                      <a:noFill/>
+                      <a:prstDash val="solid"/>
+                      <a:round/>
+                      <a:headEnd type="none" w="med" len="med"/>
+                      <a:tailEnd type="none" w="med" len="med"/>
+                    </a:lnR>
+                    <a:lnT w="12700" cap="flat" cmpd="sng" algn="ctr">
+                      <a:noFill/>
+                      <a:prstDash val="solid"/>
+                      <a:round/>
+                      <a:headEnd type="none" w="med" len="med"/>
+                      <a:tailEnd type="none" w="med" len="med"/>
+                    </a:lnT>
+                    <a:lnB w="12700" cap="flat" cmpd="sng" algn="ctr">
+                      <a:noFill/>
+                      <a:prstDash val="solid"/>
+                      <a:round/>
+                      <a:headEnd type="none" w="med" len="med"/>
+                      <a:tailEnd type="none" w="med" len="med"/>
+                    </a:lnB>
+                  </a:tcPr>
+                </a:tc>
+              </a:tr>
+              <a:tr h="688567">
+                <a:tc>
+                  <a:txBody>
+                    <a:bodyPr/>
+                    <a:lstStyle/>
+                    <a:p>
+                      <a:pPr algn="ctr"/>
+                      <a:r>
+                        <a:rPr lang="en-US" sz="4300" b="1" dirty="0" smtClean="0"/>
+                        <a:t>Smoothed weighted</a:t>
+                      </a:r>
+                      <a:r>
+                        <a:rPr lang="en-US" sz="4300" b="1" baseline="0" dirty="0" smtClean="0"/>
+                        <a:t> KNN A*</a:t>
+                      </a:r>
                       <a:endParaRPr lang="en-US" sz="4300" b="1" dirty="0"/>
                     </a:p>
                   </a:txBody>
@@ -4936,49 +5077,27 @@
                     <a:lstStyle/>
                     <a:p>
                       <a:pPr algn="ctr"/>
-                      <a:endParaRPr lang="en-US" sz="4300" b="1"/>
-                    </a:p>
-                  </a:txBody>
-                  <a:tcPr marL="84076" marR="84076" marT="44577" marB="44577">
-                    <a:lnL w="12700" cap="flat" cmpd="sng" algn="ctr">
-                      <a:noFill/>
-                      <a:prstDash val="solid"/>
-                      <a:round/>
-                      <a:headEnd type="none" w="med" len="med"/>
-                      <a:tailEnd type="none" w="med" len="med"/>
-                    </a:lnL>
-                    <a:lnR w="12700" cap="flat" cmpd="sng" algn="ctr">
-                      <a:noFill/>
-                      <a:prstDash val="solid"/>
-                      <a:round/>
-                      <a:headEnd type="none" w="med" len="med"/>
-                      <a:tailEnd type="none" w="med" len="med"/>
-                    </a:lnR>
-                    <a:lnT w="12700" cap="flat" cmpd="sng" algn="ctr">
-                      <a:noFill/>
-                      <a:prstDash val="solid"/>
-                      <a:round/>
-                      <a:headEnd type="none" w="med" len="med"/>
-                      <a:tailEnd type="none" w="med" len="med"/>
-                    </a:lnT>
-                    <a:lnB w="12700" cap="flat" cmpd="sng" algn="ctr">
-                      <a:noFill/>
-                      <a:prstDash val="solid"/>
-                      <a:round/>
-                      <a:headEnd type="none" w="med" len="med"/>
-                      <a:tailEnd type="none" w="med" len="med"/>
-                    </a:lnB>
-                  </a:tcPr>
-                </a:tc>
-              </a:tr>
-              <a:tr h="1085718">
-                <a:tc>
-                  <a:txBody>
-                    <a:bodyPr/>
-                    <a:lstStyle/>
-                    <a:p>
-                      <a:pPr algn="ctr"/>
-                      <a:endParaRPr lang="en-US" sz="4300" b="1"/>
+                      <a:r>
+                        <a:rPr lang="en-US" sz="4300" b="1" dirty="0" err="1" smtClean="0"/>
+                        <a:t>Pos</a:t>
+                      </a:r>
+                      <a:r>
+                        <a:rPr lang="en-US" sz="4300" b="1" dirty="0" smtClean="0"/>
+                        <a:t>, </a:t>
+                      </a:r>
+                      <a:r>
+                        <a:rPr lang="en-US" sz="4300" b="1" dirty="0" err="1" smtClean="0"/>
+                        <a:t>Dir</a:t>
+                      </a:r>
+                      <a:r>
+                        <a:rPr lang="en-US" sz="4300" b="1" dirty="0" smtClean="0"/>
+                        <a:t>, </a:t>
+                      </a:r>
+                      <a:r>
+                        <a:rPr lang="en-US" sz="4300" b="1" dirty="0" err="1" smtClean="0"/>
+                        <a:t>Dest</a:t>
+                      </a:r>
+                      <a:endParaRPr lang="en-US" sz="4300" b="1" dirty="0"/>
                     </a:p>
                   </a:txBody>
                   <a:tcPr marL="84076" marR="84076" marT="44577" marB="44577">
@@ -5018,46 +5137,10 @@
                     <a:lstStyle/>
                     <a:p>
                       <a:pPr algn="ctr"/>
-                      <a:endParaRPr lang="en-US" sz="4300" b="1" dirty="0"/>
-                    </a:p>
-                  </a:txBody>
-                  <a:tcPr marL="84076" marR="84076" marT="44577" marB="44577">
-                    <a:lnL w="12700" cap="flat" cmpd="sng" algn="ctr">
-                      <a:noFill/>
-                      <a:prstDash val="solid"/>
-                      <a:round/>
-                      <a:headEnd type="none" w="med" len="med"/>
-                      <a:tailEnd type="none" w="med" len="med"/>
-                    </a:lnL>
-                    <a:lnR w="12700" cap="flat" cmpd="sng" algn="ctr">
-                      <a:noFill/>
-                      <a:prstDash val="solid"/>
-                      <a:round/>
-                      <a:headEnd type="none" w="med" len="med"/>
-                      <a:tailEnd type="none" w="med" len="med"/>
-                    </a:lnR>
-                    <a:lnT w="12700" cap="flat" cmpd="sng" algn="ctr">
-                      <a:noFill/>
-                      <a:prstDash val="solid"/>
-                      <a:round/>
-                      <a:headEnd type="none" w="med" len="med"/>
-                      <a:tailEnd type="none" w="med" len="med"/>
-                    </a:lnT>
-                    <a:lnB w="12700" cap="flat" cmpd="sng" algn="ctr">
-                      <a:noFill/>
-                      <a:prstDash val="solid"/>
-                      <a:round/>
-                      <a:headEnd type="none" w="med" len="med"/>
-                      <a:tailEnd type="none" w="med" len="med"/>
-                    </a:lnB>
-                  </a:tcPr>
-                </a:tc>
-                <a:tc>
-                  <a:txBody>
-                    <a:bodyPr/>
-                    <a:lstStyle/>
-                    <a:p>
-                      <a:pPr algn="ctr"/>
+                      <a:r>
+                        <a:rPr lang="en-US" sz="4300" b="1" dirty="0" smtClean="0"/>
+                        <a:t>20525.75794</a:t>
+                      </a:r>
                       <a:endParaRPr lang="en-US" sz="4300" b="1" dirty="0"/>
                     </a:p>
                   </a:txBody>
@@ -5105,8 +5188,8 @@
         </p:nvSpPr>
         <p:spPr>
           <a:xfrm>
-            <a:off x="13452122" y="28529492"/>
-            <a:ext cx="15974395" cy="3596480"/>
+            <a:off x="13452120" y="28478690"/>
+            <a:ext cx="15974395" cy="12829780"/>
           </a:xfrm>
           <a:prstGeom prst="rect">
             <a:avLst/>
@@ -5120,30 +5203,89 @@
           <a:lstStyle/>
           <a:p>
             <a:r>
-              <a:rPr lang="en-US" sz="3800" dirty="0" smtClean="0">
-                <a:latin typeface="Arial" panose="020B0604020202020204" pitchFamily="34" charset="0"/>
-                <a:cs typeface="Arial" panose="020B0604020202020204" pitchFamily="34" charset="0"/>
+              <a:rPr lang="en-US" sz="3600" dirty="0" smtClean="0">
+                <a:latin typeface="Helvetica"/>
+                <a:cs typeface="Helvetica"/>
               </a:rPr>
-              <a:t>     We were provided a cost calculator that determined the total cost accumulated through by all of the test flights that we found paths for. We ran several solutions and compared them to each other, as shown in the table to the left.</a:t>
-            </a:r>
-          </a:p>
-          <a:p>
-            <a:endParaRPr lang="en-US" sz="3800" dirty="0" smtClean="0">
-              <a:latin typeface="Arial" panose="020B0604020202020204" pitchFamily="34" charset="0"/>
-              <a:cs typeface="Arial" panose="020B0604020202020204" pitchFamily="34" charset="0"/>
+              <a:t>     We were provided a cost calculator that determined the total cost accumulated through by all of the test flights that we found paths for. We ran several solutions and compared them to each other, as shown in the table to the left</a:t>
+            </a:r>
+            <a:r>
+              <a:rPr lang="en-US" sz="3600" dirty="0" smtClean="0">
+                <a:latin typeface="Helvetica"/>
+                <a:cs typeface="Helvetica"/>
+              </a:rPr>
+              <a:t>. </a:t>
+            </a:r>
+            <a:r>
+              <a:rPr lang="en-US" sz="3600" dirty="0" smtClean="0">
+                <a:latin typeface="Helvetica"/>
+                <a:cs typeface="Helvetica"/>
+              </a:rPr>
+              <a:t>In all of them, we used machine learning to predict speed and altitude.</a:t>
+            </a:r>
+            <a:endParaRPr lang="en-US" sz="3600" dirty="0" smtClean="0">
+              <a:latin typeface="Helvetica"/>
+              <a:cs typeface="Helvetica"/>
             </a:endParaRPr>
           </a:p>
           <a:p>
-            <a:r>
-              <a:rPr lang="en-US" sz="3800" dirty="0" smtClean="0">
-                <a:latin typeface="Arial" panose="020B0604020202020204" pitchFamily="34" charset="0"/>
-                <a:cs typeface="Arial" panose="020B0604020202020204" pitchFamily="34" charset="0"/>
+            <a:endParaRPr lang="en-US" sz="3600" dirty="0" smtClean="0">
+              <a:latin typeface="Helvetica"/>
+              <a:cs typeface="Helvetica"/>
+            </a:endParaRPr>
+          </a:p>
+          <a:p>
+            <a:r>
+              <a:rPr lang="en-US" sz="3600" dirty="0" smtClean="0">
+                <a:latin typeface="Helvetica"/>
+                <a:cs typeface="Helvetica"/>
               </a:rPr>
-              <a:t>     As we can see, we had the most success using </a:t>
-            </a:r>
-            <a:endParaRPr lang="en-US" sz="3800" dirty="0">
-              <a:latin typeface="Arial" panose="020B0604020202020204" pitchFamily="34" charset="0"/>
-              <a:cs typeface="Arial" panose="020B0604020202020204" pitchFamily="34" charset="0"/>
+              <a:t>     The single velocity algorithms used a single velocity and altitude for the duration of the flight except for the final descent. The smoothing refers to the fact that frequent changes between ascent and descent are penalized. The smoothing function we used was naïve so reducing the changes in ascent and descent did not actually improve the score. </a:t>
+            </a:r>
+          </a:p>
+          <a:p>
+            <a:endParaRPr lang="en-US" sz="3600" dirty="0">
+              <a:latin typeface="Helvetica"/>
+              <a:cs typeface="Helvetica"/>
+            </a:endParaRPr>
+          </a:p>
+          <a:p>
+            <a:r>
+              <a:rPr lang="en-US" sz="3600" dirty="0" smtClean="0">
+                <a:latin typeface="Helvetica"/>
+                <a:cs typeface="Helvetica"/>
+              </a:rPr>
+              <a:t>     We chose k-nearest neighbors and ensemble methods because k-nearest neighbors maps naturally to the problem and ensemble methods produce good results even when little information is known about which features are important.</a:t>
+            </a:r>
+            <a:endParaRPr lang="en-US" sz="3600" dirty="0" smtClean="0">
+              <a:latin typeface="Helvetica"/>
+              <a:cs typeface="Helvetica"/>
+            </a:endParaRPr>
+          </a:p>
+          <a:p>
+            <a:endParaRPr lang="en-US" sz="3600" dirty="0" smtClean="0">
+              <a:latin typeface="Helvetica"/>
+              <a:cs typeface="Helvetica"/>
+            </a:endParaRPr>
+          </a:p>
+          <a:p>
+            <a:r>
+              <a:rPr lang="en-US" sz="3600" smtClean="0">
+                <a:latin typeface="Helvetica"/>
+                <a:cs typeface="Helvetica"/>
+              </a:rPr>
+              <a:t>     Our </a:t>
+            </a:r>
+            <a:r>
+              <a:rPr lang="en-US" sz="3600" dirty="0" smtClean="0">
+                <a:latin typeface="Helvetica"/>
+                <a:cs typeface="Helvetica"/>
+              </a:rPr>
+              <a:t>next steps are to find a better smoothing algorithm. Our current smoothing algorithm is easily led astray by outliers so we plan on training to detect outliers in our sequence of velocities and altitudes. We also plan to train for better paths than the shortest ones using old position data as the shortest path is not the most optimal due to prevailing winds. We also want to extract more features.</a:t>
+            </a:r>
+            <a:endParaRPr lang="en-US" sz="3600" dirty="0">
+              <a:latin typeface="Helvetica"/>
+              <a:cs typeface="Helvetica"/>
             </a:endParaRPr>
           </a:p>
         </p:txBody>
@@ -5243,107 +5385,65 @@
           <a:p>
             <a:r>
               <a:rPr lang="en-US" sz="4000" dirty="0" smtClean="0">
-                <a:latin typeface="Arial" panose="020B0604020202020204" pitchFamily="34" charset="0"/>
-                <a:cs typeface="Arial" panose="020B0604020202020204" pitchFamily="34" charset="0"/>
+                <a:latin typeface="Helvetica"/>
+                <a:cs typeface="Helvetica"/>
+              </a:rPr>
+              <a:t>     In the modern day, airplanes are a frequently-used means of transportation. However, using it is fairly expensive to manage due to costs of fuel and delay. Due to many different factors, such as weather, restricted areas, and jet streams, it’s very difficult to keep this cost of such transportation at an optimal level; airports are always looking for more ways to optimize their flights. What we aim to do here in Flight Quest is to optimize to the best of our ability the costs of airplane flights using machine learning techniques on large sets of data.</a:t>
+            </a:r>
+          </a:p>
+          <a:p>
+            <a:r>
+              <a:rPr lang="en-US" sz="4000" dirty="0" smtClean="0">
+                <a:latin typeface="Helvetica"/>
+                <a:cs typeface="Helvetica"/>
               </a:rPr>
               <a:t>     </a:t>
             </a:r>
-            <a:r>
-              <a:rPr lang="en-US" sz="4000" dirty="0" smtClean="0">
-                <a:latin typeface="Arial" panose="020B0604020202020204" pitchFamily="34" charset="0"/>
-                <a:cs typeface="Arial" panose="020B0604020202020204" pitchFamily="34" charset="0"/>
-              </a:rPr>
-              <a:t>In </a:t>
-            </a:r>
-            <a:r>
-              <a:rPr lang="en-US" sz="4000" dirty="0" smtClean="0">
-                <a:latin typeface="Arial" panose="020B0604020202020204" pitchFamily="34" charset="0"/>
-                <a:cs typeface="Arial" panose="020B0604020202020204" pitchFamily="34" charset="0"/>
-              </a:rPr>
-              <a:t>the modern day, airplanes are a frequently-used means of transportation. However, using it is fairly expensive to manage due to costs of fuel and delay. Due to many different factors, such as weather, restricted areas, and jet streams, it’s very difficult to keep this cost of such transportation at an optimal level; airports are always looking for more ways to optimize their flights. What we aim to do here in Flight Quest is to optimize to the best of our ability the costs of airplane flights using machine learning techniques on large sets of data.</a:t>
-            </a:r>
-          </a:p>
-          <a:p>
-            <a:r>
-              <a:rPr lang="en-US" sz="4000" dirty="0" smtClean="0">
-                <a:latin typeface="Arial" panose="020B0604020202020204" pitchFamily="34" charset="0"/>
-                <a:cs typeface="Arial" panose="020B0604020202020204" pitchFamily="34" charset="0"/>
-              </a:rPr>
-              <a:t>     </a:t>
-            </a:r>
           </a:p>
           <a:p>
             <a:r>
               <a:rPr lang="en-US" sz="4000" dirty="0">
-                <a:latin typeface="Arial" panose="020B0604020202020204" pitchFamily="34" charset="0"/>
-                <a:cs typeface="Arial" panose="020B0604020202020204" pitchFamily="34" charset="0"/>
+                <a:latin typeface="Helvetica"/>
+                <a:cs typeface="Helvetica"/>
               </a:rPr>
               <a:t> </a:t>
             </a:r>
             <a:r>
               <a:rPr lang="en-US" sz="4000" dirty="0" smtClean="0">
-                <a:latin typeface="Arial" panose="020B0604020202020204" pitchFamily="34" charset="0"/>
-                <a:cs typeface="Arial" panose="020B0604020202020204" pitchFamily="34" charset="0"/>
+                <a:latin typeface="Helvetica"/>
+                <a:cs typeface="Helvetica"/>
               </a:rPr>
               <a:t>    Our task consists of using data obtained from previous flights to try and find optimal paths and conditions (e.g. speed, altitude) for new flights to take. However, since we don’t know exactly what features would be useful to train on, our data set contains many different attributes, making it very large and time-expensive to work with.</a:t>
             </a:r>
             <a:endParaRPr lang="en-US" sz="4000" dirty="0">
-              <a:latin typeface="Arial" panose="020B0604020202020204" pitchFamily="34" charset="0"/>
-              <a:cs typeface="Arial" panose="020B0604020202020204" pitchFamily="34" charset="0"/>
+              <a:latin typeface="Helvetica"/>
+              <a:cs typeface="Helvetica"/>
             </a:endParaRPr>
           </a:p>
           <a:p>
             <a:endParaRPr lang="en-US" sz="4000" dirty="0" smtClean="0">
-              <a:latin typeface="Arial" panose="020B0604020202020204" pitchFamily="34" charset="0"/>
-              <a:cs typeface="Arial" panose="020B0604020202020204" pitchFamily="34" charset="0"/>
+              <a:latin typeface="Helvetica"/>
+              <a:cs typeface="Helvetica"/>
             </a:endParaRPr>
           </a:p>
           <a:p>
             <a:r>
               <a:rPr lang="en-US" sz="4000" dirty="0">
-                <a:latin typeface="Arial" panose="020B0604020202020204" pitchFamily="34" charset="0"/>
-                <a:cs typeface="Arial" panose="020B0604020202020204" pitchFamily="34" charset="0"/>
+                <a:latin typeface="Helvetica"/>
+                <a:cs typeface="Helvetica"/>
               </a:rPr>
               <a:t> </a:t>
             </a:r>
             <a:r>
               <a:rPr lang="en-US" sz="4000" dirty="0" smtClean="0">
-                <a:latin typeface="Arial" panose="020B0604020202020204" pitchFamily="34" charset="0"/>
-                <a:cs typeface="Arial" panose="020B0604020202020204" pitchFamily="34" charset="0"/>
+                <a:latin typeface="Helvetica"/>
+                <a:cs typeface="Helvetica"/>
               </a:rPr>
-              <a:t>    Our motivation for undertaking this task came from searching for something that would challenge us to use what we learned in innovative ways, </a:t>
-            </a:r>
-            <a:r>
-              <a:rPr lang="en-US" sz="4000" dirty="0" smtClean="0">
-                <a:latin typeface="Arial" panose="020B0604020202020204" pitchFamily="34" charset="0"/>
-                <a:cs typeface="Arial" panose="020B0604020202020204" pitchFamily="34" charset="0"/>
-              </a:rPr>
-              <a:t>give </a:t>
-            </a:r>
-            <a:r>
-              <a:rPr lang="en-US" sz="4000" dirty="0" smtClean="0">
-                <a:latin typeface="Arial" panose="020B0604020202020204" pitchFamily="34" charset="0"/>
-                <a:cs typeface="Arial" panose="020B0604020202020204" pitchFamily="34" charset="0"/>
-              </a:rPr>
-              <a:t>us experience with working on a real-life machine learning problem, and </a:t>
-            </a:r>
-            <a:r>
-              <a:rPr lang="en-US" sz="4000" dirty="0" smtClean="0">
-                <a:latin typeface="Arial" panose="020B0604020202020204" pitchFamily="34" charset="0"/>
-                <a:cs typeface="Arial" panose="020B0604020202020204" pitchFamily="34" charset="0"/>
-              </a:rPr>
-              <a:t>have </a:t>
-            </a:r>
-            <a:r>
-              <a:rPr lang="en-US" sz="4000" dirty="0" smtClean="0">
-                <a:latin typeface="Arial" panose="020B0604020202020204" pitchFamily="34" charset="0"/>
-                <a:cs typeface="Arial" panose="020B0604020202020204" pitchFamily="34" charset="0"/>
-              </a:rPr>
-              <a:t>an impact on people’s lives. The Flight Quest problem satiates these desires by starting us off at the beginning, giving us a goal, and then telling us to go about solving this problem however we deem necessary.</a:t>
+              <a:t>    Our motivation for undertaking this task came from searching for something that would challenge us to use what we learned in innovative ways, give us experience with working on a real-life machine learning problem, and have an impact on people’s lives. The Flight Quest problem satiates these desires by starting us off at the beginning, giving us a goal, and then telling us to go about solving this problem however we deem necessary.</a:t>
             </a:r>
             <a:endParaRPr lang="en-US" sz="4000" dirty="0">
-              <a:latin typeface="Arial" panose="020B0604020202020204" pitchFamily="34" charset="0"/>
-              <a:cs typeface="Arial" panose="020B0604020202020204" pitchFamily="34" charset="0"/>
+              <a:latin typeface="Helvetica"/>
+              <a:cs typeface="Helvetica"/>
             </a:endParaRPr>
           </a:p>
         </p:txBody>
@@ -5372,237 +5472,44 @@
           <a:p>
             <a:r>
               <a:rPr lang="en-US" sz="4000" dirty="0" smtClean="0">
-                <a:latin typeface="Arial" panose="020B0604020202020204" pitchFamily="34" charset="0"/>
-                <a:cs typeface="Arial" panose="020B0604020202020204" pitchFamily="34" charset="0"/>
+                <a:latin typeface="Helvetica"/>
+                <a:cs typeface="Helvetica"/>
               </a:rPr>
               <a:t>     First, we created a baseline measure that took the most direct distance in between the current and destination points (via great circle calculation) and made that the desired path. Paths are problematic because of their complex structure so we needed a way to reduce down the data. </a:t>
             </a:r>
           </a:p>
           <a:p>
             <a:endParaRPr lang="en-US" sz="4000" dirty="0">
-              <a:latin typeface="Arial" panose="020B0604020202020204" pitchFamily="34" charset="0"/>
-              <a:cs typeface="Arial" panose="020B0604020202020204" pitchFamily="34" charset="0"/>
+              <a:latin typeface="Helvetica"/>
+              <a:cs typeface="Helvetica"/>
             </a:endParaRPr>
           </a:p>
           <a:p>
             <a:r>
               <a:rPr lang="en-US" sz="4000" dirty="0" smtClean="0">
-                <a:latin typeface="Arial" panose="020B0604020202020204" pitchFamily="34" charset="0"/>
-                <a:cs typeface="Arial" panose="020B0604020202020204" pitchFamily="34" charset="0"/>
+                <a:latin typeface="Helvetica"/>
+                <a:cs typeface="Helvetica"/>
               </a:rPr>
-              <a:t>	Our next step was to identify and work </a:t>
-            </a:r>
+              <a:t>	Our next step was to identify and work 	out a path around restricted areas, 	since no flights are allowed through 	these. In order to account for this, we 	consider numerous points in between 	our current and destination locations 	and then attempt to construct a path 	going through points that don’t lie in 	restricted areas using an A* search.</a:t>
+            </a:r>
+          </a:p>
+          <a:p>
+            <a:endParaRPr lang="en-US" sz="4000" dirty="0">
+              <a:latin typeface="Helvetica"/>
+              <a:cs typeface="Helvetica"/>
+            </a:endParaRPr>
+          </a:p>
+          <a:p>
             <a:r>
               <a:rPr lang="en-US" sz="4000" dirty="0" smtClean="0">
-                <a:latin typeface="Arial" panose="020B0604020202020204" pitchFamily="34" charset="0"/>
-                <a:cs typeface="Arial" panose="020B0604020202020204" pitchFamily="34" charset="0"/>
+                <a:latin typeface="Helvetica"/>
+                <a:cs typeface="Helvetica"/>
               </a:rPr>
-              <a:t>	out </a:t>
-            </a:r>
-            <a:r>
-              <a:rPr lang="en-US" sz="4000" dirty="0" smtClean="0">
-                <a:latin typeface="Arial" panose="020B0604020202020204" pitchFamily="34" charset="0"/>
-                <a:cs typeface="Arial" panose="020B0604020202020204" pitchFamily="34" charset="0"/>
-              </a:rPr>
-              <a:t>a </a:t>
-            </a:r>
-            <a:r>
-              <a:rPr lang="en-US" sz="4000" dirty="0" smtClean="0">
-                <a:latin typeface="Arial" panose="020B0604020202020204" pitchFamily="34" charset="0"/>
-                <a:cs typeface="Arial" panose="020B0604020202020204" pitchFamily="34" charset="0"/>
-              </a:rPr>
-              <a:t>path </a:t>
-            </a:r>
-            <a:r>
-              <a:rPr lang="en-US" sz="4000" dirty="0" smtClean="0">
-                <a:latin typeface="Arial" panose="020B0604020202020204" pitchFamily="34" charset="0"/>
-                <a:cs typeface="Arial" panose="020B0604020202020204" pitchFamily="34" charset="0"/>
-              </a:rPr>
-              <a:t>around restricted areas, </a:t>
-            </a:r>
-            <a:r>
-              <a:rPr lang="en-US" sz="4000" dirty="0" smtClean="0">
-                <a:latin typeface="Arial" panose="020B0604020202020204" pitchFamily="34" charset="0"/>
-                <a:cs typeface="Arial" panose="020B0604020202020204" pitchFamily="34" charset="0"/>
-              </a:rPr>
-              <a:t>	since </a:t>
-            </a:r>
-            <a:r>
-              <a:rPr lang="en-US" sz="4000" dirty="0" smtClean="0">
-                <a:latin typeface="Arial" panose="020B0604020202020204" pitchFamily="34" charset="0"/>
-                <a:cs typeface="Arial" panose="020B0604020202020204" pitchFamily="34" charset="0"/>
-              </a:rPr>
-              <a:t>no flights </a:t>
-            </a:r>
-            <a:r>
-              <a:rPr lang="en-US" sz="4000" dirty="0" smtClean="0">
-                <a:latin typeface="Arial" panose="020B0604020202020204" pitchFamily="34" charset="0"/>
-                <a:cs typeface="Arial" panose="020B0604020202020204" pitchFamily="34" charset="0"/>
-              </a:rPr>
-              <a:t>are allowed through 	these. </a:t>
-            </a:r>
-            <a:r>
-              <a:rPr lang="en-US" sz="4000" dirty="0" smtClean="0">
-                <a:latin typeface="Arial" panose="020B0604020202020204" pitchFamily="34" charset="0"/>
-                <a:cs typeface="Arial" panose="020B0604020202020204" pitchFamily="34" charset="0"/>
-              </a:rPr>
-              <a:t>In order to account for </a:t>
-            </a:r>
-            <a:r>
-              <a:rPr lang="en-US" sz="4000" dirty="0" smtClean="0">
-                <a:latin typeface="Arial" panose="020B0604020202020204" pitchFamily="34" charset="0"/>
-                <a:cs typeface="Arial" panose="020B0604020202020204" pitchFamily="34" charset="0"/>
-              </a:rPr>
-              <a:t>this</a:t>
-            </a:r>
-            <a:r>
-              <a:rPr lang="en-US" sz="4000" dirty="0" smtClean="0">
-                <a:latin typeface="Arial" panose="020B0604020202020204" pitchFamily="34" charset="0"/>
-                <a:cs typeface="Arial" panose="020B0604020202020204" pitchFamily="34" charset="0"/>
-              </a:rPr>
-              <a:t>, </a:t>
-            </a:r>
-            <a:r>
-              <a:rPr lang="en-US" sz="4000" dirty="0" smtClean="0">
-                <a:latin typeface="Arial" panose="020B0604020202020204" pitchFamily="34" charset="0"/>
-                <a:cs typeface="Arial" panose="020B0604020202020204" pitchFamily="34" charset="0"/>
-              </a:rPr>
-              <a:t>we 	consider </a:t>
-            </a:r>
-            <a:r>
-              <a:rPr lang="en-US" sz="4000" dirty="0" smtClean="0">
-                <a:latin typeface="Arial" panose="020B0604020202020204" pitchFamily="34" charset="0"/>
-                <a:cs typeface="Arial" panose="020B0604020202020204" pitchFamily="34" charset="0"/>
-              </a:rPr>
-              <a:t>numerous points in </a:t>
-            </a:r>
-            <a:r>
-              <a:rPr lang="en-US" sz="4000" dirty="0" smtClean="0">
-                <a:latin typeface="Arial" panose="020B0604020202020204" pitchFamily="34" charset="0"/>
-                <a:cs typeface="Arial" panose="020B0604020202020204" pitchFamily="34" charset="0"/>
-              </a:rPr>
-              <a:t>between 	our </a:t>
-            </a:r>
-            <a:r>
-              <a:rPr lang="en-US" sz="4000" dirty="0" smtClean="0">
-                <a:latin typeface="Arial" panose="020B0604020202020204" pitchFamily="34" charset="0"/>
-                <a:cs typeface="Arial" panose="020B0604020202020204" pitchFamily="34" charset="0"/>
-              </a:rPr>
-              <a:t>current and destination </a:t>
-            </a:r>
-            <a:r>
-              <a:rPr lang="en-US" sz="4000" dirty="0" smtClean="0">
-                <a:latin typeface="Arial" panose="020B0604020202020204" pitchFamily="34" charset="0"/>
-                <a:cs typeface="Arial" panose="020B0604020202020204" pitchFamily="34" charset="0"/>
-              </a:rPr>
-              <a:t>locations 	and then </a:t>
-            </a:r>
-            <a:r>
-              <a:rPr lang="en-US" sz="4000" dirty="0" smtClean="0">
-                <a:latin typeface="Arial" panose="020B0604020202020204" pitchFamily="34" charset="0"/>
-                <a:cs typeface="Arial" panose="020B0604020202020204" pitchFamily="34" charset="0"/>
-              </a:rPr>
-              <a:t>attempt to </a:t>
-            </a:r>
-            <a:r>
-              <a:rPr lang="en-US" sz="4000" dirty="0" smtClean="0">
-                <a:latin typeface="Arial" panose="020B0604020202020204" pitchFamily="34" charset="0"/>
-                <a:cs typeface="Arial" panose="020B0604020202020204" pitchFamily="34" charset="0"/>
-              </a:rPr>
-              <a:t>construct a </a:t>
-            </a:r>
-            <a:r>
-              <a:rPr lang="en-US" sz="4000" dirty="0" smtClean="0">
-                <a:latin typeface="Arial" panose="020B0604020202020204" pitchFamily="34" charset="0"/>
-                <a:cs typeface="Arial" panose="020B0604020202020204" pitchFamily="34" charset="0"/>
-              </a:rPr>
-              <a:t>path </a:t>
-            </a:r>
-            <a:r>
-              <a:rPr lang="en-US" sz="4000" dirty="0" smtClean="0">
-                <a:latin typeface="Arial" panose="020B0604020202020204" pitchFamily="34" charset="0"/>
-                <a:cs typeface="Arial" panose="020B0604020202020204" pitchFamily="34" charset="0"/>
-              </a:rPr>
-              <a:t>	going through </a:t>
-            </a:r>
-            <a:r>
-              <a:rPr lang="en-US" sz="4000" dirty="0" smtClean="0">
-                <a:latin typeface="Arial" panose="020B0604020202020204" pitchFamily="34" charset="0"/>
-                <a:cs typeface="Arial" panose="020B0604020202020204" pitchFamily="34" charset="0"/>
-              </a:rPr>
-              <a:t>points that don’t </a:t>
-            </a:r>
-            <a:r>
-              <a:rPr lang="en-US" sz="4000" dirty="0" smtClean="0">
-                <a:latin typeface="Arial" panose="020B0604020202020204" pitchFamily="34" charset="0"/>
-                <a:cs typeface="Arial" panose="020B0604020202020204" pitchFamily="34" charset="0"/>
-              </a:rPr>
-              <a:t>lie </a:t>
-            </a:r>
-            <a:r>
-              <a:rPr lang="en-US" sz="4000" dirty="0" smtClean="0">
-                <a:latin typeface="Arial" panose="020B0604020202020204" pitchFamily="34" charset="0"/>
-                <a:cs typeface="Arial" panose="020B0604020202020204" pitchFamily="34" charset="0"/>
-              </a:rPr>
-              <a:t>in </a:t>
-            </a:r>
-            <a:r>
-              <a:rPr lang="en-US" sz="4000" dirty="0" smtClean="0">
-                <a:latin typeface="Arial" panose="020B0604020202020204" pitchFamily="34" charset="0"/>
-                <a:cs typeface="Arial" panose="020B0604020202020204" pitchFamily="34" charset="0"/>
-              </a:rPr>
-              <a:t>	restricted areas </a:t>
-            </a:r>
-            <a:r>
-              <a:rPr lang="en-US" sz="4000" dirty="0" smtClean="0">
-                <a:latin typeface="Arial" panose="020B0604020202020204" pitchFamily="34" charset="0"/>
-                <a:cs typeface="Arial" panose="020B0604020202020204" pitchFamily="34" charset="0"/>
-              </a:rPr>
-              <a:t>using an A* </a:t>
-            </a:r>
-            <a:r>
-              <a:rPr lang="en-US" sz="4000" dirty="0" smtClean="0">
-                <a:latin typeface="Arial" panose="020B0604020202020204" pitchFamily="34" charset="0"/>
-                <a:cs typeface="Arial" panose="020B0604020202020204" pitchFamily="34" charset="0"/>
-              </a:rPr>
-              <a:t>search.</a:t>
-            </a:r>
-            <a:endParaRPr lang="en-US" sz="4000" dirty="0" smtClean="0">
-              <a:latin typeface="Arial" panose="020B0604020202020204" pitchFamily="34" charset="0"/>
-              <a:cs typeface="Arial" panose="020B0604020202020204" pitchFamily="34" charset="0"/>
-            </a:endParaRPr>
-          </a:p>
-          <a:p>
+              <a:t>     Afterwards, we focused on finding optimal speeds, altitudes, and descent patterns for segments of our new generated flight path in order to find the best balance between fuel consumption and arrival time. In order to do this, we would need to first find the features that would be significant enough to train on and then train our data using a model. Another challenge would be finding out which learning algorithms would be appropriate.</a:t>
+            </a:r>
             <a:endParaRPr lang="en-US" sz="4000" dirty="0">
-              <a:latin typeface="Arial" panose="020B0604020202020204" pitchFamily="34" charset="0"/>
-              <a:cs typeface="Arial" panose="020B0604020202020204" pitchFamily="34" charset="0"/>
-            </a:endParaRPr>
-          </a:p>
-          <a:p>
-            <a:r>
-              <a:rPr lang="en-US" sz="4000" dirty="0" smtClean="0">
-                <a:latin typeface="Arial" panose="020B0604020202020204" pitchFamily="34" charset="0"/>
-                <a:cs typeface="Arial" panose="020B0604020202020204" pitchFamily="34" charset="0"/>
-              </a:rPr>
-              <a:t>     Afterwards, we focused on finding optimal </a:t>
-            </a:r>
-            <a:r>
-              <a:rPr lang="en-US" sz="4000" dirty="0" smtClean="0">
-                <a:latin typeface="Arial" panose="020B0604020202020204" pitchFamily="34" charset="0"/>
-                <a:cs typeface="Arial" panose="020B0604020202020204" pitchFamily="34" charset="0"/>
-              </a:rPr>
-              <a:t>speeds, altitudes, and descent patterns </a:t>
-            </a:r>
-            <a:r>
-              <a:rPr lang="en-US" sz="4000" dirty="0" smtClean="0">
-                <a:latin typeface="Arial" panose="020B0604020202020204" pitchFamily="34" charset="0"/>
-                <a:cs typeface="Arial" panose="020B0604020202020204" pitchFamily="34" charset="0"/>
-              </a:rPr>
-              <a:t>for segments of our new generated flight path in order to find the best balance between fuel consumption and arrival time. In order to do this, we would need to first find the features that would be significant enough to train on and then train our data using a model. Another challenge would be finding out which learning algorithms would be appropriate.</a:t>
-            </a:r>
-            <a:endParaRPr lang="en-US" sz="4000" dirty="0">
-              <a:latin typeface="Arial" panose="020B0604020202020204" pitchFamily="34" charset="0"/>
-              <a:cs typeface="Arial" panose="020B0604020202020204" pitchFamily="34" charset="0"/>
+              <a:latin typeface="Helvetica"/>
+              <a:cs typeface="Helvetica"/>
             </a:endParaRPr>
           </a:p>
         </p:txBody>
@@ -5641,14 +5548,14 @@
             <a:noFill/>
           </a:ln>
           <a:extLst>
-            <a:ext uri="{909E8E84-426E-40DD-AFC4-6F175D3DCCD1}">
+            <a:ext uri="{909E8E84-426E-40dd-AFC4-6F175D3DCCD1}">
               <a14:hiddenFill xmlns:a14="http://schemas.microsoft.com/office/drawing/2010/main">
                 <a:solidFill>
                   <a:schemeClr val="accent1"/>
                 </a:solidFill>
               </a14:hiddenFill>
             </a:ext>
-            <a:ext uri="{91240B29-F687-4F45-9708-019B960494DF}">
+            <a:ext uri="{91240B29-F687-4f45-9708-019B960494DF}">
               <a14:hiddenLine xmlns:a14="http://schemas.microsoft.com/office/drawing/2010/main" w="9525">
                 <a:solidFill>
                   <a:schemeClr val="tx1"/>
@@ -5674,7 +5581,7 @@
   <p:timing>
     <p:tnLst>
       <p:par>
-        <p:cTn id="1" dur="indefinite" restart="never" nodeType="tmRoot"/>
+        <p:cTn xmlns:p14="http://schemas.microsoft.com/office/powerpoint/2010/main" id="1" dur="indefinite" restart="never" nodeType="tmRoot"/>
       </p:par>
     </p:tnLst>
   </p:timing>
